--- a/hw02.pptx
+++ b/hw02.pptx
@@ -2,10 +2,20 @@
 <file path=ppt/presentation.xml><?xml version="1.0" encoding="utf-8"?>
 <p:presentation xmlns:a="http://schemas.openxmlformats.org/drawingml/2006/main" xmlns:r="http://schemas.openxmlformats.org/officeDocument/2006/relationships" xmlns:p="http://schemas.openxmlformats.org/presentationml/2006/main" saveSubsetFonts="1">
   <p:sldMasterIdLst>
-    <p:sldMasterId id="2147483648" r:id="rId1"/>
+    <p:sldMasterId id="2147483684" r:id="rId1"/>
   </p:sldMasterIdLst>
+  <p:notesMasterIdLst>
+    <p:notesMasterId r:id="rId10"/>
+  </p:notesMasterIdLst>
   <p:sldIdLst>
     <p:sldId id="256" r:id="rId2"/>
+    <p:sldId id="257" r:id="rId3"/>
+    <p:sldId id="258" r:id="rId4"/>
+    <p:sldId id="259" r:id="rId5"/>
+    <p:sldId id="260" r:id="rId6"/>
+    <p:sldId id="261" r:id="rId7"/>
+    <p:sldId id="262" r:id="rId8"/>
+    <p:sldId id="263" r:id="rId9"/>
   </p:sldIdLst>
   <p:sldSz cx="12192000" cy="6858000"/>
   <p:notesSz cx="6858000" cy="9144000"/>
@@ -104,12 +114,32 @@
       </a:defRPr>
     </a:lvl9pPr>
   </p:defaultTextStyle>
+  <p:extLst>
+    <p:ext uri="{EFAFB233-063F-42B5-8137-9DF3F51BA10A}">
+      <p15:sldGuideLst xmlns:p15="http://schemas.microsoft.com/office/powerpoint/2012/main"/>
+    </p:ext>
+  </p:extLst>
 </p:presentation>
 </file>
 
-<file path=ppt/slideLayouts/slideLayout1.xml><?xml version="1.0" encoding="utf-8"?>
-<p:sldLayout xmlns:a="http://schemas.openxmlformats.org/drawingml/2006/main" xmlns:r="http://schemas.openxmlformats.org/officeDocument/2006/relationships" xmlns:p="http://schemas.openxmlformats.org/presentationml/2006/main" type="title" preserve="1">
-  <p:cSld name="標題投影片">
+<file path=ppt/revisionInfo.xml><?xml version="1.0" encoding="utf-8"?>
+<p1510:revInfo xmlns:a="http://schemas.openxmlformats.org/drawingml/2006/main" xmlns:r="http://schemas.openxmlformats.org/officeDocument/2006/relationships" xmlns:p1510="http://schemas.microsoft.com/office/powerpoint/2015/10/main">
+  <p1510:revLst>
+    <p1510:client id="{65ACCE5C-2D2A-24B6-C785-5F4EAC8CEB17}" v="2" dt="2024-10-16T08:20:54.758"/>
+    <p1510:client id="{BDF85288-547D-E717-3789-E9CE2EB3AE3B}" v="18" dt="2024-10-16T08:26:47.488"/>
+    <p1510:client id="{C63A8C10-91F7-ECA7-8FE6-70F4689611A1}" v="677" dt="2024-10-16T15:09:24.745"/>
+  </p1510:revLst>
+</p1510:revInfo>
+</file>
+
+<file path=ppt/notesMasters/notesMaster1.xml><?xml version="1.0" encoding="utf-8"?>
+<p:notesMaster xmlns:a="http://schemas.openxmlformats.org/drawingml/2006/main" xmlns:r="http://schemas.openxmlformats.org/officeDocument/2006/relationships" xmlns:p="http://schemas.openxmlformats.org/presentationml/2006/main">
+  <p:cSld>
+    <p:bg>
+      <p:bgRef idx="1001">
+        <a:schemeClr val="bg1"/>
+      </p:bgRef>
+    </p:bg>
     <p:spTree>
       <p:nvGrpSpPr>
         <p:cNvPr id="1" name=""/>
@@ -126,13 +156,1445 @@
       </p:grpSpPr>
       <p:sp>
         <p:nvSpPr>
-          <p:cNvPr id="2" name="標題 1">
-            <a:extLst>
-              <a:ext uri="{FF2B5EF4-FFF2-40B4-BE49-F238E27FC236}">
-                <a16:creationId xmlns:a16="http://schemas.microsoft.com/office/drawing/2014/main" id="{EB5CC918-B447-434E-B98E-5847BB49C259}"/>
-              </a:ext>
-            </a:extLst>
-          </p:cNvPr>
+          <p:cNvPr id="2" name="頁首版面配置區 1"/>
+          <p:cNvSpPr>
+            <a:spLocks noGrp="1"/>
+          </p:cNvSpPr>
+          <p:nvPr>
+            <p:ph type="hdr" sz="quarter"/>
+          </p:nvPr>
+        </p:nvSpPr>
+        <p:spPr>
+          <a:xfrm>
+            <a:off x="0" y="0"/>
+            <a:ext cx="2971800" cy="458788"/>
+          </a:xfrm>
+          <a:prstGeom prst="rect">
+            <a:avLst/>
+          </a:prstGeom>
+        </p:spPr>
+        <p:txBody>
+          <a:bodyPr vert="horz" lIns="91440" tIns="45720" rIns="91440" bIns="45720" rtlCol="0"/>
+          <a:lstStyle>
+            <a:lvl1pPr algn="l">
+              <a:defRPr sz="1200"/>
+            </a:lvl1pPr>
+          </a:lstStyle>
+          <a:p>
+            <a:endParaRPr lang="zh-TW" altLang="en-US"/>
+          </a:p>
+        </p:txBody>
+      </p:sp>
+      <p:sp>
+        <p:nvSpPr>
+          <p:cNvPr id="3" name="日期版面配置區 2"/>
+          <p:cNvSpPr>
+            <a:spLocks noGrp="1"/>
+          </p:cNvSpPr>
+          <p:nvPr>
+            <p:ph type="dt" idx="1"/>
+          </p:nvPr>
+        </p:nvSpPr>
+        <p:spPr>
+          <a:xfrm>
+            <a:off x="3884613" y="0"/>
+            <a:ext cx="2971800" cy="458788"/>
+          </a:xfrm>
+          <a:prstGeom prst="rect">
+            <a:avLst/>
+          </a:prstGeom>
+        </p:spPr>
+        <p:txBody>
+          <a:bodyPr vert="horz" lIns="91440" tIns="45720" rIns="91440" bIns="45720" rtlCol="0"/>
+          <a:lstStyle>
+            <a:lvl1pPr algn="r">
+              <a:defRPr sz="1200"/>
+            </a:lvl1pPr>
+          </a:lstStyle>
+          <a:p>
+            <a:fld id="{D25F1249-E6F3-477B-A72F-1B852D486C19}" type="datetimeFigureOut">
+              <a:t>2024/10/16</a:t>
+            </a:fld>
+            <a:endParaRPr lang="zh-TW" altLang="en-US"/>
+          </a:p>
+        </p:txBody>
+      </p:sp>
+      <p:sp>
+        <p:nvSpPr>
+          <p:cNvPr id="4" name="投影片影像版面配置區 3"/>
+          <p:cNvSpPr>
+            <a:spLocks noGrp="1" noRot="1" noChangeAspect="1"/>
+          </p:cNvSpPr>
+          <p:nvPr>
+            <p:ph type="sldImg" idx="2"/>
+          </p:nvPr>
+        </p:nvSpPr>
+        <p:spPr>
+          <a:xfrm>
+            <a:off x="685800" y="1143000"/>
+            <a:ext cx="5486400" cy="3086100"/>
+          </a:xfrm>
+          <a:prstGeom prst="rect">
+            <a:avLst/>
+          </a:prstGeom>
+          <a:noFill/>
+          <a:ln w="12700">
+            <a:solidFill>
+              <a:prstClr val="black"/>
+            </a:solidFill>
+          </a:ln>
+        </p:spPr>
+        <p:txBody>
+          <a:bodyPr vert="horz" lIns="91440" tIns="45720" rIns="91440" bIns="45720" rtlCol="0" anchor="ctr"/>
+          <a:lstStyle/>
+          <a:p>
+            <a:endParaRPr lang="zh-TW" altLang="en-US"/>
+          </a:p>
+        </p:txBody>
+      </p:sp>
+      <p:sp>
+        <p:nvSpPr>
+          <p:cNvPr id="5" name="備忘稿版面配置區 4"/>
+          <p:cNvSpPr>
+            <a:spLocks noGrp="1"/>
+          </p:cNvSpPr>
+          <p:nvPr>
+            <p:ph type="body" sz="quarter" idx="3"/>
+          </p:nvPr>
+        </p:nvSpPr>
+        <p:spPr>
+          <a:xfrm>
+            <a:off x="685800" y="4400550"/>
+            <a:ext cx="5486400" cy="3600450"/>
+          </a:xfrm>
+          <a:prstGeom prst="rect">
+            <a:avLst/>
+          </a:prstGeom>
+        </p:spPr>
+        <p:txBody>
+          <a:bodyPr vert="horz" lIns="91440" tIns="45720" rIns="91440" bIns="45720" rtlCol="0"/>
+          <a:lstStyle/>
+          <a:p>
+            <a:pPr lvl="0"/>
+            <a:r>
+              <a:rPr lang="zh-TW" altLang="en-US"/>
+              <a:t>按一下以編輯母片文字樣式</a:t>
+            </a:r>
+          </a:p>
+          <a:p>
+            <a:pPr lvl="1"/>
+            <a:r>
+              <a:rPr lang="zh-TW" altLang="en-US"/>
+              <a:t>第二層</a:t>
+            </a:r>
+          </a:p>
+          <a:p>
+            <a:pPr lvl="2"/>
+            <a:r>
+              <a:rPr lang="zh-TW" altLang="en-US"/>
+              <a:t>第三層</a:t>
+            </a:r>
+          </a:p>
+          <a:p>
+            <a:pPr lvl="3"/>
+            <a:r>
+              <a:rPr lang="zh-TW" altLang="en-US"/>
+              <a:t>第四層</a:t>
+            </a:r>
+          </a:p>
+          <a:p>
+            <a:pPr lvl="4"/>
+            <a:r>
+              <a:rPr lang="zh-TW" altLang="en-US"/>
+              <a:t>第五層</a:t>
+            </a:r>
+          </a:p>
+        </p:txBody>
+      </p:sp>
+      <p:sp>
+        <p:nvSpPr>
+          <p:cNvPr id="6" name="頁尾版面配置區 5"/>
+          <p:cNvSpPr>
+            <a:spLocks noGrp="1"/>
+          </p:cNvSpPr>
+          <p:nvPr>
+            <p:ph type="ftr" sz="quarter" idx="4"/>
+          </p:nvPr>
+        </p:nvSpPr>
+        <p:spPr>
+          <a:xfrm>
+            <a:off x="0" y="8685213"/>
+            <a:ext cx="2971800" cy="458787"/>
+          </a:xfrm>
+          <a:prstGeom prst="rect">
+            <a:avLst/>
+          </a:prstGeom>
+        </p:spPr>
+        <p:txBody>
+          <a:bodyPr vert="horz" lIns="91440" tIns="45720" rIns="91440" bIns="45720" rtlCol="0" anchor="b"/>
+          <a:lstStyle>
+            <a:lvl1pPr algn="l">
+              <a:defRPr sz="1200"/>
+            </a:lvl1pPr>
+          </a:lstStyle>
+          <a:p>
+            <a:endParaRPr lang="zh-TW" altLang="en-US"/>
+          </a:p>
+        </p:txBody>
+      </p:sp>
+      <p:sp>
+        <p:nvSpPr>
+          <p:cNvPr id="7" name="投影片編號版面配置區 6"/>
+          <p:cNvSpPr>
+            <a:spLocks noGrp="1"/>
+          </p:cNvSpPr>
+          <p:nvPr>
+            <p:ph type="sldNum" sz="quarter" idx="5"/>
+          </p:nvPr>
+        </p:nvSpPr>
+        <p:spPr>
+          <a:xfrm>
+            <a:off x="3884613" y="8685213"/>
+            <a:ext cx="2971800" cy="458787"/>
+          </a:xfrm>
+          <a:prstGeom prst="rect">
+            <a:avLst/>
+          </a:prstGeom>
+        </p:spPr>
+        <p:txBody>
+          <a:bodyPr vert="horz" lIns="91440" tIns="45720" rIns="91440" bIns="45720" rtlCol="0" anchor="b"/>
+          <a:lstStyle>
+            <a:lvl1pPr algn="r">
+              <a:defRPr sz="1200"/>
+            </a:lvl1pPr>
+          </a:lstStyle>
+          <a:p>
+            <a:fld id="{C49778A7-852D-46A4-A3C8-A3349625CE52}" type="slidenum">
+              <a:t>‹#›</a:t>
+            </a:fld>
+            <a:endParaRPr lang="zh-TW" altLang="en-US"/>
+          </a:p>
+        </p:txBody>
+      </p:sp>
+    </p:spTree>
+    <p:extLst>
+      <p:ext uri="{BB962C8B-B14F-4D97-AF65-F5344CB8AC3E}">
+        <p14:creationId xmlns:p14="http://schemas.microsoft.com/office/powerpoint/2010/main" val="4069826592"/>
+      </p:ext>
+    </p:extLst>
+  </p:cSld>
+  <p:clrMap bg1="lt1" tx1="dk1" bg2="lt2" tx2="dk2" accent1="accent1" accent2="accent2" accent3="accent3" accent4="accent4" accent5="accent5" accent6="accent6" hlink="hlink" folHlink="folHlink"/>
+  <p:notesStyle>
+    <a:lvl1pPr marL="0" algn="l" defTabSz="914400" rtl="0" eaLnBrk="1" latinLnBrk="0" hangingPunct="1">
+      <a:defRPr sz="1200" kern="1200">
+        <a:solidFill>
+          <a:schemeClr val="tx1"/>
+        </a:solidFill>
+        <a:latin typeface="+mn-lt"/>
+        <a:ea typeface="+mn-ea"/>
+        <a:cs typeface="+mn-cs"/>
+      </a:defRPr>
+    </a:lvl1pPr>
+    <a:lvl2pPr marL="457200" algn="l" defTabSz="914400" rtl="0" eaLnBrk="1" latinLnBrk="0" hangingPunct="1">
+      <a:defRPr sz="1200" kern="1200">
+        <a:solidFill>
+          <a:schemeClr val="tx1"/>
+        </a:solidFill>
+        <a:latin typeface="+mn-lt"/>
+        <a:ea typeface="+mn-ea"/>
+        <a:cs typeface="+mn-cs"/>
+      </a:defRPr>
+    </a:lvl2pPr>
+    <a:lvl3pPr marL="914400" algn="l" defTabSz="914400" rtl="0" eaLnBrk="1" latinLnBrk="0" hangingPunct="1">
+      <a:defRPr sz="1200" kern="1200">
+        <a:solidFill>
+          <a:schemeClr val="tx1"/>
+        </a:solidFill>
+        <a:latin typeface="+mn-lt"/>
+        <a:ea typeface="+mn-ea"/>
+        <a:cs typeface="+mn-cs"/>
+      </a:defRPr>
+    </a:lvl3pPr>
+    <a:lvl4pPr marL="1371600" algn="l" defTabSz="914400" rtl="0" eaLnBrk="1" latinLnBrk="0" hangingPunct="1">
+      <a:defRPr sz="1200" kern="1200">
+        <a:solidFill>
+          <a:schemeClr val="tx1"/>
+        </a:solidFill>
+        <a:latin typeface="+mn-lt"/>
+        <a:ea typeface="+mn-ea"/>
+        <a:cs typeface="+mn-cs"/>
+      </a:defRPr>
+    </a:lvl4pPr>
+    <a:lvl5pPr marL="1828800" algn="l" defTabSz="914400" rtl="0" eaLnBrk="1" latinLnBrk="0" hangingPunct="1">
+      <a:defRPr sz="1200" kern="1200">
+        <a:solidFill>
+          <a:schemeClr val="tx1"/>
+        </a:solidFill>
+        <a:latin typeface="+mn-lt"/>
+        <a:ea typeface="+mn-ea"/>
+        <a:cs typeface="+mn-cs"/>
+      </a:defRPr>
+    </a:lvl5pPr>
+    <a:lvl6pPr marL="2286000" algn="l" defTabSz="914400" rtl="0" eaLnBrk="1" latinLnBrk="0" hangingPunct="1">
+      <a:defRPr sz="1200" kern="1200">
+        <a:solidFill>
+          <a:schemeClr val="tx1"/>
+        </a:solidFill>
+        <a:latin typeface="+mn-lt"/>
+        <a:ea typeface="+mn-ea"/>
+        <a:cs typeface="+mn-cs"/>
+      </a:defRPr>
+    </a:lvl6pPr>
+    <a:lvl7pPr marL="2743200" algn="l" defTabSz="914400" rtl="0" eaLnBrk="1" latinLnBrk="0" hangingPunct="1">
+      <a:defRPr sz="1200" kern="1200">
+        <a:solidFill>
+          <a:schemeClr val="tx1"/>
+        </a:solidFill>
+        <a:latin typeface="+mn-lt"/>
+        <a:ea typeface="+mn-ea"/>
+        <a:cs typeface="+mn-cs"/>
+      </a:defRPr>
+    </a:lvl7pPr>
+    <a:lvl8pPr marL="3200400" algn="l" defTabSz="914400" rtl="0" eaLnBrk="1" latinLnBrk="0" hangingPunct="1">
+      <a:defRPr sz="1200" kern="1200">
+        <a:solidFill>
+          <a:schemeClr val="tx1"/>
+        </a:solidFill>
+        <a:latin typeface="+mn-lt"/>
+        <a:ea typeface="+mn-ea"/>
+        <a:cs typeface="+mn-cs"/>
+      </a:defRPr>
+    </a:lvl8pPr>
+    <a:lvl9pPr marL="3657600" algn="l" defTabSz="914400" rtl="0" eaLnBrk="1" latinLnBrk="0" hangingPunct="1">
+      <a:defRPr sz="1200" kern="1200">
+        <a:solidFill>
+          <a:schemeClr val="tx1"/>
+        </a:solidFill>
+        <a:latin typeface="+mn-lt"/>
+        <a:ea typeface="+mn-ea"/>
+        <a:cs typeface="+mn-cs"/>
+      </a:defRPr>
+    </a:lvl9pPr>
+  </p:notesStyle>
+</p:notesMaster>
+</file>
+
+<file path=ppt/notesSlides/notesSlide1.xml><?xml version="1.0" encoding="utf-8"?>
+<p:notes xmlns:a="http://schemas.openxmlformats.org/drawingml/2006/main" xmlns:r="http://schemas.openxmlformats.org/officeDocument/2006/relationships" xmlns:p="http://schemas.openxmlformats.org/presentationml/2006/main">
+  <p:cSld>
+    <p:spTree>
+      <p:nvGrpSpPr>
+        <p:cNvPr id="1" name=""/>
+        <p:cNvGrpSpPr/>
+        <p:nvPr/>
+      </p:nvGrpSpPr>
+      <p:grpSpPr>
+        <a:xfrm>
+          <a:off x="0" y="0"/>
+          <a:ext cx="0" cy="0"/>
+          <a:chOff x="0" y="0"/>
+          <a:chExt cx="0" cy="0"/>
+        </a:xfrm>
+      </p:grpSpPr>
+      <p:sp>
+        <p:nvSpPr>
+          <p:cNvPr id="2" name="投影片影像版面配置區 1"/>
+          <p:cNvSpPr>
+            <a:spLocks noGrp="1" noRot="1" noChangeAspect="1"/>
+          </p:cNvSpPr>
+          <p:nvPr>
+            <p:ph type="sldImg"/>
+          </p:nvPr>
+        </p:nvSpPr>
+        <p:spPr/>
+      </p:sp>
+      <p:sp>
+        <p:nvSpPr>
+          <p:cNvPr id="3" name="備忘稿版面配置區 2"/>
+          <p:cNvSpPr>
+            <a:spLocks noGrp="1"/>
+          </p:cNvSpPr>
+          <p:nvPr>
+            <p:ph type="body" idx="1"/>
+          </p:nvPr>
+        </p:nvSpPr>
+        <p:spPr/>
+        <p:txBody>
+          <a:bodyPr/>
+          <a:lstStyle/>
+          <a:p>
+            <a:r>
+              <a:rPr lang="en-US" altLang="zh-TW" dirty="0">
+                <a:ea typeface="新細明體"/>
+              </a:rPr>
+              <a:t>[Prompt]</a:t>
+            </a:r>
+            <a:endParaRPr lang="zh-TW" dirty="0">
+              <a:ea typeface="新細明體"/>
+            </a:endParaRPr>
+          </a:p>
+          <a:p>
+            <a:r>
+              <a:rPr lang="en-US" altLang="zh-TW" dirty="0"/>
+              <a:t>An anime-style female character with horns, cat ears, and black, white, and gray short hair, wearing black coat with  teal tie. </a:t>
+            </a:r>
+          </a:p>
+          <a:p>
+            <a:r>
+              <a:rPr lang="en-US" altLang="zh-TW" dirty="0">
+                <a:ea typeface="新細明體"/>
+                <a:cs typeface="Calibri"/>
+              </a:rPr>
+              <a:t>Standing in ancient ruins.</a:t>
+            </a:r>
+          </a:p>
+        </p:txBody>
+      </p:sp>
+      <p:sp>
+        <p:nvSpPr>
+          <p:cNvPr id="4" name="投影片編號版面配置區 3"/>
+          <p:cNvSpPr>
+            <a:spLocks noGrp="1"/>
+          </p:cNvSpPr>
+          <p:nvPr>
+            <p:ph type="sldNum" sz="quarter" idx="5"/>
+          </p:nvPr>
+        </p:nvSpPr>
+        <p:spPr/>
+        <p:txBody>
+          <a:bodyPr/>
+          <a:lstStyle/>
+          <a:p>
+            <a:fld id="{C49778A7-852D-46A4-A3C8-A3349625CE52}" type="slidenum">
+              <a:rPr lang="en-US" altLang="zh-TW"/>
+              <a:t>2</a:t>
+            </a:fld>
+            <a:endParaRPr lang="zh-TW" altLang="en-US"/>
+          </a:p>
+        </p:txBody>
+      </p:sp>
+    </p:spTree>
+    <p:extLst>
+      <p:ext uri="{BB962C8B-B14F-4D97-AF65-F5344CB8AC3E}">
+        <p14:creationId xmlns:p14="http://schemas.microsoft.com/office/powerpoint/2010/main" val="972806571"/>
+      </p:ext>
+    </p:extLst>
+  </p:cSld>
+  <p:clrMapOvr>
+    <a:masterClrMapping/>
+  </p:clrMapOvr>
+</p:notes>
+</file>
+
+<file path=ppt/notesSlides/notesSlide2.xml><?xml version="1.0" encoding="utf-8"?>
+<p:notes xmlns:a="http://schemas.openxmlformats.org/drawingml/2006/main" xmlns:r="http://schemas.openxmlformats.org/officeDocument/2006/relationships" xmlns:p="http://schemas.openxmlformats.org/presentationml/2006/main">
+  <p:cSld>
+    <p:spTree>
+      <p:nvGrpSpPr>
+        <p:cNvPr id="1" name=""/>
+        <p:cNvGrpSpPr/>
+        <p:nvPr/>
+      </p:nvGrpSpPr>
+      <p:grpSpPr>
+        <a:xfrm>
+          <a:off x="0" y="0"/>
+          <a:ext cx="0" cy="0"/>
+          <a:chOff x="0" y="0"/>
+          <a:chExt cx="0" cy="0"/>
+        </a:xfrm>
+      </p:grpSpPr>
+      <p:sp>
+        <p:nvSpPr>
+          <p:cNvPr id="2" name="投影片影像版面配置區 1"/>
+          <p:cNvSpPr>
+            <a:spLocks noGrp="1" noRot="1" noChangeAspect="1"/>
+          </p:cNvSpPr>
+          <p:nvPr>
+            <p:ph type="sldImg"/>
+          </p:nvPr>
+        </p:nvSpPr>
+        <p:spPr/>
+      </p:sp>
+      <p:sp>
+        <p:nvSpPr>
+          <p:cNvPr id="3" name="備忘稿版面配置區 2"/>
+          <p:cNvSpPr>
+            <a:spLocks noGrp="1"/>
+          </p:cNvSpPr>
+          <p:nvPr>
+            <p:ph type="body" idx="1"/>
+          </p:nvPr>
+        </p:nvSpPr>
+        <p:spPr/>
+        <p:txBody>
+          <a:bodyPr/>
+          <a:lstStyle/>
+          <a:p>
+            <a:r>
+              <a:rPr lang="en-US" altLang="zh-TW"/>
+              <a:t>[Prompt]</a:t>
+            </a:r>
+            <a:endParaRPr lang="zh-TW" altLang="en-US"/>
+          </a:p>
+          <a:p>
+            <a:r>
+              <a:rPr lang="en-US" altLang="zh-TW"/>
+              <a:t>An anime-style female character with horns, cat ears, and black, white, and gray short hair, wearing black coat with  teal tie. </a:t>
+            </a:r>
+            <a:endParaRPr lang="zh-TW"/>
+          </a:p>
+          <a:p>
+            <a:r>
+              <a:rPr lang="en" altLang="zh-TW" dirty="0">
+                <a:ea typeface="新細明體"/>
+              </a:rPr>
+              <a:t>On the mountain, the rock monster is chasing behind, she dodges flexibly.</a:t>
+            </a:r>
+            <a:endParaRPr lang="zh-TW" dirty="0">
+              <a:ea typeface="新細明體"/>
+            </a:endParaRPr>
+          </a:p>
+        </p:txBody>
+      </p:sp>
+      <p:sp>
+        <p:nvSpPr>
+          <p:cNvPr id="4" name="投影片編號版面配置區 3"/>
+          <p:cNvSpPr>
+            <a:spLocks noGrp="1"/>
+          </p:cNvSpPr>
+          <p:nvPr>
+            <p:ph type="sldNum" sz="quarter" idx="5"/>
+          </p:nvPr>
+        </p:nvSpPr>
+        <p:spPr/>
+        <p:txBody>
+          <a:bodyPr/>
+          <a:lstStyle/>
+          <a:p>
+            <a:fld id="{C49778A7-852D-46A4-A3C8-A3349625CE52}" type="slidenum">
+              <a:t>3</a:t>
+            </a:fld>
+            <a:endParaRPr lang="zh-TW" altLang="en-US"/>
+          </a:p>
+        </p:txBody>
+      </p:sp>
+    </p:spTree>
+    <p:extLst>
+      <p:ext uri="{BB962C8B-B14F-4D97-AF65-F5344CB8AC3E}">
+        <p14:creationId xmlns:p14="http://schemas.microsoft.com/office/powerpoint/2010/main" val="3732546593"/>
+      </p:ext>
+    </p:extLst>
+  </p:cSld>
+  <p:clrMapOvr>
+    <a:masterClrMapping/>
+  </p:clrMapOvr>
+</p:notes>
+</file>
+
+<file path=ppt/notesSlides/notesSlide3.xml><?xml version="1.0" encoding="utf-8"?>
+<p:notes xmlns:a="http://schemas.openxmlformats.org/drawingml/2006/main" xmlns:r="http://schemas.openxmlformats.org/officeDocument/2006/relationships" xmlns:p="http://schemas.openxmlformats.org/presentationml/2006/main">
+  <p:cSld>
+    <p:spTree>
+      <p:nvGrpSpPr>
+        <p:cNvPr id="1" name=""/>
+        <p:cNvGrpSpPr/>
+        <p:nvPr/>
+      </p:nvGrpSpPr>
+      <p:grpSpPr>
+        <a:xfrm>
+          <a:off x="0" y="0"/>
+          <a:ext cx="0" cy="0"/>
+          <a:chOff x="0" y="0"/>
+          <a:chExt cx="0" cy="0"/>
+        </a:xfrm>
+      </p:grpSpPr>
+      <p:sp>
+        <p:nvSpPr>
+          <p:cNvPr id="2" name="投影片影像版面配置區 1"/>
+          <p:cNvSpPr>
+            <a:spLocks noGrp="1" noRot="1" noChangeAspect="1"/>
+          </p:cNvSpPr>
+          <p:nvPr>
+            <p:ph type="sldImg"/>
+          </p:nvPr>
+        </p:nvSpPr>
+        <p:spPr/>
+      </p:sp>
+      <p:sp>
+        <p:nvSpPr>
+          <p:cNvPr id="3" name="備忘稿版面配置區 2"/>
+          <p:cNvSpPr>
+            <a:spLocks noGrp="1"/>
+          </p:cNvSpPr>
+          <p:nvPr>
+            <p:ph type="body" idx="1"/>
+          </p:nvPr>
+        </p:nvSpPr>
+        <p:spPr/>
+        <p:txBody>
+          <a:bodyPr/>
+          <a:lstStyle/>
+          <a:p>
+            <a:r>
+              <a:rPr lang="en-US" altLang="zh-TW"/>
+              <a:t>[Prompt]</a:t>
+            </a:r>
+            <a:endParaRPr lang="zh-TW"/>
+          </a:p>
+          <a:p>
+            <a:r>
+              <a:rPr lang="en-US" altLang="zh-TW" dirty="0">
+                <a:ea typeface="新細明體"/>
+              </a:rPr>
+              <a:t>An anime-style female character with horns, cat ears, and black, white, and gray short hair, wearing black coat with  teal tie. </a:t>
+            </a:r>
+            <a:endParaRPr lang="zh-TW" dirty="0">
+              <a:ea typeface="新細明體"/>
+            </a:endParaRPr>
+          </a:p>
+          <a:p>
+            <a:pPr>
+              <a:lnSpc>
+                <a:spcPct val="90000"/>
+              </a:lnSpc>
+              <a:spcBef>
+                <a:spcPts val="1000"/>
+              </a:spcBef>
+            </a:pPr>
+            <a:r>
+              <a:rPr lang="en-US" altLang="zh-TW" dirty="0">
+                <a:ea typeface="新細明體"/>
+              </a:rPr>
+              <a:t>Standing</a:t>
+            </a:r>
+            <a:r>
+              <a:rPr lang="zh-TW" altLang="en-US" dirty="0">
+                <a:ea typeface="新細明體"/>
+              </a:rPr>
+              <a:t> </a:t>
+            </a:r>
+            <a:r>
+              <a:rPr lang="en-US" altLang="zh-TW" dirty="0">
+                <a:ea typeface="新細明體"/>
+              </a:rPr>
+              <a:t>at</a:t>
+            </a:r>
+            <a:r>
+              <a:rPr lang="zh-TW" altLang="en-US" dirty="0">
+                <a:ea typeface="新細明體"/>
+              </a:rPr>
+              <a:t> </a:t>
+            </a:r>
+            <a:r>
+              <a:rPr lang="en-US" altLang="zh-TW" dirty="0">
+                <a:ea typeface="新細明體"/>
+              </a:rPr>
+              <a:t>the</a:t>
+            </a:r>
+            <a:r>
+              <a:rPr lang="zh-TW" altLang="en-US" dirty="0">
+                <a:ea typeface="新細明體"/>
+              </a:rPr>
+              <a:t> </a:t>
+            </a:r>
+            <a:r>
+              <a:rPr lang="en-US" altLang="zh-TW" dirty="0">
+                <a:ea typeface="新細明體"/>
+              </a:rPr>
+              <a:t>entrance</a:t>
+            </a:r>
+            <a:r>
+              <a:rPr lang="zh-TW" altLang="en-US" dirty="0">
+                <a:ea typeface="新細明體"/>
+              </a:rPr>
+              <a:t> </a:t>
+            </a:r>
+            <a:r>
+              <a:rPr lang="en-US" altLang="zh-TW" dirty="0">
+                <a:ea typeface="新細明體"/>
+              </a:rPr>
+              <a:t>of</a:t>
+            </a:r>
+            <a:r>
+              <a:rPr lang="zh-TW" altLang="en-US" dirty="0">
+                <a:ea typeface="新細明體"/>
+              </a:rPr>
+              <a:t> </a:t>
+            </a:r>
+            <a:r>
+              <a:rPr lang="en-US" altLang="zh-TW" dirty="0">
+                <a:ea typeface="新細明體"/>
+              </a:rPr>
+              <a:t>the</a:t>
+            </a:r>
+            <a:r>
+              <a:rPr lang="zh-TW" altLang="en-US" dirty="0">
+                <a:ea typeface="新細明體"/>
+              </a:rPr>
+              <a:t> </a:t>
+            </a:r>
+            <a:r>
+              <a:rPr lang="en-US" altLang="zh-TW" dirty="0">
+                <a:ea typeface="新細明體"/>
+              </a:rPr>
+              <a:t>ruins,</a:t>
+            </a:r>
+            <a:r>
+              <a:rPr lang="zh-TW" altLang="en-US" dirty="0">
+                <a:ea typeface="新細明體"/>
+              </a:rPr>
+              <a:t> </a:t>
+            </a:r>
+            <a:r>
+              <a:rPr lang="en-US" altLang="zh-TW" dirty="0">
+                <a:ea typeface="新細明體"/>
+              </a:rPr>
+              <a:t>h</a:t>
+            </a:r>
+            <a:r>
+              <a:rPr lang="zh-TW">
+                <a:ea typeface="新細明體"/>
+              </a:rPr>
+              <a:t>o</a:t>
+            </a:r>
+            <a:r>
+              <a:rPr lang="en-US" altLang="zh-TW" dirty="0" err="1">
+                <a:ea typeface="新細明體"/>
+              </a:rPr>
+              <a:t>lding</a:t>
+            </a:r>
+            <a:r>
+              <a:rPr lang="zh-TW" altLang="en-US" dirty="0">
+                <a:ea typeface="新細明體"/>
+              </a:rPr>
+              <a:t> </a:t>
+            </a:r>
+            <a:r>
+              <a:rPr lang="en-US" altLang="zh-TW" dirty="0">
+                <a:ea typeface="新細明體"/>
+              </a:rPr>
+              <a:t>the</a:t>
+            </a:r>
+            <a:r>
+              <a:rPr lang="zh-TW" altLang="en-US" dirty="0">
+                <a:ea typeface="新細明體"/>
+              </a:rPr>
+              <a:t> </a:t>
+            </a:r>
+            <a:r>
+              <a:rPr lang="en-US" altLang="zh-TW" dirty="0">
+                <a:ea typeface="新細明體"/>
+              </a:rPr>
+              <a:t>ancient</a:t>
+            </a:r>
+            <a:r>
+              <a:rPr lang="zh-TW" altLang="en-US">
+                <a:ea typeface="新細明體"/>
+              </a:rPr>
+              <a:t> </a:t>
+            </a:r>
+            <a:r>
+              <a:rPr lang="zh-TW">
+                <a:ea typeface="新細明體"/>
+              </a:rPr>
+              <a:t>r</a:t>
+            </a:r>
+            <a:r>
+              <a:rPr lang="en-US" altLang="zh-TW" dirty="0" err="1">
+                <a:ea typeface="新細明體"/>
+              </a:rPr>
+              <a:t>une</a:t>
+            </a:r>
+            <a:r>
+              <a:rPr lang="zh-TW" altLang="en-US" dirty="0">
+                <a:ea typeface="新細明體"/>
+              </a:rPr>
+              <a:t> </a:t>
+            </a:r>
+            <a:r>
+              <a:rPr lang="en-US" altLang="zh-TW" dirty="0">
+                <a:ea typeface="新細明體"/>
+              </a:rPr>
+              <a:t>book</a:t>
+            </a:r>
+            <a:r>
+              <a:rPr lang="zh-TW" altLang="en-US" dirty="0">
+                <a:ea typeface="新細明體"/>
+              </a:rPr>
+              <a:t> </a:t>
+            </a:r>
+            <a:r>
+              <a:rPr lang="en-US" altLang="zh-TW" dirty="0">
+                <a:ea typeface="新細明體"/>
+              </a:rPr>
+              <a:t>in</a:t>
+            </a:r>
+            <a:r>
+              <a:rPr lang="zh-TW" altLang="en-US" dirty="0">
+                <a:ea typeface="新細明體"/>
+              </a:rPr>
+              <a:t> </a:t>
+            </a:r>
+            <a:r>
+              <a:rPr lang="en-US" altLang="zh-TW" dirty="0">
+                <a:ea typeface="新細明體"/>
+              </a:rPr>
+              <a:t>his</a:t>
+            </a:r>
+            <a:r>
+              <a:rPr lang="zh-TW" altLang="en-US" dirty="0">
+                <a:ea typeface="新細明體"/>
+              </a:rPr>
+              <a:t> </a:t>
+            </a:r>
+            <a:r>
+              <a:rPr lang="en-US" altLang="zh-TW" dirty="0">
+                <a:ea typeface="新細明體"/>
+              </a:rPr>
+              <a:t>hand,</a:t>
+            </a:r>
+            <a:r>
+              <a:rPr lang="zh-TW" altLang="en-US" dirty="0">
+                <a:ea typeface="新細明體"/>
+              </a:rPr>
+              <a:t> </a:t>
+            </a:r>
+            <a:r>
+              <a:rPr lang="en-US" altLang="zh-TW" dirty="0" err="1">
+                <a:ea typeface="新細明體"/>
+              </a:rPr>
+              <a:t>studyi</a:t>
+            </a:r>
+            <a:r>
+              <a:rPr lang="zh-TW">
+                <a:ea typeface="新細明體"/>
+              </a:rPr>
+              <a:t>n</a:t>
+            </a:r>
+            <a:r>
+              <a:rPr lang="en-US" altLang="zh-TW" dirty="0">
+                <a:ea typeface="新細明體"/>
+              </a:rPr>
+              <a:t>g</a:t>
+            </a:r>
+            <a:r>
+              <a:rPr lang="zh-TW" altLang="en-US" dirty="0">
+                <a:ea typeface="新細明體"/>
+              </a:rPr>
+              <a:t> </a:t>
+            </a:r>
+            <a:r>
+              <a:rPr lang="en-US" altLang="zh-TW" dirty="0">
+                <a:ea typeface="新細明體"/>
+              </a:rPr>
+              <a:t>it</a:t>
+            </a:r>
+            <a:r>
+              <a:rPr lang="zh-TW" altLang="en-US" dirty="0">
+                <a:ea typeface="新細明體"/>
+              </a:rPr>
+              <a:t> </a:t>
+            </a:r>
+            <a:r>
+              <a:rPr lang="en-US" altLang="zh-TW" dirty="0" err="1">
+                <a:ea typeface="新細明體"/>
+              </a:rPr>
+              <a:t>caref</a:t>
+            </a:r>
+            <a:r>
+              <a:rPr lang="zh-TW">
+                <a:ea typeface="新細明體"/>
+              </a:rPr>
+              <a:t>u</a:t>
+            </a:r>
+            <a:r>
+              <a:rPr lang="en-US" altLang="zh-TW" dirty="0" err="1">
+                <a:ea typeface="新細明體"/>
+              </a:rPr>
+              <a:t>lly</a:t>
+            </a:r>
+            <a:r>
+              <a:rPr lang="en-US" altLang="zh-TW" dirty="0">
+                <a:ea typeface="新細明體"/>
+              </a:rPr>
+              <a:t>.</a:t>
+            </a:r>
+            <a:endParaRPr lang="zh-TW" dirty="0">
+              <a:ea typeface="新細明體"/>
+            </a:endParaRPr>
+          </a:p>
+          <a:p>
+            <a:pPr marL="285750" indent="-285750">
+              <a:lnSpc>
+                <a:spcPct val="90000"/>
+              </a:lnSpc>
+              <a:spcBef>
+                <a:spcPts val="1000"/>
+              </a:spcBef>
+              <a:buFont typeface="Arial"/>
+              <a:buChar char="•"/>
+            </a:pPr>
+            <a:endParaRPr lang="zh-TW"/>
+          </a:p>
+          <a:p>
+            <a:endParaRPr lang="en-US" altLang="zh-TW">
+              <a:cs typeface="Calibri"/>
+            </a:endParaRPr>
+          </a:p>
+        </p:txBody>
+      </p:sp>
+      <p:sp>
+        <p:nvSpPr>
+          <p:cNvPr id="4" name="投影片編號版面配置區 3"/>
+          <p:cNvSpPr>
+            <a:spLocks noGrp="1"/>
+          </p:cNvSpPr>
+          <p:nvPr>
+            <p:ph type="sldNum" sz="quarter" idx="5"/>
+          </p:nvPr>
+        </p:nvSpPr>
+        <p:spPr/>
+        <p:txBody>
+          <a:bodyPr/>
+          <a:lstStyle/>
+          <a:p>
+            <a:fld id="{C49778A7-852D-46A4-A3C8-A3349625CE52}" type="slidenum">
+              <a:t>4</a:t>
+            </a:fld>
+            <a:endParaRPr lang="zh-TW" altLang="en-US"/>
+          </a:p>
+        </p:txBody>
+      </p:sp>
+    </p:spTree>
+    <p:extLst>
+      <p:ext uri="{BB962C8B-B14F-4D97-AF65-F5344CB8AC3E}">
+        <p14:creationId xmlns:p14="http://schemas.microsoft.com/office/powerpoint/2010/main" val="1116465107"/>
+      </p:ext>
+    </p:extLst>
+  </p:cSld>
+  <p:clrMapOvr>
+    <a:masterClrMapping/>
+  </p:clrMapOvr>
+</p:notes>
+</file>
+
+<file path=ppt/notesSlides/notesSlide4.xml><?xml version="1.0" encoding="utf-8"?>
+<p:notes xmlns:a="http://schemas.openxmlformats.org/drawingml/2006/main" xmlns:r="http://schemas.openxmlformats.org/officeDocument/2006/relationships" xmlns:p="http://schemas.openxmlformats.org/presentationml/2006/main">
+  <p:cSld>
+    <p:spTree>
+      <p:nvGrpSpPr>
+        <p:cNvPr id="1" name=""/>
+        <p:cNvGrpSpPr/>
+        <p:nvPr/>
+      </p:nvGrpSpPr>
+      <p:grpSpPr>
+        <a:xfrm>
+          <a:off x="0" y="0"/>
+          <a:ext cx="0" cy="0"/>
+          <a:chOff x="0" y="0"/>
+          <a:chExt cx="0" cy="0"/>
+        </a:xfrm>
+      </p:grpSpPr>
+      <p:sp>
+        <p:nvSpPr>
+          <p:cNvPr id="2" name="投影片影像版面配置區 1"/>
+          <p:cNvSpPr>
+            <a:spLocks noGrp="1" noRot="1" noChangeAspect="1"/>
+          </p:cNvSpPr>
+          <p:nvPr>
+            <p:ph type="sldImg"/>
+          </p:nvPr>
+        </p:nvSpPr>
+        <p:spPr/>
+      </p:sp>
+      <p:sp>
+        <p:nvSpPr>
+          <p:cNvPr id="3" name="備忘稿版面配置區 2"/>
+          <p:cNvSpPr>
+            <a:spLocks noGrp="1"/>
+          </p:cNvSpPr>
+          <p:nvPr>
+            <p:ph type="body" idx="1"/>
+          </p:nvPr>
+        </p:nvSpPr>
+        <p:spPr/>
+        <p:txBody>
+          <a:bodyPr/>
+          <a:lstStyle/>
+          <a:p>
+            <a:r>
+              <a:rPr lang="en-US" dirty="0"/>
+              <a:t>[Prompt]</a:t>
+            </a:r>
+            <a:endParaRPr lang="zh-TW" altLang="en-US"/>
+          </a:p>
+          <a:p>
+            <a:r>
+              <a:rPr lang="en-US" dirty="0"/>
+              <a:t>An anime-style female character with horns, cat ears, and black, white, and gray short hair, wearing black coat with  teal tie. </a:t>
+            </a:r>
+            <a:endParaRPr lang="en" dirty="0"/>
+          </a:p>
+          <a:p>
+            <a:r>
+              <a:rPr lang="en" altLang="zh-TW" dirty="0">
+                <a:ea typeface="新細明體"/>
+              </a:rPr>
+              <a:t>In the mysterious room, reach out and touch the glowing crystal.</a:t>
+            </a:r>
+            <a:endParaRPr lang="zh-TW">
+              <a:ea typeface="新細明體"/>
+              <a:cs typeface="Calibri"/>
+            </a:endParaRPr>
+          </a:p>
+        </p:txBody>
+      </p:sp>
+      <p:sp>
+        <p:nvSpPr>
+          <p:cNvPr id="4" name="投影片編號版面配置區 3"/>
+          <p:cNvSpPr>
+            <a:spLocks noGrp="1"/>
+          </p:cNvSpPr>
+          <p:nvPr>
+            <p:ph type="sldNum" sz="quarter" idx="5"/>
+          </p:nvPr>
+        </p:nvSpPr>
+        <p:spPr/>
+        <p:txBody>
+          <a:bodyPr/>
+          <a:lstStyle/>
+          <a:p>
+            <a:fld id="{C49778A7-852D-46A4-A3C8-A3349625CE52}" type="slidenum">
+              <a:t>5</a:t>
+            </a:fld>
+            <a:endParaRPr lang="zh-TW" altLang="en-US"/>
+          </a:p>
+        </p:txBody>
+      </p:sp>
+    </p:spTree>
+    <p:extLst>
+      <p:ext uri="{BB962C8B-B14F-4D97-AF65-F5344CB8AC3E}">
+        <p14:creationId xmlns:p14="http://schemas.microsoft.com/office/powerpoint/2010/main" val="2028777261"/>
+      </p:ext>
+    </p:extLst>
+  </p:cSld>
+  <p:clrMapOvr>
+    <a:masterClrMapping/>
+  </p:clrMapOvr>
+</p:notes>
+</file>
+
+<file path=ppt/notesSlides/notesSlide5.xml><?xml version="1.0" encoding="utf-8"?>
+<p:notes xmlns:a="http://schemas.openxmlformats.org/drawingml/2006/main" xmlns:r="http://schemas.openxmlformats.org/officeDocument/2006/relationships" xmlns:p="http://schemas.openxmlformats.org/presentationml/2006/main">
+  <p:cSld>
+    <p:spTree>
+      <p:nvGrpSpPr>
+        <p:cNvPr id="1" name=""/>
+        <p:cNvGrpSpPr/>
+        <p:nvPr/>
+      </p:nvGrpSpPr>
+      <p:grpSpPr>
+        <a:xfrm>
+          <a:off x="0" y="0"/>
+          <a:ext cx="0" cy="0"/>
+          <a:chOff x="0" y="0"/>
+          <a:chExt cx="0" cy="0"/>
+        </a:xfrm>
+      </p:grpSpPr>
+      <p:sp>
+        <p:nvSpPr>
+          <p:cNvPr id="2" name="投影片影像版面配置區 1"/>
+          <p:cNvSpPr>
+            <a:spLocks noGrp="1" noRot="1" noChangeAspect="1"/>
+          </p:cNvSpPr>
+          <p:nvPr>
+            <p:ph type="sldImg"/>
+          </p:nvPr>
+        </p:nvSpPr>
+        <p:spPr/>
+      </p:sp>
+      <p:sp>
+        <p:nvSpPr>
+          <p:cNvPr id="3" name="備忘稿版面配置區 2"/>
+          <p:cNvSpPr>
+            <a:spLocks noGrp="1"/>
+          </p:cNvSpPr>
+          <p:nvPr>
+            <p:ph type="body" idx="1"/>
+          </p:nvPr>
+        </p:nvSpPr>
+        <p:spPr/>
+        <p:txBody>
+          <a:bodyPr/>
+          <a:lstStyle/>
+          <a:p>
+            <a:r>
+              <a:rPr lang="en-US" dirty="0"/>
+              <a:t>[Prompt]</a:t>
+            </a:r>
+            <a:endParaRPr lang="zh-TW"/>
+          </a:p>
+          <a:p>
+            <a:r>
+              <a:rPr lang="en-US" dirty="0"/>
+              <a:t>An anime-style female character with horns, cat ears, and black, white, and gray short hair, wearing black coat with  teal tie. </a:t>
+            </a:r>
+            <a:endParaRPr lang="zh-TW" dirty="0"/>
+          </a:p>
+          <a:p>
+            <a:pPr>
+              <a:lnSpc>
+                <a:spcPct val="90000"/>
+              </a:lnSpc>
+              <a:spcBef>
+                <a:spcPts val="1000"/>
+              </a:spcBef>
+            </a:pPr>
+            <a:r>
+              <a:rPr lang="zh-TW">
+                <a:ea typeface="新細明體"/>
+              </a:rPr>
+              <a:t>Busy in the virtual space, the surrounding designs shimmer with mysterious light</a:t>
+            </a:r>
+            <a:r>
+              <a:rPr lang="en-US" altLang="zh-TW" dirty="0">
+                <a:ea typeface="新細明體"/>
+              </a:rPr>
+              <a:t>.</a:t>
+            </a:r>
+            <a:endParaRPr lang="zh-TW" altLang="en-US">
+              <a:ea typeface="新細明體"/>
+              <a:cs typeface="Calibri"/>
+            </a:endParaRPr>
+          </a:p>
+          <a:p>
+            <a:pPr marL="171450" indent="-171450">
+              <a:lnSpc>
+                <a:spcPct val="90000"/>
+              </a:lnSpc>
+              <a:spcBef>
+                <a:spcPts val="1000"/>
+              </a:spcBef>
+              <a:buFont typeface="Arial"/>
+              <a:buChar char="•"/>
+            </a:pPr>
+            <a:endParaRPr lang="zh-TW" altLang="en-US"/>
+          </a:p>
+          <a:p>
+            <a:endParaRPr lang="en-US" altLang="zh-TW">
+              <a:ea typeface="新細明體"/>
+              <a:cs typeface="Calibri"/>
+            </a:endParaRPr>
+          </a:p>
+        </p:txBody>
+      </p:sp>
+      <p:sp>
+        <p:nvSpPr>
+          <p:cNvPr id="4" name="投影片編號版面配置區 3"/>
+          <p:cNvSpPr>
+            <a:spLocks noGrp="1"/>
+          </p:cNvSpPr>
+          <p:nvPr>
+            <p:ph type="sldNum" sz="quarter" idx="5"/>
+          </p:nvPr>
+        </p:nvSpPr>
+        <p:spPr/>
+        <p:txBody>
+          <a:bodyPr/>
+          <a:lstStyle/>
+          <a:p>
+            <a:fld id="{C49778A7-852D-46A4-A3C8-A3349625CE52}" type="slidenum">
+              <a:t>6</a:t>
+            </a:fld>
+            <a:endParaRPr lang="zh-TW" altLang="en-US"/>
+          </a:p>
+        </p:txBody>
+      </p:sp>
+    </p:spTree>
+    <p:extLst>
+      <p:ext uri="{BB962C8B-B14F-4D97-AF65-F5344CB8AC3E}">
+        <p14:creationId xmlns:p14="http://schemas.microsoft.com/office/powerpoint/2010/main" val="396739595"/>
+      </p:ext>
+    </p:extLst>
+  </p:cSld>
+  <p:clrMapOvr>
+    <a:masterClrMapping/>
+  </p:clrMapOvr>
+</p:notes>
+</file>
+
+<file path=ppt/notesSlides/notesSlide6.xml><?xml version="1.0" encoding="utf-8"?>
+<p:notes xmlns:a="http://schemas.openxmlformats.org/drawingml/2006/main" xmlns:r="http://schemas.openxmlformats.org/officeDocument/2006/relationships" xmlns:p="http://schemas.openxmlformats.org/presentationml/2006/main">
+  <p:cSld>
+    <p:spTree>
+      <p:nvGrpSpPr>
+        <p:cNvPr id="1" name=""/>
+        <p:cNvGrpSpPr/>
+        <p:nvPr/>
+      </p:nvGrpSpPr>
+      <p:grpSpPr>
+        <a:xfrm>
+          <a:off x="0" y="0"/>
+          <a:ext cx="0" cy="0"/>
+          <a:chOff x="0" y="0"/>
+          <a:chExt cx="0" cy="0"/>
+        </a:xfrm>
+      </p:grpSpPr>
+      <p:sp>
+        <p:nvSpPr>
+          <p:cNvPr id="2" name="投影片影像版面配置區 1"/>
+          <p:cNvSpPr>
+            <a:spLocks noGrp="1" noRot="1" noChangeAspect="1"/>
+          </p:cNvSpPr>
+          <p:nvPr>
+            <p:ph type="sldImg"/>
+          </p:nvPr>
+        </p:nvSpPr>
+        <p:spPr/>
+      </p:sp>
+      <p:sp>
+        <p:nvSpPr>
+          <p:cNvPr id="3" name="備忘稿版面配置區 2"/>
+          <p:cNvSpPr>
+            <a:spLocks noGrp="1"/>
+          </p:cNvSpPr>
+          <p:nvPr>
+            <p:ph type="body" idx="1"/>
+          </p:nvPr>
+        </p:nvSpPr>
+        <p:spPr/>
+        <p:txBody>
+          <a:bodyPr/>
+          <a:lstStyle/>
+          <a:p>
+            <a:r>
+              <a:rPr lang="en-US" dirty="0"/>
+              <a:t>[Prompt]</a:t>
+            </a:r>
+            <a:endParaRPr lang="zh-TW"/>
+          </a:p>
+          <a:p>
+            <a:r>
+              <a:rPr lang="en-US" dirty="0"/>
+              <a:t>An anime-style female character with horns, cat ears, and black, white, and gray short hair, wearing black coat with  teal tie. </a:t>
+            </a:r>
+            <a:endParaRPr lang="en" dirty="0"/>
+          </a:p>
+          <a:p>
+            <a:pPr>
+              <a:lnSpc>
+                <a:spcPct val="90000"/>
+              </a:lnSpc>
+              <a:spcBef>
+                <a:spcPts val="1000"/>
+              </a:spcBef>
+            </a:pPr>
+            <a:r>
+              <a:rPr lang="en" altLang="zh-TW" dirty="0">
+                <a:ea typeface="新細明體"/>
+              </a:rPr>
+              <a:t>In the studio, surrounded by creative design sketches, holding a glowing piece of code in his hand with excitement in her eyes.</a:t>
+            </a:r>
+            <a:endParaRPr lang="zh-TW">
+              <a:ea typeface="新細明體"/>
+              <a:cs typeface="Calibri"/>
+            </a:endParaRPr>
+          </a:p>
+          <a:p>
+            <a:pPr marL="285750" indent="-285750">
+              <a:lnSpc>
+                <a:spcPct val="90000"/>
+              </a:lnSpc>
+              <a:spcBef>
+                <a:spcPts val="1000"/>
+              </a:spcBef>
+              <a:buFont typeface="Arial"/>
+              <a:buChar char="•"/>
+            </a:pPr>
+            <a:endParaRPr lang="zh-TW"/>
+          </a:p>
+          <a:p>
+            <a:endParaRPr lang="en-US" altLang="zh-TW">
+              <a:cs typeface="Calibri"/>
+            </a:endParaRPr>
+          </a:p>
+        </p:txBody>
+      </p:sp>
+      <p:sp>
+        <p:nvSpPr>
+          <p:cNvPr id="4" name="投影片編號版面配置區 3"/>
+          <p:cNvSpPr>
+            <a:spLocks noGrp="1"/>
+          </p:cNvSpPr>
+          <p:nvPr>
+            <p:ph type="sldNum" sz="quarter" idx="5"/>
+          </p:nvPr>
+        </p:nvSpPr>
+        <p:spPr/>
+        <p:txBody>
+          <a:bodyPr/>
+          <a:lstStyle/>
+          <a:p>
+            <a:fld id="{C49778A7-852D-46A4-A3C8-A3349625CE52}" type="slidenum">
+              <a:t>7</a:t>
+            </a:fld>
+            <a:endParaRPr lang="zh-TW" altLang="en-US"/>
+          </a:p>
+        </p:txBody>
+      </p:sp>
+    </p:spTree>
+    <p:extLst>
+      <p:ext uri="{BB962C8B-B14F-4D97-AF65-F5344CB8AC3E}">
+        <p14:creationId xmlns:p14="http://schemas.microsoft.com/office/powerpoint/2010/main" val="3632555270"/>
+      </p:ext>
+    </p:extLst>
+  </p:cSld>
+  <p:clrMapOvr>
+    <a:masterClrMapping/>
+  </p:clrMapOvr>
+</p:notes>
+</file>
+
+<file path=ppt/notesSlides/notesSlide7.xml><?xml version="1.0" encoding="utf-8"?>
+<p:notes xmlns:a="http://schemas.openxmlformats.org/drawingml/2006/main" xmlns:r="http://schemas.openxmlformats.org/officeDocument/2006/relationships" xmlns:p="http://schemas.openxmlformats.org/presentationml/2006/main">
+  <p:cSld>
+    <p:spTree>
+      <p:nvGrpSpPr>
+        <p:cNvPr id="1" name=""/>
+        <p:cNvGrpSpPr/>
+        <p:nvPr/>
+      </p:nvGrpSpPr>
+      <p:grpSpPr>
+        <a:xfrm>
+          <a:off x="0" y="0"/>
+          <a:ext cx="0" cy="0"/>
+          <a:chOff x="0" y="0"/>
+          <a:chExt cx="0" cy="0"/>
+        </a:xfrm>
+      </p:grpSpPr>
+      <p:sp>
+        <p:nvSpPr>
+          <p:cNvPr id="2" name="投影片影像版面配置區 1"/>
+          <p:cNvSpPr>
+            <a:spLocks noGrp="1" noRot="1" noChangeAspect="1"/>
+          </p:cNvSpPr>
+          <p:nvPr>
+            <p:ph type="sldImg"/>
+          </p:nvPr>
+        </p:nvSpPr>
+        <p:spPr/>
+      </p:sp>
+      <p:sp>
+        <p:nvSpPr>
+          <p:cNvPr id="3" name="備忘稿版面配置區 2"/>
+          <p:cNvSpPr>
+            <a:spLocks noGrp="1"/>
+          </p:cNvSpPr>
+          <p:nvPr>
+            <p:ph type="body" idx="1"/>
+          </p:nvPr>
+        </p:nvSpPr>
+        <p:spPr/>
+        <p:txBody>
+          <a:bodyPr/>
+          <a:lstStyle/>
+          <a:p>
+            <a:r>
+              <a:rPr lang="en-US" altLang="zh-TW"/>
+              <a:t>[Prompt]</a:t>
+            </a:r>
+            <a:endParaRPr lang="zh-TW" altLang="en-US"/>
+          </a:p>
+          <a:p>
+            <a:r>
+              <a:rPr lang="en-US" altLang="zh-TW" dirty="0">
+                <a:ea typeface="新細明體"/>
+              </a:rPr>
+              <a:t>An anime-style female character with horns, cat ears, and black, white, and gray short hair, wearing black coat with  teal tie. </a:t>
+            </a:r>
+            <a:endParaRPr lang="zh-TW" dirty="0">
+              <a:ea typeface="新細明體"/>
+            </a:endParaRPr>
+          </a:p>
+          <a:p>
+            <a:pPr>
+              <a:lnSpc>
+                <a:spcPct val="90000"/>
+              </a:lnSpc>
+              <a:spcBef>
+                <a:spcPts val="1000"/>
+              </a:spcBef>
+            </a:pPr>
+            <a:r>
+              <a:rPr lang="en" altLang="zh-TW" dirty="0">
+                <a:ea typeface="新細明體"/>
+              </a:rPr>
+              <a:t>Smiling and facing forward, with a colorful virtual world behind him, symbolizing unlimited creativity.</a:t>
+            </a:r>
+            <a:endParaRPr lang="zh-TW" dirty="0"/>
+          </a:p>
+          <a:p>
+            <a:endParaRPr lang="en-US" altLang="zh-TW">
+              <a:cs typeface="Calibri"/>
+            </a:endParaRPr>
+          </a:p>
+        </p:txBody>
+      </p:sp>
+      <p:sp>
+        <p:nvSpPr>
+          <p:cNvPr id="4" name="投影片編號版面配置區 3"/>
+          <p:cNvSpPr>
+            <a:spLocks noGrp="1"/>
+          </p:cNvSpPr>
+          <p:nvPr>
+            <p:ph type="sldNum" sz="quarter" idx="5"/>
+          </p:nvPr>
+        </p:nvSpPr>
+        <p:spPr/>
+        <p:txBody>
+          <a:bodyPr/>
+          <a:lstStyle/>
+          <a:p>
+            <a:fld id="{C49778A7-852D-46A4-A3C8-A3349625CE52}" type="slidenum">
+              <a:t>8</a:t>
+            </a:fld>
+            <a:endParaRPr lang="zh-TW" altLang="en-US"/>
+          </a:p>
+        </p:txBody>
+      </p:sp>
+    </p:spTree>
+    <p:extLst>
+      <p:ext uri="{BB962C8B-B14F-4D97-AF65-F5344CB8AC3E}">
+        <p14:creationId xmlns:p14="http://schemas.microsoft.com/office/powerpoint/2010/main" val="258711268"/>
+      </p:ext>
+    </p:extLst>
+  </p:cSld>
+  <p:clrMapOvr>
+    <a:masterClrMapping/>
+  </p:clrMapOvr>
+</p:notes>
+</file>
+
+<file path=ppt/slideLayouts/slideLayout1.xml><?xml version="1.0" encoding="utf-8"?>
+<p:sldLayout xmlns:a="http://schemas.openxmlformats.org/drawingml/2006/main" xmlns:r="http://schemas.openxmlformats.org/officeDocument/2006/relationships" xmlns:p="http://schemas.openxmlformats.org/presentationml/2006/main" type="title" preserve="1">
+  <p:cSld name="Title Slide">
+    <p:spTree>
+      <p:nvGrpSpPr>
+        <p:cNvPr id="1" name=""/>
+        <p:cNvGrpSpPr/>
+        <p:nvPr/>
+      </p:nvGrpSpPr>
+      <p:grpSpPr>
+        <a:xfrm>
+          <a:off x="0" y="0"/>
+          <a:ext cx="0" cy="0"/>
+          <a:chOff x="0" y="0"/>
+          <a:chExt cx="0" cy="0"/>
+        </a:xfrm>
+      </p:grpSpPr>
+      <p:sp>
+        <p:nvSpPr>
+          <p:cNvPr id="2" name="Title 1"/>
           <p:cNvSpPr>
             <a:spLocks noGrp="1"/>
           </p:cNvSpPr>
@@ -155,21 +1617,15 @@
           </a:lstStyle>
           <a:p>
             <a:r>
-              <a:rPr lang="zh-TW" altLang="en-US"/>
-              <a:t>按一下以編輯母片標題樣式</a:t>
-            </a:r>
-          </a:p>
-        </p:txBody>
-      </p:sp>
-      <p:sp>
-        <p:nvSpPr>
-          <p:cNvPr id="3" name="副標題 2">
-            <a:extLst>
-              <a:ext uri="{FF2B5EF4-FFF2-40B4-BE49-F238E27FC236}">
-                <a16:creationId xmlns:a16="http://schemas.microsoft.com/office/drawing/2014/main" id="{817FCC70-CC4E-4CB6-B2CF-9FDA5AC4D346}"/>
-              </a:ext>
-            </a:extLst>
-          </p:cNvPr>
+              <a:rPr lang="en-US"/>
+              <a:t>Click to edit Master title style</a:t>
+            </a:r>
+          </a:p>
+        </p:txBody>
+      </p:sp>
+      <p:sp>
+        <p:nvSpPr>
+          <p:cNvPr id="3" name="Subtitle 2"/>
           <p:cNvSpPr>
             <a:spLocks noGrp="1"/>
           </p:cNvSpPr>
@@ -225,21 +1681,15 @@
           </a:lstStyle>
           <a:p>
             <a:r>
-              <a:rPr lang="zh-TW" altLang="en-US"/>
-              <a:t>按一下以編輯母片子標題樣式</a:t>
-            </a:r>
-          </a:p>
-        </p:txBody>
-      </p:sp>
-      <p:sp>
-        <p:nvSpPr>
-          <p:cNvPr id="4" name="日期版面配置區 3">
-            <a:extLst>
-              <a:ext uri="{FF2B5EF4-FFF2-40B4-BE49-F238E27FC236}">
-                <a16:creationId xmlns:a16="http://schemas.microsoft.com/office/drawing/2014/main" id="{BD08F018-0004-4322-AD0F-E6E740964233}"/>
-              </a:ext>
-            </a:extLst>
-          </p:cNvPr>
+              <a:rPr lang="en-US"/>
+              <a:t>Click to edit Master subtitle style</a:t>
+            </a:r>
+          </a:p>
+        </p:txBody>
+      </p:sp>
+      <p:sp>
+        <p:nvSpPr>
+          <p:cNvPr id="4" name="Date Placeholder 3"/>
           <p:cNvSpPr>
             <a:spLocks noGrp="1"/>
           </p:cNvSpPr>
@@ -252,23 +1702,17 @@
           <a:bodyPr/>
           <a:lstStyle/>
           <a:p>
-            <a:fld id="{C3C90D7E-32D6-4894-AE08-7BBB3E610FC9}" type="datetimeFigureOut">
-              <a:rPr lang="zh-TW" altLang="en-US" smtClean="0"/>
-              <a:t>2024/9/16</a:t>
+            <a:fld id="{C764DE79-268F-4C1A-8933-263129D2AF90}" type="datetimeFigureOut">
+              <a:rPr lang="en-US" dirty="0"/>
+              <a:t>10/16/2024</a:t>
             </a:fld>
-            <a:endParaRPr lang="zh-TW" altLang="en-US"/>
-          </a:p>
-        </p:txBody>
-      </p:sp>
-      <p:sp>
-        <p:nvSpPr>
-          <p:cNvPr id="5" name="頁尾版面配置區 4">
-            <a:extLst>
-              <a:ext uri="{FF2B5EF4-FFF2-40B4-BE49-F238E27FC236}">
-                <a16:creationId xmlns:a16="http://schemas.microsoft.com/office/drawing/2014/main" id="{30427B34-CB13-41C7-B2F2-CED9BDC5B595}"/>
-              </a:ext>
-            </a:extLst>
-          </p:cNvPr>
+            <a:endParaRPr lang="en-US"/>
+          </a:p>
+        </p:txBody>
+      </p:sp>
+      <p:sp>
+        <p:nvSpPr>
+          <p:cNvPr id="5" name="Footer Placeholder 4"/>
           <p:cNvSpPr>
             <a:spLocks noGrp="1"/>
           </p:cNvSpPr>
@@ -281,19 +1725,13 @@
           <a:bodyPr/>
           <a:lstStyle/>
           <a:p>
-            <a:endParaRPr lang="zh-TW" altLang="en-US"/>
-          </a:p>
-        </p:txBody>
-      </p:sp>
-      <p:sp>
-        <p:nvSpPr>
-          <p:cNvPr id="6" name="投影片編號版面配置區 5">
-            <a:extLst>
-              <a:ext uri="{FF2B5EF4-FFF2-40B4-BE49-F238E27FC236}">
-                <a16:creationId xmlns:a16="http://schemas.microsoft.com/office/drawing/2014/main" id="{76FA962E-5B03-439A-928C-87366876542D}"/>
-              </a:ext>
-            </a:extLst>
-          </p:cNvPr>
+            <a:endParaRPr lang="en-US"/>
+          </a:p>
+        </p:txBody>
+      </p:sp>
+      <p:sp>
+        <p:nvSpPr>
+          <p:cNvPr id="6" name="Slide Number Placeholder 5"/>
           <p:cNvSpPr>
             <a:spLocks noGrp="1"/>
           </p:cNvSpPr>
@@ -306,30 +1744,42 @@
           <a:bodyPr/>
           <a:lstStyle/>
           <a:p>
-            <a:fld id="{E31EC408-072F-4346-BD0A-D6AA5788A305}" type="slidenum">
-              <a:rPr lang="zh-TW" altLang="en-US" smtClean="0"/>
+            <a:fld id="{48F63A3B-78C7-47BE-AE5E-E10140E04643}" type="slidenum">
+              <a:rPr lang="en-US" dirty="0"/>
               <a:t>‹#›</a:t>
             </a:fld>
-            <a:endParaRPr lang="zh-TW" altLang="en-US"/>
+            <a:endParaRPr lang="en-US"/>
           </a:p>
         </p:txBody>
       </p:sp>
     </p:spTree>
     <p:extLst>
       <p:ext uri="{BB962C8B-B14F-4D97-AF65-F5344CB8AC3E}">
-        <p14:creationId xmlns:p14="http://schemas.microsoft.com/office/powerpoint/2010/main" val="2963035110"/>
+        <p14:creationId xmlns:p14="http://schemas.microsoft.com/office/powerpoint/2010/main" val="563518051"/>
       </p:ext>
     </p:extLst>
   </p:cSld>
   <p:clrMapOvr>
     <a:masterClrMapping/>
   </p:clrMapOvr>
+  <mc:AlternateContent xmlns:mc="http://schemas.openxmlformats.org/markup-compatibility/2006" xmlns:p159="http://schemas.microsoft.com/office/powerpoint/2015/09/main">
+    <mc:Choice Requires="p159">
+      <p:transition spd="slow">
+        <p159:morph option="byObject"/>
+      </p:transition>
+    </mc:Choice>
+    <mc:Fallback xmlns="">
+      <p:transition spd="slow">
+        <p:fade/>
+      </p:transition>
+    </mc:Fallback>
+  </mc:AlternateContent>
 </p:sldLayout>
 </file>
 
 <file path=ppt/slideLayouts/slideLayout10.xml><?xml version="1.0" encoding="utf-8"?>
 <p:sldLayout xmlns:a="http://schemas.openxmlformats.org/drawingml/2006/main" xmlns:r="http://schemas.openxmlformats.org/officeDocument/2006/relationships" xmlns:p="http://schemas.openxmlformats.org/presentationml/2006/main" type="vertTx" preserve="1">
-  <p:cSld name="標題及直排文字">
+  <p:cSld name="Title and Vertical Text">
     <p:spTree>
       <p:nvGrpSpPr>
         <p:cNvPr id="1" name=""/>
@@ -346,13 +1796,7 @@
       </p:grpSpPr>
       <p:sp>
         <p:nvSpPr>
-          <p:cNvPr id="2" name="標題 1">
-            <a:extLst>
-              <a:ext uri="{FF2B5EF4-FFF2-40B4-BE49-F238E27FC236}">
-                <a16:creationId xmlns:a16="http://schemas.microsoft.com/office/drawing/2014/main" id="{A02F0018-7F8E-4206-A929-07CDC6B5F34A}"/>
-              </a:ext>
-            </a:extLst>
-          </p:cNvPr>
+          <p:cNvPr id="2" name="Title 1"/>
           <p:cNvSpPr>
             <a:spLocks noGrp="1"/>
           </p:cNvSpPr>
@@ -366,21 +1810,15 @@
           <a:lstStyle/>
           <a:p>
             <a:r>
-              <a:rPr lang="zh-TW" altLang="en-US"/>
-              <a:t>按一下以編輯母片標題樣式</a:t>
-            </a:r>
-          </a:p>
-        </p:txBody>
-      </p:sp>
-      <p:sp>
-        <p:nvSpPr>
-          <p:cNvPr id="3" name="直排文字版面配置區 2">
-            <a:extLst>
-              <a:ext uri="{FF2B5EF4-FFF2-40B4-BE49-F238E27FC236}">
-                <a16:creationId xmlns:a16="http://schemas.microsoft.com/office/drawing/2014/main" id="{9B801E88-34C3-4545-A358-81F5614FED64}"/>
-              </a:ext>
-            </a:extLst>
-          </p:cNvPr>
+              <a:rPr lang="en-US"/>
+              <a:t>Click to edit Master title style</a:t>
+            </a:r>
+          </a:p>
+        </p:txBody>
+      </p:sp>
+      <p:sp>
+        <p:nvSpPr>
+          <p:cNvPr id="3" name="Vertical Text Placeholder 2"/>
           <p:cNvSpPr>
             <a:spLocks noGrp="1"/>
           </p:cNvSpPr>
@@ -395,49 +1833,43 @@
           <a:p>
             <a:pPr lvl="0"/>
             <a:r>
-              <a:rPr lang="zh-TW" altLang="en-US"/>
-              <a:t>按一下以編輯母片文字樣式</a:t>
+              <a:rPr lang="en-US"/>
+              <a:t>Click to edit Master text styles</a:t>
             </a:r>
           </a:p>
           <a:p>
             <a:pPr lvl="1"/>
             <a:r>
-              <a:rPr lang="zh-TW" altLang="en-US"/>
-              <a:t>第二層</a:t>
+              <a:rPr lang="en-US"/>
+              <a:t>Second level</a:t>
             </a:r>
           </a:p>
           <a:p>
             <a:pPr lvl="2"/>
             <a:r>
-              <a:rPr lang="zh-TW" altLang="en-US"/>
-              <a:t>第三層</a:t>
+              <a:rPr lang="en-US"/>
+              <a:t>Third level</a:t>
             </a:r>
           </a:p>
           <a:p>
             <a:pPr lvl="3"/>
             <a:r>
-              <a:rPr lang="zh-TW" altLang="en-US"/>
-              <a:t>第四層</a:t>
+              <a:rPr lang="en-US"/>
+              <a:t>Fourth level</a:t>
             </a:r>
           </a:p>
           <a:p>
             <a:pPr lvl="4"/>
             <a:r>
-              <a:rPr lang="zh-TW" altLang="en-US"/>
-              <a:t>第五層</a:t>
-            </a:r>
-          </a:p>
-        </p:txBody>
-      </p:sp>
-      <p:sp>
-        <p:nvSpPr>
-          <p:cNvPr id="4" name="日期版面配置區 3">
-            <a:extLst>
-              <a:ext uri="{FF2B5EF4-FFF2-40B4-BE49-F238E27FC236}">
-                <a16:creationId xmlns:a16="http://schemas.microsoft.com/office/drawing/2014/main" id="{60AFD716-8B99-4230-B55F-C8B88ECBB171}"/>
-              </a:ext>
-            </a:extLst>
-          </p:cNvPr>
+              <a:rPr lang="en-US"/>
+              <a:t>Fifth level</a:t>
+            </a:r>
+          </a:p>
+        </p:txBody>
+      </p:sp>
+      <p:sp>
+        <p:nvSpPr>
+          <p:cNvPr id="4" name="Date Placeholder 3"/>
           <p:cNvSpPr>
             <a:spLocks noGrp="1"/>
           </p:cNvSpPr>
@@ -450,23 +1882,17 @@
           <a:bodyPr/>
           <a:lstStyle/>
           <a:p>
-            <a:fld id="{C3C90D7E-32D6-4894-AE08-7BBB3E610FC9}" type="datetimeFigureOut">
-              <a:rPr lang="zh-TW" altLang="en-US" smtClean="0"/>
-              <a:t>2024/9/16</a:t>
+            <a:fld id="{C764DE79-268F-4C1A-8933-263129D2AF90}" type="datetimeFigureOut">
+              <a:rPr lang="en-US" dirty="0"/>
+              <a:t>10/16/2024</a:t>
             </a:fld>
-            <a:endParaRPr lang="zh-TW" altLang="en-US"/>
-          </a:p>
-        </p:txBody>
-      </p:sp>
-      <p:sp>
-        <p:nvSpPr>
-          <p:cNvPr id="5" name="頁尾版面配置區 4">
-            <a:extLst>
-              <a:ext uri="{FF2B5EF4-FFF2-40B4-BE49-F238E27FC236}">
-                <a16:creationId xmlns:a16="http://schemas.microsoft.com/office/drawing/2014/main" id="{EA374743-76D9-4BF8-A60C-2F50B2636A8A}"/>
-              </a:ext>
-            </a:extLst>
-          </p:cNvPr>
+            <a:endParaRPr lang="en-US"/>
+          </a:p>
+        </p:txBody>
+      </p:sp>
+      <p:sp>
+        <p:nvSpPr>
+          <p:cNvPr id="5" name="Footer Placeholder 4"/>
           <p:cNvSpPr>
             <a:spLocks noGrp="1"/>
           </p:cNvSpPr>
@@ -479,19 +1905,13 @@
           <a:bodyPr/>
           <a:lstStyle/>
           <a:p>
-            <a:endParaRPr lang="zh-TW" altLang="en-US"/>
-          </a:p>
-        </p:txBody>
-      </p:sp>
-      <p:sp>
-        <p:nvSpPr>
-          <p:cNvPr id="6" name="投影片編號版面配置區 5">
-            <a:extLst>
-              <a:ext uri="{FF2B5EF4-FFF2-40B4-BE49-F238E27FC236}">
-                <a16:creationId xmlns:a16="http://schemas.microsoft.com/office/drawing/2014/main" id="{00454594-6C11-4013-A666-A151E960EC9B}"/>
-              </a:ext>
-            </a:extLst>
-          </p:cNvPr>
+            <a:endParaRPr lang="en-US"/>
+          </a:p>
+        </p:txBody>
+      </p:sp>
+      <p:sp>
+        <p:nvSpPr>
+          <p:cNvPr id="6" name="Slide Number Placeholder 5"/>
           <p:cNvSpPr>
             <a:spLocks noGrp="1"/>
           </p:cNvSpPr>
@@ -504,30 +1924,42 @@
           <a:bodyPr/>
           <a:lstStyle/>
           <a:p>
-            <a:fld id="{E31EC408-072F-4346-BD0A-D6AA5788A305}" type="slidenum">
-              <a:rPr lang="zh-TW" altLang="en-US" smtClean="0"/>
+            <a:fld id="{48F63A3B-78C7-47BE-AE5E-E10140E04643}" type="slidenum">
+              <a:rPr lang="en-US" dirty="0"/>
               <a:t>‹#›</a:t>
             </a:fld>
-            <a:endParaRPr lang="zh-TW" altLang="en-US"/>
+            <a:endParaRPr lang="en-US"/>
           </a:p>
         </p:txBody>
       </p:sp>
     </p:spTree>
     <p:extLst>
       <p:ext uri="{BB962C8B-B14F-4D97-AF65-F5344CB8AC3E}">
-        <p14:creationId xmlns:p14="http://schemas.microsoft.com/office/powerpoint/2010/main" val="188953001"/>
+        <p14:creationId xmlns:p14="http://schemas.microsoft.com/office/powerpoint/2010/main" val="1971317162"/>
       </p:ext>
     </p:extLst>
   </p:cSld>
   <p:clrMapOvr>
     <a:masterClrMapping/>
   </p:clrMapOvr>
+  <mc:AlternateContent xmlns:mc="http://schemas.openxmlformats.org/markup-compatibility/2006" xmlns:p159="http://schemas.microsoft.com/office/powerpoint/2015/09/main">
+    <mc:Choice Requires="p159">
+      <p:transition spd="slow">
+        <p159:morph option="byObject"/>
+      </p:transition>
+    </mc:Choice>
+    <mc:Fallback xmlns="">
+      <p:transition spd="slow">
+        <p:fade/>
+      </p:transition>
+    </mc:Fallback>
+  </mc:AlternateContent>
 </p:sldLayout>
 </file>
 
 <file path=ppt/slideLayouts/slideLayout11.xml><?xml version="1.0" encoding="utf-8"?>
 <p:sldLayout xmlns:a="http://schemas.openxmlformats.org/drawingml/2006/main" xmlns:r="http://schemas.openxmlformats.org/officeDocument/2006/relationships" xmlns:p="http://schemas.openxmlformats.org/presentationml/2006/main" type="vertTitleAndTx" preserve="1">
-  <p:cSld name="直排標題及文字">
+  <p:cSld name="Vertical Title and Text">
     <p:spTree>
       <p:nvGrpSpPr>
         <p:cNvPr id="1" name=""/>
@@ -544,13 +1976,7 @@
       </p:grpSpPr>
       <p:sp>
         <p:nvSpPr>
-          <p:cNvPr id="2" name="直排標題 1">
-            <a:extLst>
-              <a:ext uri="{FF2B5EF4-FFF2-40B4-BE49-F238E27FC236}">
-                <a16:creationId xmlns:a16="http://schemas.microsoft.com/office/drawing/2014/main" id="{70F760AC-E708-4605-85E2-7D0F424B3E29}"/>
-              </a:ext>
-            </a:extLst>
-          </p:cNvPr>
+          <p:cNvPr id="2" name="Vertical Title 1"/>
           <p:cNvSpPr>
             <a:spLocks noGrp="1"/>
           </p:cNvSpPr>
@@ -569,21 +1995,15 @@
           <a:lstStyle/>
           <a:p>
             <a:r>
-              <a:rPr lang="zh-TW" altLang="en-US"/>
-              <a:t>按一下以編輯母片標題樣式</a:t>
-            </a:r>
-          </a:p>
-        </p:txBody>
-      </p:sp>
-      <p:sp>
-        <p:nvSpPr>
-          <p:cNvPr id="3" name="直排文字版面配置區 2">
-            <a:extLst>
-              <a:ext uri="{FF2B5EF4-FFF2-40B4-BE49-F238E27FC236}">
-                <a16:creationId xmlns:a16="http://schemas.microsoft.com/office/drawing/2014/main" id="{84BECF48-F3B6-4D47-82A8-C6AE92EDC2F0}"/>
-              </a:ext>
-            </a:extLst>
-          </p:cNvPr>
+              <a:rPr lang="en-US"/>
+              <a:t>Click to edit Master title style</a:t>
+            </a:r>
+          </a:p>
+        </p:txBody>
+      </p:sp>
+      <p:sp>
+        <p:nvSpPr>
+          <p:cNvPr id="3" name="Vertical Text Placeholder 2"/>
           <p:cNvSpPr>
             <a:spLocks noGrp="1"/>
           </p:cNvSpPr>
@@ -603,49 +2023,43 @@
           <a:p>
             <a:pPr lvl="0"/>
             <a:r>
-              <a:rPr lang="zh-TW" altLang="en-US"/>
-              <a:t>按一下以編輯母片文字樣式</a:t>
+              <a:rPr lang="en-US"/>
+              <a:t>Click to edit Master text styles</a:t>
             </a:r>
           </a:p>
           <a:p>
             <a:pPr lvl="1"/>
             <a:r>
-              <a:rPr lang="zh-TW" altLang="en-US"/>
-              <a:t>第二層</a:t>
+              <a:rPr lang="en-US"/>
+              <a:t>Second level</a:t>
             </a:r>
           </a:p>
           <a:p>
             <a:pPr lvl="2"/>
             <a:r>
-              <a:rPr lang="zh-TW" altLang="en-US"/>
-              <a:t>第三層</a:t>
+              <a:rPr lang="en-US"/>
+              <a:t>Third level</a:t>
             </a:r>
           </a:p>
           <a:p>
             <a:pPr lvl="3"/>
             <a:r>
-              <a:rPr lang="zh-TW" altLang="en-US"/>
-              <a:t>第四層</a:t>
+              <a:rPr lang="en-US"/>
+              <a:t>Fourth level</a:t>
             </a:r>
           </a:p>
           <a:p>
             <a:pPr lvl="4"/>
             <a:r>
-              <a:rPr lang="zh-TW" altLang="en-US"/>
-              <a:t>第五層</a:t>
-            </a:r>
-          </a:p>
-        </p:txBody>
-      </p:sp>
-      <p:sp>
-        <p:nvSpPr>
-          <p:cNvPr id="4" name="日期版面配置區 3">
-            <a:extLst>
-              <a:ext uri="{FF2B5EF4-FFF2-40B4-BE49-F238E27FC236}">
-                <a16:creationId xmlns:a16="http://schemas.microsoft.com/office/drawing/2014/main" id="{215DE52A-093E-4116-A2FE-F61BA999B89F}"/>
-              </a:ext>
-            </a:extLst>
-          </p:cNvPr>
+              <a:rPr lang="en-US"/>
+              <a:t>Fifth level</a:t>
+            </a:r>
+          </a:p>
+        </p:txBody>
+      </p:sp>
+      <p:sp>
+        <p:nvSpPr>
+          <p:cNvPr id="4" name="Date Placeholder 3"/>
           <p:cNvSpPr>
             <a:spLocks noGrp="1"/>
           </p:cNvSpPr>
@@ -658,23 +2072,17 @@
           <a:bodyPr/>
           <a:lstStyle/>
           <a:p>
-            <a:fld id="{C3C90D7E-32D6-4894-AE08-7BBB3E610FC9}" type="datetimeFigureOut">
-              <a:rPr lang="zh-TW" altLang="en-US" smtClean="0"/>
-              <a:t>2024/9/16</a:t>
+            <a:fld id="{C764DE79-268F-4C1A-8933-263129D2AF90}" type="datetimeFigureOut">
+              <a:rPr lang="en-US" dirty="0"/>
+              <a:t>10/16/2024</a:t>
             </a:fld>
-            <a:endParaRPr lang="zh-TW" altLang="en-US"/>
-          </a:p>
-        </p:txBody>
-      </p:sp>
-      <p:sp>
-        <p:nvSpPr>
-          <p:cNvPr id="5" name="頁尾版面配置區 4">
-            <a:extLst>
-              <a:ext uri="{FF2B5EF4-FFF2-40B4-BE49-F238E27FC236}">
-                <a16:creationId xmlns:a16="http://schemas.microsoft.com/office/drawing/2014/main" id="{34553FE1-A5D9-4070-AA9C-378F491D4677}"/>
-              </a:ext>
-            </a:extLst>
-          </p:cNvPr>
+            <a:endParaRPr lang="en-US"/>
+          </a:p>
+        </p:txBody>
+      </p:sp>
+      <p:sp>
+        <p:nvSpPr>
+          <p:cNvPr id="5" name="Footer Placeholder 4"/>
           <p:cNvSpPr>
             <a:spLocks noGrp="1"/>
           </p:cNvSpPr>
@@ -687,19 +2095,13 @@
           <a:bodyPr/>
           <a:lstStyle/>
           <a:p>
-            <a:endParaRPr lang="zh-TW" altLang="en-US"/>
-          </a:p>
-        </p:txBody>
-      </p:sp>
-      <p:sp>
-        <p:nvSpPr>
-          <p:cNvPr id="6" name="投影片編號版面配置區 5">
-            <a:extLst>
-              <a:ext uri="{FF2B5EF4-FFF2-40B4-BE49-F238E27FC236}">
-                <a16:creationId xmlns:a16="http://schemas.microsoft.com/office/drawing/2014/main" id="{928EFDDC-5B11-4543-8144-518625EDA57F}"/>
-              </a:ext>
-            </a:extLst>
-          </p:cNvPr>
+            <a:endParaRPr lang="en-US"/>
+          </a:p>
+        </p:txBody>
+      </p:sp>
+      <p:sp>
+        <p:nvSpPr>
+          <p:cNvPr id="6" name="Slide Number Placeholder 5"/>
           <p:cNvSpPr>
             <a:spLocks noGrp="1"/>
           </p:cNvSpPr>
@@ -712,30 +2114,42 @@
           <a:bodyPr/>
           <a:lstStyle/>
           <a:p>
-            <a:fld id="{E31EC408-072F-4346-BD0A-D6AA5788A305}" type="slidenum">
-              <a:rPr lang="zh-TW" altLang="en-US" smtClean="0"/>
+            <a:fld id="{48F63A3B-78C7-47BE-AE5E-E10140E04643}" type="slidenum">
+              <a:rPr lang="en-US" dirty="0"/>
               <a:t>‹#›</a:t>
             </a:fld>
-            <a:endParaRPr lang="zh-TW" altLang="en-US"/>
+            <a:endParaRPr lang="en-US"/>
           </a:p>
         </p:txBody>
       </p:sp>
     </p:spTree>
     <p:extLst>
       <p:ext uri="{BB962C8B-B14F-4D97-AF65-F5344CB8AC3E}">
-        <p14:creationId xmlns:p14="http://schemas.microsoft.com/office/powerpoint/2010/main" val="2483123943"/>
+        <p14:creationId xmlns:p14="http://schemas.microsoft.com/office/powerpoint/2010/main" val="3706834246"/>
       </p:ext>
     </p:extLst>
   </p:cSld>
   <p:clrMapOvr>
     <a:masterClrMapping/>
   </p:clrMapOvr>
+  <mc:AlternateContent xmlns:mc="http://schemas.openxmlformats.org/markup-compatibility/2006" xmlns:p159="http://schemas.microsoft.com/office/powerpoint/2015/09/main">
+    <mc:Choice Requires="p159">
+      <p:transition spd="slow">
+        <p159:morph option="byObject"/>
+      </p:transition>
+    </mc:Choice>
+    <mc:Fallback xmlns="">
+      <p:transition spd="slow">
+        <p:fade/>
+      </p:transition>
+    </mc:Fallback>
+  </mc:AlternateContent>
 </p:sldLayout>
 </file>
 
 <file path=ppt/slideLayouts/slideLayout2.xml><?xml version="1.0" encoding="utf-8"?>
 <p:sldLayout xmlns:a="http://schemas.openxmlformats.org/drawingml/2006/main" xmlns:r="http://schemas.openxmlformats.org/officeDocument/2006/relationships" xmlns:p="http://schemas.openxmlformats.org/presentationml/2006/main" type="obj" preserve="1">
-  <p:cSld name="標題及內容">
+  <p:cSld name="Title and Content">
     <p:spTree>
       <p:nvGrpSpPr>
         <p:cNvPr id="1" name=""/>
@@ -752,13 +2166,7 @@
       </p:grpSpPr>
       <p:sp>
         <p:nvSpPr>
-          <p:cNvPr id="2" name="標題 1">
-            <a:extLst>
-              <a:ext uri="{FF2B5EF4-FFF2-40B4-BE49-F238E27FC236}">
-                <a16:creationId xmlns:a16="http://schemas.microsoft.com/office/drawing/2014/main" id="{A1BFCF4C-FB58-444C-B754-A594851E4C7B}"/>
-              </a:ext>
-            </a:extLst>
-          </p:cNvPr>
+          <p:cNvPr id="2" name="Title 1"/>
           <p:cNvSpPr>
             <a:spLocks noGrp="1"/>
           </p:cNvSpPr>
@@ -772,21 +2180,15 @@
           <a:lstStyle/>
           <a:p>
             <a:r>
-              <a:rPr lang="zh-TW" altLang="en-US"/>
-              <a:t>按一下以編輯母片標題樣式</a:t>
-            </a:r>
-          </a:p>
-        </p:txBody>
-      </p:sp>
-      <p:sp>
-        <p:nvSpPr>
-          <p:cNvPr id="3" name="內容版面配置區 2">
-            <a:extLst>
-              <a:ext uri="{FF2B5EF4-FFF2-40B4-BE49-F238E27FC236}">
-                <a16:creationId xmlns:a16="http://schemas.microsoft.com/office/drawing/2014/main" id="{987C475D-648F-4511-A6FE-04B04F755F93}"/>
-              </a:ext>
-            </a:extLst>
-          </p:cNvPr>
+              <a:rPr lang="en-US"/>
+              <a:t>Click to edit Master title style</a:t>
+            </a:r>
+          </a:p>
+        </p:txBody>
+      </p:sp>
+      <p:sp>
+        <p:nvSpPr>
+          <p:cNvPr id="3" name="Content Placeholder 2"/>
           <p:cNvSpPr>
             <a:spLocks noGrp="1"/>
           </p:cNvSpPr>
@@ -801,49 +2203,43 @@
           <a:p>
             <a:pPr lvl="0"/>
             <a:r>
-              <a:rPr lang="zh-TW" altLang="en-US"/>
-              <a:t>按一下以編輯母片文字樣式</a:t>
+              <a:rPr lang="en-US"/>
+              <a:t>Click to edit Master text styles</a:t>
             </a:r>
           </a:p>
           <a:p>
             <a:pPr lvl="1"/>
             <a:r>
-              <a:rPr lang="zh-TW" altLang="en-US"/>
-              <a:t>第二層</a:t>
+              <a:rPr lang="en-US"/>
+              <a:t>Second level</a:t>
             </a:r>
           </a:p>
           <a:p>
             <a:pPr lvl="2"/>
             <a:r>
-              <a:rPr lang="zh-TW" altLang="en-US"/>
-              <a:t>第三層</a:t>
+              <a:rPr lang="en-US"/>
+              <a:t>Third level</a:t>
             </a:r>
           </a:p>
           <a:p>
             <a:pPr lvl="3"/>
             <a:r>
-              <a:rPr lang="zh-TW" altLang="en-US"/>
-              <a:t>第四層</a:t>
+              <a:rPr lang="en-US"/>
+              <a:t>Fourth level</a:t>
             </a:r>
           </a:p>
           <a:p>
             <a:pPr lvl="4"/>
             <a:r>
-              <a:rPr lang="zh-TW" altLang="en-US"/>
-              <a:t>第五層</a:t>
-            </a:r>
-          </a:p>
-        </p:txBody>
-      </p:sp>
-      <p:sp>
-        <p:nvSpPr>
-          <p:cNvPr id="4" name="日期版面配置區 3">
-            <a:extLst>
-              <a:ext uri="{FF2B5EF4-FFF2-40B4-BE49-F238E27FC236}">
-                <a16:creationId xmlns:a16="http://schemas.microsoft.com/office/drawing/2014/main" id="{F511FCF8-D8F7-4914-920F-D63F2D97F713}"/>
-              </a:ext>
-            </a:extLst>
-          </p:cNvPr>
+              <a:rPr lang="en-US"/>
+              <a:t>Fifth level</a:t>
+            </a:r>
+          </a:p>
+        </p:txBody>
+      </p:sp>
+      <p:sp>
+        <p:nvSpPr>
+          <p:cNvPr id="4" name="Date Placeholder 3"/>
           <p:cNvSpPr>
             <a:spLocks noGrp="1"/>
           </p:cNvSpPr>
@@ -856,23 +2252,17 @@
           <a:bodyPr/>
           <a:lstStyle/>
           <a:p>
-            <a:fld id="{C3C90D7E-32D6-4894-AE08-7BBB3E610FC9}" type="datetimeFigureOut">
-              <a:rPr lang="zh-TW" altLang="en-US" smtClean="0"/>
-              <a:t>2024/9/16</a:t>
+            <a:fld id="{C764DE79-268F-4C1A-8933-263129D2AF90}" type="datetimeFigureOut">
+              <a:rPr lang="en-US" dirty="0"/>
+              <a:t>10/16/2024</a:t>
             </a:fld>
-            <a:endParaRPr lang="zh-TW" altLang="en-US"/>
-          </a:p>
-        </p:txBody>
-      </p:sp>
-      <p:sp>
-        <p:nvSpPr>
-          <p:cNvPr id="5" name="頁尾版面配置區 4">
-            <a:extLst>
-              <a:ext uri="{FF2B5EF4-FFF2-40B4-BE49-F238E27FC236}">
-                <a16:creationId xmlns:a16="http://schemas.microsoft.com/office/drawing/2014/main" id="{7E1D3E8F-338D-4B4D-B411-5282866FF95D}"/>
-              </a:ext>
-            </a:extLst>
-          </p:cNvPr>
+            <a:endParaRPr lang="en-US"/>
+          </a:p>
+        </p:txBody>
+      </p:sp>
+      <p:sp>
+        <p:nvSpPr>
+          <p:cNvPr id="5" name="Footer Placeholder 4"/>
           <p:cNvSpPr>
             <a:spLocks noGrp="1"/>
           </p:cNvSpPr>
@@ -885,19 +2275,13 @@
           <a:bodyPr/>
           <a:lstStyle/>
           <a:p>
-            <a:endParaRPr lang="zh-TW" altLang="en-US"/>
-          </a:p>
-        </p:txBody>
-      </p:sp>
-      <p:sp>
-        <p:nvSpPr>
-          <p:cNvPr id="6" name="投影片編號版面配置區 5">
-            <a:extLst>
-              <a:ext uri="{FF2B5EF4-FFF2-40B4-BE49-F238E27FC236}">
-                <a16:creationId xmlns:a16="http://schemas.microsoft.com/office/drawing/2014/main" id="{F7DF3AD5-06B6-42D8-AEDF-66CCE6582524}"/>
-              </a:ext>
-            </a:extLst>
-          </p:cNvPr>
+            <a:endParaRPr lang="en-US"/>
+          </a:p>
+        </p:txBody>
+      </p:sp>
+      <p:sp>
+        <p:nvSpPr>
+          <p:cNvPr id="6" name="Slide Number Placeholder 5"/>
           <p:cNvSpPr>
             <a:spLocks noGrp="1"/>
           </p:cNvSpPr>
@@ -910,30 +2294,42 @@
           <a:bodyPr/>
           <a:lstStyle/>
           <a:p>
-            <a:fld id="{E31EC408-072F-4346-BD0A-D6AA5788A305}" type="slidenum">
-              <a:rPr lang="zh-TW" altLang="en-US" smtClean="0"/>
+            <a:fld id="{48F63A3B-78C7-47BE-AE5E-E10140E04643}" type="slidenum">
+              <a:rPr lang="en-US" dirty="0"/>
               <a:t>‹#›</a:t>
             </a:fld>
-            <a:endParaRPr lang="zh-TW" altLang="en-US"/>
+            <a:endParaRPr lang="en-US"/>
           </a:p>
         </p:txBody>
       </p:sp>
     </p:spTree>
     <p:extLst>
       <p:ext uri="{BB962C8B-B14F-4D97-AF65-F5344CB8AC3E}">
-        <p14:creationId xmlns:p14="http://schemas.microsoft.com/office/powerpoint/2010/main" val="4198509733"/>
+        <p14:creationId xmlns:p14="http://schemas.microsoft.com/office/powerpoint/2010/main" val="2014839010"/>
       </p:ext>
     </p:extLst>
   </p:cSld>
   <p:clrMapOvr>
     <a:masterClrMapping/>
   </p:clrMapOvr>
+  <mc:AlternateContent xmlns:mc="http://schemas.openxmlformats.org/markup-compatibility/2006" xmlns:p159="http://schemas.microsoft.com/office/powerpoint/2015/09/main">
+    <mc:Choice Requires="p159">
+      <p:transition spd="slow">
+        <p159:morph option="byObject"/>
+      </p:transition>
+    </mc:Choice>
+    <mc:Fallback xmlns="">
+      <p:transition spd="slow">
+        <p:fade/>
+      </p:transition>
+    </mc:Fallback>
+  </mc:AlternateContent>
 </p:sldLayout>
 </file>
 
 <file path=ppt/slideLayouts/slideLayout3.xml><?xml version="1.0" encoding="utf-8"?>
 <p:sldLayout xmlns:a="http://schemas.openxmlformats.org/drawingml/2006/main" xmlns:r="http://schemas.openxmlformats.org/officeDocument/2006/relationships" xmlns:p="http://schemas.openxmlformats.org/presentationml/2006/main" type="secHead" preserve="1">
-  <p:cSld name="章節標題">
+  <p:cSld name="Section Header">
     <p:spTree>
       <p:nvGrpSpPr>
         <p:cNvPr id="1" name=""/>
@@ -950,13 +2346,7 @@
       </p:grpSpPr>
       <p:sp>
         <p:nvSpPr>
-          <p:cNvPr id="2" name="標題 1">
-            <a:extLst>
-              <a:ext uri="{FF2B5EF4-FFF2-40B4-BE49-F238E27FC236}">
-                <a16:creationId xmlns:a16="http://schemas.microsoft.com/office/drawing/2014/main" id="{5986B870-2B24-4658-9AEB-3C92E8E40B41}"/>
-              </a:ext>
-            </a:extLst>
-          </p:cNvPr>
+          <p:cNvPr id="2" name="Title 1"/>
           <p:cNvSpPr>
             <a:spLocks noGrp="1"/>
           </p:cNvSpPr>
@@ -979,21 +2369,15 @@
           </a:lstStyle>
           <a:p>
             <a:r>
-              <a:rPr lang="zh-TW" altLang="en-US"/>
-              <a:t>按一下以編輯母片標題樣式</a:t>
-            </a:r>
-          </a:p>
-        </p:txBody>
-      </p:sp>
-      <p:sp>
-        <p:nvSpPr>
-          <p:cNvPr id="3" name="文字版面配置區 2">
-            <a:extLst>
-              <a:ext uri="{FF2B5EF4-FFF2-40B4-BE49-F238E27FC236}">
-                <a16:creationId xmlns:a16="http://schemas.microsoft.com/office/drawing/2014/main" id="{90235018-E757-4630-8511-F466B919268F}"/>
-              </a:ext>
-            </a:extLst>
-          </p:cNvPr>
+              <a:rPr lang="en-US"/>
+              <a:t>Click to edit Master title style</a:t>
+            </a:r>
+          </a:p>
+        </p:txBody>
+      </p:sp>
+      <p:sp>
+        <p:nvSpPr>
+          <p:cNvPr id="3" name="Text Placeholder 2"/>
           <p:cNvSpPr>
             <a:spLocks noGrp="1"/>
           </p:cNvSpPr>
@@ -1015,7 +2399,7 @@
               <a:defRPr sz="2400">
                 <a:solidFill>
                   <a:schemeClr val="tx1">
-                    <a:tint val="75000"/>
+                    <a:shade val="82000"/>
                   </a:schemeClr>
                 </a:solidFill>
               </a:defRPr>
@@ -1025,7 +2409,7 @@
               <a:defRPr sz="2000">
                 <a:solidFill>
                   <a:schemeClr val="tx1">
-                    <a:tint val="75000"/>
+                    <a:shade val="82000"/>
                   </a:schemeClr>
                 </a:solidFill>
               </a:defRPr>
@@ -1035,7 +2419,7 @@
               <a:defRPr sz="1800">
                 <a:solidFill>
                   <a:schemeClr val="tx1">
-                    <a:tint val="75000"/>
+                    <a:shade val="82000"/>
                   </a:schemeClr>
                 </a:solidFill>
               </a:defRPr>
@@ -1045,7 +2429,7 @@
               <a:defRPr sz="1600">
                 <a:solidFill>
                   <a:schemeClr val="tx1">
-                    <a:tint val="75000"/>
+                    <a:shade val="82000"/>
                   </a:schemeClr>
                 </a:solidFill>
               </a:defRPr>
@@ -1055,7 +2439,7 @@
               <a:defRPr sz="1600">
                 <a:solidFill>
                   <a:schemeClr val="tx1">
-                    <a:tint val="75000"/>
+                    <a:shade val="82000"/>
                   </a:schemeClr>
                 </a:solidFill>
               </a:defRPr>
@@ -1065,7 +2449,7 @@
               <a:defRPr sz="1600">
                 <a:solidFill>
                   <a:schemeClr val="tx1">
-                    <a:tint val="75000"/>
+                    <a:shade val="82000"/>
                   </a:schemeClr>
                 </a:solidFill>
               </a:defRPr>
@@ -1075,7 +2459,7 @@
               <a:defRPr sz="1600">
                 <a:solidFill>
                   <a:schemeClr val="tx1">
-                    <a:tint val="75000"/>
+                    <a:shade val="82000"/>
                   </a:schemeClr>
                 </a:solidFill>
               </a:defRPr>
@@ -1085,7 +2469,7 @@
               <a:defRPr sz="1600">
                 <a:solidFill>
                   <a:schemeClr val="tx1">
-                    <a:tint val="75000"/>
+                    <a:shade val="82000"/>
                   </a:schemeClr>
                 </a:solidFill>
               </a:defRPr>
@@ -1095,7 +2479,7 @@
               <a:defRPr sz="1600">
                 <a:solidFill>
                   <a:schemeClr val="tx1">
-                    <a:tint val="75000"/>
+                    <a:shade val="82000"/>
                   </a:schemeClr>
                 </a:solidFill>
               </a:defRPr>
@@ -1104,21 +2488,15 @@
           <a:p>
             <a:pPr lvl="0"/>
             <a:r>
-              <a:rPr lang="zh-TW" altLang="en-US"/>
-              <a:t>按一下以編輯母片文字樣式</a:t>
-            </a:r>
-          </a:p>
-        </p:txBody>
-      </p:sp>
-      <p:sp>
-        <p:nvSpPr>
-          <p:cNvPr id="4" name="日期版面配置區 3">
-            <a:extLst>
-              <a:ext uri="{FF2B5EF4-FFF2-40B4-BE49-F238E27FC236}">
-                <a16:creationId xmlns:a16="http://schemas.microsoft.com/office/drawing/2014/main" id="{37546C76-CF19-433D-9070-0A54A149F1B2}"/>
-              </a:ext>
-            </a:extLst>
-          </p:cNvPr>
+              <a:rPr lang="en-US"/>
+              <a:t>Click to edit Master text styles</a:t>
+            </a:r>
+          </a:p>
+        </p:txBody>
+      </p:sp>
+      <p:sp>
+        <p:nvSpPr>
+          <p:cNvPr id="4" name="Date Placeholder 3"/>
           <p:cNvSpPr>
             <a:spLocks noGrp="1"/>
           </p:cNvSpPr>
@@ -1131,23 +2509,17 @@
           <a:bodyPr/>
           <a:lstStyle/>
           <a:p>
-            <a:fld id="{C3C90D7E-32D6-4894-AE08-7BBB3E610FC9}" type="datetimeFigureOut">
-              <a:rPr lang="zh-TW" altLang="en-US" smtClean="0"/>
-              <a:t>2024/9/16</a:t>
+            <a:fld id="{C764DE79-268F-4C1A-8933-263129D2AF90}" type="datetimeFigureOut">
+              <a:rPr lang="en-US" dirty="0"/>
+              <a:t>10/16/2024</a:t>
             </a:fld>
-            <a:endParaRPr lang="zh-TW" altLang="en-US"/>
-          </a:p>
-        </p:txBody>
-      </p:sp>
-      <p:sp>
-        <p:nvSpPr>
-          <p:cNvPr id="5" name="頁尾版面配置區 4">
-            <a:extLst>
-              <a:ext uri="{FF2B5EF4-FFF2-40B4-BE49-F238E27FC236}">
-                <a16:creationId xmlns:a16="http://schemas.microsoft.com/office/drawing/2014/main" id="{9C9DC25F-827C-4564-AD0E-7FD815D53AF7}"/>
-              </a:ext>
-            </a:extLst>
-          </p:cNvPr>
+            <a:endParaRPr lang="en-US"/>
+          </a:p>
+        </p:txBody>
+      </p:sp>
+      <p:sp>
+        <p:nvSpPr>
+          <p:cNvPr id="5" name="Footer Placeholder 4"/>
           <p:cNvSpPr>
             <a:spLocks noGrp="1"/>
           </p:cNvSpPr>
@@ -1160,19 +2532,13 @@
           <a:bodyPr/>
           <a:lstStyle/>
           <a:p>
-            <a:endParaRPr lang="zh-TW" altLang="en-US"/>
-          </a:p>
-        </p:txBody>
-      </p:sp>
-      <p:sp>
-        <p:nvSpPr>
-          <p:cNvPr id="6" name="投影片編號版面配置區 5">
-            <a:extLst>
-              <a:ext uri="{FF2B5EF4-FFF2-40B4-BE49-F238E27FC236}">
-                <a16:creationId xmlns:a16="http://schemas.microsoft.com/office/drawing/2014/main" id="{8C0653A6-68AA-4213-8D62-EAF9243D6998}"/>
-              </a:ext>
-            </a:extLst>
-          </p:cNvPr>
+            <a:endParaRPr lang="en-US"/>
+          </a:p>
+        </p:txBody>
+      </p:sp>
+      <p:sp>
+        <p:nvSpPr>
+          <p:cNvPr id="6" name="Slide Number Placeholder 5"/>
           <p:cNvSpPr>
             <a:spLocks noGrp="1"/>
           </p:cNvSpPr>
@@ -1185,30 +2551,42 @@
           <a:bodyPr/>
           <a:lstStyle/>
           <a:p>
-            <a:fld id="{E31EC408-072F-4346-BD0A-D6AA5788A305}" type="slidenum">
-              <a:rPr lang="zh-TW" altLang="en-US" smtClean="0"/>
+            <a:fld id="{48F63A3B-78C7-47BE-AE5E-E10140E04643}" type="slidenum">
+              <a:rPr lang="en-US" dirty="0"/>
               <a:t>‹#›</a:t>
             </a:fld>
-            <a:endParaRPr lang="zh-TW" altLang="en-US"/>
+            <a:endParaRPr lang="en-US"/>
           </a:p>
         </p:txBody>
       </p:sp>
     </p:spTree>
     <p:extLst>
       <p:ext uri="{BB962C8B-B14F-4D97-AF65-F5344CB8AC3E}">
-        <p14:creationId xmlns:p14="http://schemas.microsoft.com/office/powerpoint/2010/main" val="3126775509"/>
+        <p14:creationId xmlns:p14="http://schemas.microsoft.com/office/powerpoint/2010/main" val="4020727207"/>
       </p:ext>
     </p:extLst>
   </p:cSld>
   <p:clrMapOvr>
     <a:masterClrMapping/>
   </p:clrMapOvr>
+  <mc:AlternateContent xmlns:mc="http://schemas.openxmlformats.org/markup-compatibility/2006" xmlns:p159="http://schemas.microsoft.com/office/powerpoint/2015/09/main">
+    <mc:Choice Requires="p159">
+      <p:transition spd="slow">
+        <p159:morph option="byObject"/>
+      </p:transition>
+    </mc:Choice>
+    <mc:Fallback xmlns="">
+      <p:transition spd="slow">
+        <p:fade/>
+      </p:transition>
+    </mc:Fallback>
+  </mc:AlternateContent>
 </p:sldLayout>
 </file>
 
 <file path=ppt/slideLayouts/slideLayout4.xml><?xml version="1.0" encoding="utf-8"?>
 <p:sldLayout xmlns:a="http://schemas.openxmlformats.org/drawingml/2006/main" xmlns:r="http://schemas.openxmlformats.org/officeDocument/2006/relationships" xmlns:p="http://schemas.openxmlformats.org/presentationml/2006/main" type="twoObj" preserve="1">
-  <p:cSld name="兩個內容">
+  <p:cSld name="Two Content">
     <p:spTree>
       <p:nvGrpSpPr>
         <p:cNvPr id="1" name=""/>
@@ -1225,13 +2603,7 @@
       </p:grpSpPr>
       <p:sp>
         <p:nvSpPr>
-          <p:cNvPr id="2" name="標題 1">
-            <a:extLst>
-              <a:ext uri="{FF2B5EF4-FFF2-40B4-BE49-F238E27FC236}">
-                <a16:creationId xmlns:a16="http://schemas.microsoft.com/office/drawing/2014/main" id="{F8A74D77-9E6E-4FD1-97AD-0ADC1228B6AF}"/>
-              </a:ext>
-            </a:extLst>
-          </p:cNvPr>
+          <p:cNvPr id="2" name="Title 1"/>
           <p:cNvSpPr>
             <a:spLocks noGrp="1"/>
           </p:cNvSpPr>
@@ -1245,21 +2617,15 @@
           <a:lstStyle/>
           <a:p>
             <a:r>
-              <a:rPr lang="zh-TW" altLang="en-US"/>
-              <a:t>按一下以編輯母片標題樣式</a:t>
-            </a:r>
-          </a:p>
-        </p:txBody>
-      </p:sp>
-      <p:sp>
-        <p:nvSpPr>
-          <p:cNvPr id="3" name="內容版面配置區 2">
-            <a:extLst>
-              <a:ext uri="{FF2B5EF4-FFF2-40B4-BE49-F238E27FC236}">
-                <a16:creationId xmlns:a16="http://schemas.microsoft.com/office/drawing/2014/main" id="{9FDE4E9B-689C-4373-B281-9636BE211982}"/>
-              </a:ext>
-            </a:extLst>
-          </p:cNvPr>
+              <a:rPr lang="en-US"/>
+              <a:t>Click to edit Master title style</a:t>
+            </a:r>
+          </a:p>
+        </p:txBody>
+      </p:sp>
+      <p:sp>
+        <p:nvSpPr>
+          <p:cNvPr id="3" name="Content Placeholder 2"/>
           <p:cNvSpPr>
             <a:spLocks noGrp="1"/>
           </p:cNvSpPr>
@@ -1279,49 +2645,43 @@
           <a:p>
             <a:pPr lvl="0"/>
             <a:r>
-              <a:rPr lang="zh-TW" altLang="en-US"/>
-              <a:t>按一下以編輯母片文字樣式</a:t>
+              <a:rPr lang="en-US"/>
+              <a:t>Click to edit Master text styles</a:t>
             </a:r>
           </a:p>
           <a:p>
             <a:pPr lvl="1"/>
             <a:r>
-              <a:rPr lang="zh-TW" altLang="en-US"/>
-              <a:t>第二層</a:t>
+              <a:rPr lang="en-US"/>
+              <a:t>Second level</a:t>
             </a:r>
           </a:p>
           <a:p>
             <a:pPr lvl="2"/>
             <a:r>
-              <a:rPr lang="zh-TW" altLang="en-US"/>
-              <a:t>第三層</a:t>
+              <a:rPr lang="en-US"/>
+              <a:t>Third level</a:t>
             </a:r>
           </a:p>
           <a:p>
             <a:pPr lvl="3"/>
             <a:r>
-              <a:rPr lang="zh-TW" altLang="en-US"/>
-              <a:t>第四層</a:t>
+              <a:rPr lang="en-US"/>
+              <a:t>Fourth level</a:t>
             </a:r>
           </a:p>
           <a:p>
             <a:pPr lvl="4"/>
             <a:r>
-              <a:rPr lang="zh-TW" altLang="en-US"/>
-              <a:t>第五層</a:t>
-            </a:r>
-          </a:p>
-        </p:txBody>
-      </p:sp>
-      <p:sp>
-        <p:nvSpPr>
-          <p:cNvPr id="4" name="內容版面配置區 3">
-            <a:extLst>
-              <a:ext uri="{FF2B5EF4-FFF2-40B4-BE49-F238E27FC236}">
-                <a16:creationId xmlns:a16="http://schemas.microsoft.com/office/drawing/2014/main" id="{CD25EC10-0BDA-4ECA-AB8E-059AC3378E22}"/>
-              </a:ext>
-            </a:extLst>
-          </p:cNvPr>
+              <a:rPr lang="en-US"/>
+              <a:t>Fifth level</a:t>
+            </a:r>
+          </a:p>
+        </p:txBody>
+      </p:sp>
+      <p:sp>
+        <p:nvSpPr>
+          <p:cNvPr id="4" name="Content Placeholder 3"/>
           <p:cNvSpPr>
             <a:spLocks noGrp="1"/>
           </p:cNvSpPr>
@@ -1341,49 +2701,43 @@
           <a:p>
             <a:pPr lvl="0"/>
             <a:r>
-              <a:rPr lang="zh-TW" altLang="en-US"/>
-              <a:t>按一下以編輯母片文字樣式</a:t>
+              <a:rPr lang="en-US"/>
+              <a:t>Click to edit Master text styles</a:t>
             </a:r>
           </a:p>
           <a:p>
             <a:pPr lvl="1"/>
             <a:r>
-              <a:rPr lang="zh-TW" altLang="en-US"/>
-              <a:t>第二層</a:t>
+              <a:rPr lang="en-US"/>
+              <a:t>Second level</a:t>
             </a:r>
           </a:p>
           <a:p>
             <a:pPr lvl="2"/>
             <a:r>
-              <a:rPr lang="zh-TW" altLang="en-US"/>
-              <a:t>第三層</a:t>
+              <a:rPr lang="en-US"/>
+              <a:t>Third level</a:t>
             </a:r>
           </a:p>
           <a:p>
             <a:pPr lvl="3"/>
             <a:r>
-              <a:rPr lang="zh-TW" altLang="en-US"/>
-              <a:t>第四層</a:t>
+              <a:rPr lang="en-US"/>
+              <a:t>Fourth level</a:t>
             </a:r>
           </a:p>
           <a:p>
             <a:pPr lvl="4"/>
             <a:r>
-              <a:rPr lang="zh-TW" altLang="en-US"/>
-              <a:t>第五層</a:t>
-            </a:r>
-          </a:p>
-        </p:txBody>
-      </p:sp>
-      <p:sp>
-        <p:nvSpPr>
-          <p:cNvPr id="5" name="日期版面配置區 4">
-            <a:extLst>
-              <a:ext uri="{FF2B5EF4-FFF2-40B4-BE49-F238E27FC236}">
-                <a16:creationId xmlns:a16="http://schemas.microsoft.com/office/drawing/2014/main" id="{63DAF127-0983-4C38-869C-C0A513FA9147}"/>
-              </a:ext>
-            </a:extLst>
-          </p:cNvPr>
+              <a:rPr lang="en-US"/>
+              <a:t>Fifth level</a:t>
+            </a:r>
+          </a:p>
+        </p:txBody>
+      </p:sp>
+      <p:sp>
+        <p:nvSpPr>
+          <p:cNvPr id="5" name="Date Placeholder 4"/>
           <p:cNvSpPr>
             <a:spLocks noGrp="1"/>
           </p:cNvSpPr>
@@ -1396,23 +2750,17 @@
           <a:bodyPr/>
           <a:lstStyle/>
           <a:p>
-            <a:fld id="{C3C90D7E-32D6-4894-AE08-7BBB3E610FC9}" type="datetimeFigureOut">
-              <a:rPr lang="zh-TW" altLang="en-US" smtClean="0"/>
-              <a:t>2024/9/16</a:t>
+            <a:fld id="{C764DE79-268F-4C1A-8933-263129D2AF90}" type="datetimeFigureOut">
+              <a:rPr lang="en-US" dirty="0"/>
+              <a:t>10/16/2024</a:t>
             </a:fld>
-            <a:endParaRPr lang="zh-TW" altLang="en-US"/>
-          </a:p>
-        </p:txBody>
-      </p:sp>
-      <p:sp>
-        <p:nvSpPr>
-          <p:cNvPr id="6" name="頁尾版面配置區 5">
-            <a:extLst>
-              <a:ext uri="{FF2B5EF4-FFF2-40B4-BE49-F238E27FC236}">
-                <a16:creationId xmlns:a16="http://schemas.microsoft.com/office/drawing/2014/main" id="{E014CBA6-CCE3-4CF4-8E13-D895EDBD8F25}"/>
-              </a:ext>
-            </a:extLst>
-          </p:cNvPr>
+            <a:endParaRPr lang="en-US"/>
+          </a:p>
+        </p:txBody>
+      </p:sp>
+      <p:sp>
+        <p:nvSpPr>
+          <p:cNvPr id="6" name="Footer Placeholder 5"/>
           <p:cNvSpPr>
             <a:spLocks noGrp="1"/>
           </p:cNvSpPr>
@@ -1425,19 +2773,13 @@
           <a:bodyPr/>
           <a:lstStyle/>
           <a:p>
-            <a:endParaRPr lang="zh-TW" altLang="en-US"/>
-          </a:p>
-        </p:txBody>
-      </p:sp>
-      <p:sp>
-        <p:nvSpPr>
-          <p:cNvPr id="7" name="投影片編號版面配置區 6">
-            <a:extLst>
-              <a:ext uri="{FF2B5EF4-FFF2-40B4-BE49-F238E27FC236}">
-                <a16:creationId xmlns:a16="http://schemas.microsoft.com/office/drawing/2014/main" id="{5CEAA8E5-79B3-445E-B8C3-29BD56CE6D7A}"/>
-              </a:ext>
-            </a:extLst>
-          </p:cNvPr>
+            <a:endParaRPr lang="en-US"/>
+          </a:p>
+        </p:txBody>
+      </p:sp>
+      <p:sp>
+        <p:nvSpPr>
+          <p:cNvPr id="7" name="Slide Number Placeholder 6"/>
           <p:cNvSpPr>
             <a:spLocks noGrp="1"/>
           </p:cNvSpPr>
@@ -1450,30 +2792,42 @@
           <a:bodyPr/>
           <a:lstStyle/>
           <a:p>
-            <a:fld id="{E31EC408-072F-4346-BD0A-D6AA5788A305}" type="slidenum">
-              <a:rPr lang="zh-TW" altLang="en-US" smtClean="0"/>
+            <a:fld id="{48F63A3B-78C7-47BE-AE5E-E10140E04643}" type="slidenum">
+              <a:rPr lang="en-US" dirty="0"/>
               <a:t>‹#›</a:t>
             </a:fld>
-            <a:endParaRPr lang="zh-TW" altLang="en-US"/>
+            <a:endParaRPr lang="en-US"/>
           </a:p>
         </p:txBody>
       </p:sp>
     </p:spTree>
     <p:extLst>
       <p:ext uri="{BB962C8B-B14F-4D97-AF65-F5344CB8AC3E}">
-        <p14:creationId xmlns:p14="http://schemas.microsoft.com/office/powerpoint/2010/main" val="3858213488"/>
+        <p14:creationId xmlns:p14="http://schemas.microsoft.com/office/powerpoint/2010/main" val="3839067644"/>
       </p:ext>
     </p:extLst>
   </p:cSld>
   <p:clrMapOvr>
     <a:masterClrMapping/>
   </p:clrMapOvr>
+  <mc:AlternateContent xmlns:mc="http://schemas.openxmlformats.org/markup-compatibility/2006" xmlns:p159="http://schemas.microsoft.com/office/powerpoint/2015/09/main">
+    <mc:Choice Requires="p159">
+      <p:transition spd="slow">
+        <p159:morph option="byObject"/>
+      </p:transition>
+    </mc:Choice>
+    <mc:Fallback xmlns="">
+      <p:transition spd="slow">
+        <p:fade/>
+      </p:transition>
+    </mc:Fallback>
+  </mc:AlternateContent>
 </p:sldLayout>
 </file>
 
 <file path=ppt/slideLayouts/slideLayout5.xml><?xml version="1.0" encoding="utf-8"?>
 <p:sldLayout xmlns:a="http://schemas.openxmlformats.org/drawingml/2006/main" xmlns:r="http://schemas.openxmlformats.org/officeDocument/2006/relationships" xmlns:p="http://schemas.openxmlformats.org/presentationml/2006/main" type="twoTxTwoObj" preserve="1">
-  <p:cSld name="比較">
+  <p:cSld name="Comparison">
     <p:spTree>
       <p:nvGrpSpPr>
         <p:cNvPr id="1" name=""/>
@@ -1490,13 +2844,7 @@
       </p:grpSpPr>
       <p:sp>
         <p:nvSpPr>
-          <p:cNvPr id="2" name="標題 1">
-            <a:extLst>
-              <a:ext uri="{FF2B5EF4-FFF2-40B4-BE49-F238E27FC236}">
-                <a16:creationId xmlns:a16="http://schemas.microsoft.com/office/drawing/2014/main" id="{A00F76B6-8DEC-4A74-A06A-BA0146321CD8}"/>
-              </a:ext>
-            </a:extLst>
-          </p:cNvPr>
+          <p:cNvPr id="2" name="Title 1"/>
           <p:cNvSpPr>
             <a:spLocks noGrp="1"/>
           </p:cNvSpPr>
@@ -1515,21 +2863,15 @@
           <a:lstStyle/>
           <a:p>
             <a:r>
-              <a:rPr lang="zh-TW" altLang="en-US"/>
-              <a:t>按一下以編輯母片標題樣式</a:t>
-            </a:r>
-          </a:p>
-        </p:txBody>
-      </p:sp>
-      <p:sp>
-        <p:nvSpPr>
-          <p:cNvPr id="3" name="文字版面配置區 2">
-            <a:extLst>
-              <a:ext uri="{FF2B5EF4-FFF2-40B4-BE49-F238E27FC236}">
-                <a16:creationId xmlns:a16="http://schemas.microsoft.com/office/drawing/2014/main" id="{EF00F5C5-99A7-4F16-855A-F170362659F7}"/>
-              </a:ext>
-            </a:extLst>
-          </p:cNvPr>
+              <a:rPr lang="en-US"/>
+              <a:t>Click to edit Master title style</a:t>
+            </a:r>
+          </a:p>
+        </p:txBody>
+      </p:sp>
+      <p:sp>
+        <p:nvSpPr>
+          <p:cNvPr id="3" name="Text Placeholder 2"/>
           <p:cNvSpPr>
             <a:spLocks noGrp="1"/>
           </p:cNvSpPr>
@@ -1586,21 +2928,15 @@
           <a:p>
             <a:pPr lvl="0"/>
             <a:r>
-              <a:rPr lang="zh-TW" altLang="en-US"/>
-              <a:t>按一下以編輯母片文字樣式</a:t>
-            </a:r>
-          </a:p>
-        </p:txBody>
-      </p:sp>
-      <p:sp>
-        <p:nvSpPr>
-          <p:cNvPr id="4" name="內容版面配置區 3">
-            <a:extLst>
-              <a:ext uri="{FF2B5EF4-FFF2-40B4-BE49-F238E27FC236}">
-                <a16:creationId xmlns:a16="http://schemas.microsoft.com/office/drawing/2014/main" id="{6722BEB2-C9B4-4C14-8234-D17E84349984}"/>
-              </a:ext>
-            </a:extLst>
-          </p:cNvPr>
+              <a:rPr lang="en-US"/>
+              <a:t>Click to edit Master text styles</a:t>
+            </a:r>
+          </a:p>
+        </p:txBody>
+      </p:sp>
+      <p:sp>
+        <p:nvSpPr>
+          <p:cNvPr id="4" name="Content Placeholder 3"/>
           <p:cNvSpPr>
             <a:spLocks noGrp="1"/>
           </p:cNvSpPr>
@@ -1620,49 +2956,43 @@
           <a:p>
             <a:pPr lvl="0"/>
             <a:r>
-              <a:rPr lang="zh-TW" altLang="en-US"/>
-              <a:t>按一下以編輯母片文字樣式</a:t>
+              <a:rPr lang="en-US"/>
+              <a:t>Click to edit Master text styles</a:t>
             </a:r>
           </a:p>
           <a:p>
             <a:pPr lvl="1"/>
             <a:r>
-              <a:rPr lang="zh-TW" altLang="en-US"/>
-              <a:t>第二層</a:t>
+              <a:rPr lang="en-US"/>
+              <a:t>Second level</a:t>
             </a:r>
           </a:p>
           <a:p>
             <a:pPr lvl="2"/>
             <a:r>
-              <a:rPr lang="zh-TW" altLang="en-US"/>
-              <a:t>第三層</a:t>
+              <a:rPr lang="en-US"/>
+              <a:t>Third level</a:t>
             </a:r>
           </a:p>
           <a:p>
             <a:pPr lvl="3"/>
             <a:r>
-              <a:rPr lang="zh-TW" altLang="en-US"/>
-              <a:t>第四層</a:t>
+              <a:rPr lang="en-US"/>
+              <a:t>Fourth level</a:t>
             </a:r>
           </a:p>
           <a:p>
             <a:pPr lvl="4"/>
             <a:r>
-              <a:rPr lang="zh-TW" altLang="en-US"/>
-              <a:t>第五層</a:t>
-            </a:r>
-          </a:p>
-        </p:txBody>
-      </p:sp>
-      <p:sp>
-        <p:nvSpPr>
-          <p:cNvPr id="5" name="文字版面配置區 4">
-            <a:extLst>
-              <a:ext uri="{FF2B5EF4-FFF2-40B4-BE49-F238E27FC236}">
-                <a16:creationId xmlns:a16="http://schemas.microsoft.com/office/drawing/2014/main" id="{E4A41162-A0AC-4211-940F-4B92208F9B0E}"/>
-              </a:ext>
-            </a:extLst>
-          </p:cNvPr>
+              <a:rPr lang="en-US"/>
+              <a:t>Fifth level</a:t>
+            </a:r>
+          </a:p>
+        </p:txBody>
+      </p:sp>
+      <p:sp>
+        <p:nvSpPr>
+          <p:cNvPr id="5" name="Text Placeholder 4"/>
           <p:cNvSpPr>
             <a:spLocks noGrp="1"/>
           </p:cNvSpPr>
@@ -1719,21 +3049,15 @@
           <a:p>
             <a:pPr lvl="0"/>
             <a:r>
-              <a:rPr lang="zh-TW" altLang="en-US"/>
-              <a:t>按一下以編輯母片文字樣式</a:t>
-            </a:r>
-          </a:p>
-        </p:txBody>
-      </p:sp>
-      <p:sp>
-        <p:nvSpPr>
-          <p:cNvPr id="6" name="內容版面配置區 5">
-            <a:extLst>
-              <a:ext uri="{FF2B5EF4-FFF2-40B4-BE49-F238E27FC236}">
-                <a16:creationId xmlns:a16="http://schemas.microsoft.com/office/drawing/2014/main" id="{E8EA159A-F9D7-4F58-A7C3-6E5B65E42266}"/>
-              </a:ext>
-            </a:extLst>
-          </p:cNvPr>
+              <a:rPr lang="en-US"/>
+              <a:t>Click to edit Master text styles</a:t>
+            </a:r>
+          </a:p>
+        </p:txBody>
+      </p:sp>
+      <p:sp>
+        <p:nvSpPr>
+          <p:cNvPr id="6" name="Content Placeholder 5"/>
           <p:cNvSpPr>
             <a:spLocks noGrp="1"/>
           </p:cNvSpPr>
@@ -1753,49 +3077,43 @@
           <a:p>
             <a:pPr lvl="0"/>
             <a:r>
-              <a:rPr lang="zh-TW" altLang="en-US"/>
-              <a:t>按一下以編輯母片文字樣式</a:t>
+              <a:rPr lang="en-US"/>
+              <a:t>Click to edit Master text styles</a:t>
             </a:r>
           </a:p>
           <a:p>
             <a:pPr lvl="1"/>
             <a:r>
-              <a:rPr lang="zh-TW" altLang="en-US"/>
-              <a:t>第二層</a:t>
+              <a:rPr lang="en-US"/>
+              <a:t>Second level</a:t>
             </a:r>
           </a:p>
           <a:p>
             <a:pPr lvl="2"/>
             <a:r>
-              <a:rPr lang="zh-TW" altLang="en-US"/>
-              <a:t>第三層</a:t>
+              <a:rPr lang="en-US"/>
+              <a:t>Third level</a:t>
             </a:r>
           </a:p>
           <a:p>
             <a:pPr lvl="3"/>
             <a:r>
-              <a:rPr lang="zh-TW" altLang="en-US"/>
-              <a:t>第四層</a:t>
+              <a:rPr lang="en-US"/>
+              <a:t>Fourth level</a:t>
             </a:r>
           </a:p>
           <a:p>
             <a:pPr lvl="4"/>
             <a:r>
-              <a:rPr lang="zh-TW" altLang="en-US"/>
-              <a:t>第五層</a:t>
-            </a:r>
-          </a:p>
-        </p:txBody>
-      </p:sp>
-      <p:sp>
-        <p:nvSpPr>
-          <p:cNvPr id="7" name="日期版面配置區 6">
-            <a:extLst>
-              <a:ext uri="{FF2B5EF4-FFF2-40B4-BE49-F238E27FC236}">
-                <a16:creationId xmlns:a16="http://schemas.microsoft.com/office/drawing/2014/main" id="{AE973E80-9141-48B7-A9D7-605A4541768F}"/>
-              </a:ext>
-            </a:extLst>
-          </p:cNvPr>
+              <a:rPr lang="en-US"/>
+              <a:t>Fifth level</a:t>
+            </a:r>
+          </a:p>
+        </p:txBody>
+      </p:sp>
+      <p:sp>
+        <p:nvSpPr>
+          <p:cNvPr id="7" name="Date Placeholder 6"/>
           <p:cNvSpPr>
             <a:spLocks noGrp="1"/>
           </p:cNvSpPr>
@@ -1808,23 +3126,17 @@
           <a:bodyPr/>
           <a:lstStyle/>
           <a:p>
-            <a:fld id="{C3C90D7E-32D6-4894-AE08-7BBB3E610FC9}" type="datetimeFigureOut">
-              <a:rPr lang="zh-TW" altLang="en-US" smtClean="0"/>
-              <a:t>2024/9/16</a:t>
+            <a:fld id="{C764DE79-268F-4C1A-8933-263129D2AF90}" type="datetimeFigureOut">
+              <a:rPr lang="en-US" dirty="0"/>
+              <a:t>10/16/2024</a:t>
             </a:fld>
-            <a:endParaRPr lang="zh-TW" altLang="en-US"/>
-          </a:p>
-        </p:txBody>
-      </p:sp>
-      <p:sp>
-        <p:nvSpPr>
-          <p:cNvPr id="8" name="頁尾版面配置區 7">
-            <a:extLst>
-              <a:ext uri="{FF2B5EF4-FFF2-40B4-BE49-F238E27FC236}">
-                <a16:creationId xmlns:a16="http://schemas.microsoft.com/office/drawing/2014/main" id="{6520B07A-79F8-43E7-8013-632DD2AED223}"/>
-              </a:ext>
-            </a:extLst>
-          </p:cNvPr>
+            <a:endParaRPr lang="en-US"/>
+          </a:p>
+        </p:txBody>
+      </p:sp>
+      <p:sp>
+        <p:nvSpPr>
+          <p:cNvPr id="8" name="Footer Placeholder 7"/>
           <p:cNvSpPr>
             <a:spLocks noGrp="1"/>
           </p:cNvSpPr>
@@ -1837,19 +3149,13 @@
           <a:bodyPr/>
           <a:lstStyle/>
           <a:p>
-            <a:endParaRPr lang="zh-TW" altLang="en-US"/>
-          </a:p>
-        </p:txBody>
-      </p:sp>
-      <p:sp>
-        <p:nvSpPr>
-          <p:cNvPr id="9" name="投影片編號版面配置區 8">
-            <a:extLst>
-              <a:ext uri="{FF2B5EF4-FFF2-40B4-BE49-F238E27FC236}">
-                <a16:creationId xmlns:a16="http://schemas.microsoft.com/office/drawing/2014/main" id="{3B997D8F-4F1C-4DE6-A82C-3E0C38ACAE96}"/>
-              </a:ext>
-            </a:extLst>
-          </p:cNvPr>
+            <a:endParaRPr lang="en-US"/>
+          </a:p>
+        </p:txBody>
+      </p:sp>
+      <p:sp>
+        <p:nvSpPr>
+          <p:cNvPr id="9" name="Slide Number Placeholder 8"/>
           <p:cNvSpPr>
             <a:spLocks noGrp="1"/>
           </p:cNvSpPr>
@@ -1862,30 +3168,42 @@
           <a:bodyPr/>
           <a:lstStyle/>
           <a:p>
-            <a:fld id="{E31EC408-072F-4346-BD0A-D6AA5788A305}" type="slidenum">
-              <a:rPr lang="zh-TW" altLang="en-US" smtClean="0"/>
+            <a:fld id="{48F63A3B-78C7-47BE-AE5E-E10140E04643}" type="slidenum">
+              <a:rPr lang="en-US" dirty="0"/>
               <a:t>‹#›</a:t>
             </a:fld>
-            <a:endParaRPr lang="zh-TW" altLang="en-US"/>
+            <a:endParaRPr lang="en-US"/>
           </a:p>
         </p:txBody>
       </p:sp>
     </p:spTree>
     <p:extLst>
       <p:ext uri="{BB962C8B-B14F-4D97-AF65-F5344CB8AC3E}">
-        <p14:creationId xmlns:p14="http://schemas.microsoft.com/office/powerpoint/2010/main" val="3379995638"/>
+        <p14:creationId xmlns:p14="http://schemas.microsoft.com/office/powerpoint/2010/main" val="4099527116"/>
       </p:ext>
     </p:extLst>
   </p:cSld>
   <p:clrMapOvr>
     <a:masterClrMapping/>
   </p:clrMapOvr>
+  <mc:AlternateContent xmlns:mc="http://schemas.openxmlformats.org/markup-compatibility/2006" xmlns:p159="http://schemas.microsoft.com/office/powerpoint/2015/09/main">
+    <mc:Choice Requires="p159">
+      <p:transition spd="slow">
+        <p159:morph option="byObject"/>
+      </p:transition>
+    </mc:Choice>
+    <mc:Fallback xmlns="">
+      <p:transition spd="slow">
+        <p:fade/>
+      </p:transition>
+    </mc:Fallback>
+  </mc:AlternateContent>
 </p:sldLayout>
 </file>
 
 <file path=ppt/slideLayouts/slideLayout6.xml><?xml version="1.0" encoding="utf-8"?>
 <p:sldLayout xmlns:a="http://schemas.openxmlformats.org/drawingml/2006/main" xmlns:r="http://schemas.openxmlformats.org/officeDocument/2006/relationships" xmlns:p="http://schemas.openxmlformats.org/presentationml/2006/main" type="titleOnly" preserve="1">
-  <p:cSld name="只有標題">
+  <p:cSld name="Title Only">
     <p:spTree>
       <p:nvGrpSpPr>
         <p:cNvPr id="1" name=""/>
@@ -1902,13 +3220,7 @@
       </p:grpSpPr>
       <p:sp>
         <p:nvSpPr>
-          <p:cNvPr id="2" name="標題 1">
-            <a:extLst>
-              <a:ext uri="{FF2B5EF4-FFF2-40B4-BE49-F238E27FC236}">
-                <a16:creationId xmlns:a16="http://schemas.microsoft.com/office/drawing/2014/main" id="{6CE04611-FD10-429D-89AA-73C259B64293}"/>
-              </a:ext>
-            </a:extLst>
-          </p:cNvPr>
+          <p:cNvPr id="2" name="Title 1"/>
           <p:cNvSpPr>
             <a:spLocks noGrp="1"/>
           </p:cNvSpPr>
@@ -1922,21 +3234,15 @@
           <a:lstStyle/>
           <a:p>
             <a:r>
-              <a:rPr lang="zh-TW" altLang="en-US"/>
-              <a:t>按一下以編輯母片標題樣式</a:t>
-            </a:r>
-          </a:p>
-        </p:txBody>
-      </p:sp>
-      <p:sp>
-        <p:nvSpPr>
-          <p:cNvPr id="3" name="日期版面配置區 2">
-            <a:extLst>
-              <a:ext uri="{FF2B5EF4-FFF2-40B4-BE49-F238E27FC236}">
-                <a16:creationId xmlns:a16="http://schemas.microsoft.com/office/drawing/2014/main" id="{2D9009F3-A280-4DA8-ACC4-187DE2172BCA}"/>
-              </a:ext>
-            </a:extLst>
-          </p:cNvPr>
+              <a:rPr lang="en-US"/>
+              <a:t>Click to edit Master title style</a:t>
+            </a:r>
+          </a:p>
+        </p:txBody>
+      </p:sp>
+      <p:sp>
+        <p:nvSpPr>
+          <p:cNvPr id="3" name="Date Placeholder 2"/>
           <p:cNvSpPr>
             <a:spLocks noGrp="1"/>
           </p:cNvSpPr>
@@ -1949,23 +3255,17 @@
           <a:bodyPr/>
           <a:lstStyle/>
           <a:p>
-            <a:fld id="{C3C90D7E-32D6-4894-AE08-7BBB3E610FC9}" type="datetimeFigureOut">
-              <a:rPr lang="zh-TW" altLang="en-US" smtClean="0"/>
-              <a:t>2024/9/16</a:t>
+            <a:fld id="{C764DE79-268F-4C1A-8933-263129D2AF90}" type="datetimeFigureOut">
+              <a:rPr lang="en-US" dirty="0"/>
+              <a:t>10/16/2024</a:t>
             </a:fld>
-            <a:endParaRPr lang="zh-TW" altLang="en-US"/>
-          </a:p>
-        </p:txBody>
-      </p:sp>
-      <p:sp>
-        <p:nvSpPr>
-          <p:cNvPr id="4" name="頁尾版面配置區 3">
-            <a:extLst>
-              <a:ext uri="{FF2B5EF4-FFF2-40B4-BE49-F238E27FC236}">
-                <a16:creationId xmlns:a16="http://schemas.microsoft.com/office/drawing/2014/main" id="{F8FD791E-F627-4DDB-AD69-F7639FDD1767}"/>
-              </a:ext>
-            </a:extLst>
-          </p:cNvPr>
+            <a:endParaRPr lang="en-US"/>
+          </a:p>
+        </p:txBody>
+      </p:sp>
+      <p:sp>
+        <p:nvSpPr>
+          <p:cNvPr id="4" name="Footer Placeholder 3"/>
           <p:cNvSpPr>
             <a:spLocks noGrp="1"/>
           </p:cNvSpPr>
@@ -1978,19 +3278,13 @@
           <a:bodyPr/>
           <a:lstStyle/>
           <a:p>
-            <a:endParaRPr lang="zh-TW" altLang="en-US"/>
-          </a:p>
-        </p:txBody>
-      </p:sp>
-      <p:sp>
-        <p:nvSpPr>
-          <p:cNvPr id="5" name="投影片編號版面配置區 4">
-            <a:extLst>
-              <a:ext uri="{FF2B5EF4-FFF2-40B4-BE49-F238E27FC236}">
-                <a16:creationId xmlns:a16="http://schemas.microsoft.com/office/drawing/2014/main" id="{CE9C3C73-9A1B-4A20-B40C-BF8E0726E9AE}"/>
-              </a:ext>
-            </a:extLst>
-          </p:cNvPr>
+            <a:endParaRPr lang="en-US"/>
+          </a:p>
+        </p:txBody>
+      </p:sp>
+      <p:sp>
+        <p:nvSpPr>
+          <p:cNvPr id="5" name="Slide Number Placeholder 4"/>
           <p:cNvSpPr>
             <a:spLocks noGrp="1"/>
           </p:cNvSpPr>
@@ -2003,30 +3297,42 @@
           <a:bodyPr/>
           <a:lstStyle/>
           <a:p>
-            <a:fld id="{E31EC408-072F-4346-BD0A-D6AA5788A305}" type="slidenum">
-              <a:rPr lang="zh-TW" altLang="en-US" smtClean="0"/>
+            <a:fld id="{48F63A3B-78C7-47BE-AE5E-E10140E04643}" type="slidenum">
+              <a:rPr lang="en-US" dirty="0"/>
               <a:t>‹#›</a:t>
             </a:fld>
-            <a:endParaRPr lang="zh-TW" altLang="en-US"/>
+            <a:endParaRPr lang="en-US"/>
           </a:p>
         </p:txBody>
       </p:sp>
     </p:spTree>
     <p:extLst>
       <p:ext uri="{BB962C8B-B14F-4D97-AF65-F5344CB8AC3E}">
-        <p14:creationId xmlns:p14="http://schemas.microsoft.com/office/powerpoint/2010/main" val="3116621787"/>
+        <p14:creationId xmlns:p14="http://schemas.microsoft.com/office/powerpoint/2010/main" val="2407468825"/>
       </p:ext>
     </p:extLst>
   </p:cSld>
   <p:clrMapOvr>
     <a:masterClrMapping/>
   </p:clrMapOvr>
+  <mc:AlternateContent xmlns:mc="http://schemas.openxmlformats.org/markup-compatibility/2006" xmlns:p159="http://schemas.microsoft.com/office/powerpoint/2015/09/main">
+    <mc:Choice Requires="p159">
+      <p:transition spd="slow">
+        <p159:morph option="byObject"/>
+      </p:transition>
+    </mc:Choice>
+    <mc:Fallback xmlns="">
+      <p:transition spd="slow">
+        <p:fade/>
+      </p:transition>
+    </mc:Fallback>
+  </mc:AlternateContent>
 </p:sldLayout>
 </file>
 
 <file path=ppt/slideLayouts/slideLayout7.xml><?xml version="1.0" encoding="utf-8"?>
 <p:sldLayout xmlns:a="http://schemas.openxmlformats.org/drawingml/2006/main" xmlns:r="http://schemas.openxmlformats.org/officeDocument/2006/relationships" xmlns:p="http://schemas.openxmlformats.org/presentationml/2006/main" type="blank" preserve="1">
-  <p:cSld name="空白">
+  <p:cSld name="Blank">
     <p:spTree>
       <p:nvGrpSpPr>
         <p:cNvPr id="1" name=""/>
@@ -2043,13 +3349,7 @@
       </p:grpSpPr>
       <p:sp>
         <p:nvSpPr>
-          <p:cNvPr id="2" name="日期版面配置區 1">
-            <a:extLst>
-              <a:ext uri="{FF2B5EF4-FFF2-40B4-BE49-F238E27FC236}">
-                <a16:creationId xmlns:a16="http://schemas.microsoft.com/office/drawing/2014/main" id="{1E1D8EED-F2A7-4221-9887-0DBB62EB3F80}"/>
-              </a:ext>
-            </a:extLst>
-          </p:cNvPr>
+          <p:cNvPr id="2" name="Date Placeholder 1"/>
           <p:cNvSpPr>
             <a:spLocks noGrp="1"/>
           </p:cNvSpPr>
@@ -2062,23 +3362,17 @@
           <a:bodyPr/>
           <a:lstStyle/>
           <a:p>
-            <a:fld id="{C3C90D7E-32D6-4894-AE08-7BBB3E610FC9}" type="datetimeFigureOut">
-              <a:rPr lang="zh-TW" altLang="en-US" smtClean="0"/>
-              <a:t>2024/9/16</a:t>
+            <a:fld id="{C764DE79-268F-4C1A-8933-263129D2AF90}" type="datetimeFigureOut">
+              <a:rPr lang="en-US" dirty="0"/>
+              <a:t>10/16/2024</a:t>
             </a:fld>
-            <a:endParaRPr lang="zh-TW" altLang="en-US"/>
-          </a:p>
-        </p:txBody>
-      </p:sp>
-      <p:sp>
-        <p:nvSpPr>
-          <p:cNvPr id="3" name="頁尾版面配置區 2">
-            <a:extLst>
-              <a:ext uri="{FF2B5EF4-FFF2-40B4-BE49-F238E27FC236}">
-                <a16:creationId xmlns:a16="http://schemas.microsoft.com/office/drawing/2014/main" id="{10593B39-DC86-45A7-85EF-B4DB9C28DC80}"/>
-              </a:ext>
-            </a:extLst>
-          </p:cNvPr>
+            <a:endParaRPr lang="en-US"/>
+          </a:p>
+        </p:txBody>
+      </p:sp>
+      <p:sp>
+        <p:nvSpPr>
+          <p:cNvPr id="3" name="Footer Placeholder 2"/>
           <p:cNvSpPr>
             <a:spLocks noGrp="1"/>
           </p:cNvSpPr>
@@ -2091,19 +3385,13 @@
           <a:bodyPr/>
           <a:lstStyle/>
           <a:p>
-            <a:endParaRPr lang="zh-TW" altLang="en-US"/>
-          </a:p>
-        </p:txBody>
-      </p:sp>
-      <p:sp>
-        <p:nvSpPr>
-          <p:cNvPr id="4" name="投影片編號版面配置區 3">
-            <a:extLst>
-              <a:ext uri="{FF2B5EF4-FFF2-40B4-BE49-F238E27FC236}">
-                <a16:creationId xmlns:a16="http://schemas.microsoft.com/office/drawing/2014/main" id="{3D9056B2-6966-4CAF-94D1-2295A737E168}"/>
-              </a:ext>
-            </a:extLst>
-          </p:cNvPr>
+            <a:endParaRPr lang="en-US"/>
+          </a:p>
+        </p:txBody>
+      </p:sp>
+      <p:sp>
+        <p:nvSpPr>
+          <p:cNvPr id="4" name="Slide Number Placeholder 3"/>
           <p:cNvSpPr>
             <a:spLocks noGrp="1"/>
           </p:cNvSpPr>
@@ -2116,30 +3404,42 @@
           <a:bodyPr/>
           <a:lstStyle/>
           <a:p>
-            <a:fld id="{E31EC408-072F-4346-BD0A-D6AA5788A305}" type="slidenum">
-              <a:rPr lang="zh-TW" altLang="en-US" smtClean="0"/>
+            <a:fld id="{48F63A3B-78C7-47BE-AE5E-E10140E04643}" type="slidenum">
+              <a:rPr lang="en-US" dirty="0"/>
               <a:t>‹#›</a:t>
             </a:fld>
-            <a:endParaRPr lang="zh-TW" altLang="en-US"/>
+            <a:endParaRPr lang="en-US"/>
           </a:p>
         </p:txBody>
       </p:sp>
     </p:spTree>
     <p:extLst>
       <p:ext uri="{BB962C8B-B14F-4D97-AF65-F5344CB8AC3E}">
-        <p14:creationId xmlns:p14="http://schemas.microsoft.com/office/powerpoint/2010/main" val="3887241942"/>
+        <p14:creationId xmlns:p14="http://schemas.microsoft.com/office/powerpoint/2010/main" val="558247748"/>
       </p:ext>
     </p:extLst>
   </p:cSld>
   <p:clrMapOvr>
     <a:masterClrMapping/>
   </p:clrMapOvr>
+  <mc:AlternateContent xmlns:mc="http://schemas.openxmlformats.org/markup-compatibility/2006" xmlns:p159="http://schemas.microsoft.com/office/powerpoint/2015/09/main">
+    <mc:Choice Requires="p159">
+      <p:transition spd="slow">
+        <p159:morph option="byObject"/>
+      </p:transition>
+    </mc:Choice>
+    <mc:Fallback xmlns="">
+      <p:transition spd="slow">
+        <p:fade/>
+      </p:transition>
+    </mc:Fallback>
+  </mc:AlternateContent>
 </p:sldLayout>
 </file>
 
 <file path=ppt/slideLayouts/slideLayout8.xml><?xml version="1.0" encoding="utf-8"?>
 <p:sldLayout xmlns:a="http://schemas.openxmlformats.org/drawingml/2006/main" xmlns:r="http://schemas.openxmlformats.org/officeDocument/2006/relationships" xmlns:p="http://schemas.openxmlformats.org/presentationml/2006/main" type="objTx" preserve="1">
-  <p:cSld name="含輔助字幕的內容">
+  <p:cSld name="Content with Caption">
     <p:spTree>
       <p:nvGrpSpPr>
         <p:cNvPr id="1" name=""/>
@@ -2156,13 +3456,7 @@
       </p:grpSpPr>
       <p:sp>
         <p:nvSpPr>
-          <p:cNvPr id="2" name="標題 1">
-            <a:extLst>
-              <a:ext uri="{FF2B5EF4-FFF2-40B4-BE49-F238E27FC236}">
-                <a16:creationId xmlns:a16="http://schemas.microsoft.com/office/drawing/2014/main" id="{5C3076DF-D16B-4600-9550-96C6A8DD7F1A}"/>
-              </a:ext>
-            </a:extLst>
-          </p:cNvPr>
+          <p:cNvPr id="2" name="Title 1"/>
           <p:cNvSpPr>
             <a:spLocks noGrp="1"/>
           </p:cNvSpPr>
@@ -2185,21 +3479,15 @@
           </a:lstStyle>
           <a:p>
             <a:r>
-              <a:rPr lang="zh-TW" altLang="en-US"/>
-              <a:t>按一下以編輯母片標題樣式</a:t>
-            </a:r>
-          </a:p>
-        </p:txBody>
-      </p:sp>
-      <p:sp>
-        <p:nvSpPr>
-          <p:cNvPr id="3" name="內容版面配置區 2">
-            <a:extLst>
-              <a:ext uri="{FF2B5EF4-FFF2-40B4-BE49-F238E27FC236}">
-                <a16:creationId xmlns:a16="http://schemas.microsoft.com/office/drawing/2014/main" id="{9CD3D667-FDE5-4F5D-9495-588EC18912CE}"/>
-              </a:ext>
-            </a:extLst>
-          </p:cNvPr>
+              <a:rPr lang="en-US"/>
+              <a:t>Click to edit Master title style</a:t>
+            </a:r>
+          </a:p>
+        </p:txBody>
+      </p:sp>
+      <p:sp>
+        <p:nvSpPr>
+          <p:cNvPr id="3" name="Content Placeholder 2"/>
           <p:cNvSpPr>
             <a:spLocks noGrp="1"/>
           </p:cNvSpPr>
@@ -2247,49 +3535,43 @@
           <a:p>
             <a:pPr lvl="0"/>
             <a:r>
-              <a:rPr lang="zh-TW" altLang="en-US"/>
-              <a:t>按一下以編輯母片文字樣式</a:t>
+              <a:rPr lang="en-US"/>
+              <a:t>Click to edit Master text styles</a:t>
             </a:r>
           </a:p>
           <a:p>
             <a:pPr lvl="1"/>
             <a:r>
-              <a:rPr lang="zh-TW" altLang="en-US"/>
-              <a:t>第二層</a:t>
+              <a:rPr lang="en-US"/>
+              <a:t>Second level</a:t>
             </a:r>
           </a:p>
           <a:p>
             <a:pPr lvl="2"/>
             <a:r>
-              <a:rPr lang="zh-TW" altLang="en-US"/>
-              <a:t>第三層</a:t>
+              <a:rPr lang="en-US"/>
+              <a:t>Third level</a:t>
             </a:r>
           </a:p>
           <a:p>
             <a:pPr lvl="3"/>
             <a:r>
-              <a:rPr lang="zh-TW" altLang="en-US"/>
-              <a:t>第四層</a:t>
+              <a:rPr lang="en-US"/>
+              <a:t>Fourth level</a:t>
             </a:r>
           </a:p>
           <a:p>
             <a:pPr lvl="4"/>
             <a:r>
-              <a:rPr lang="zh-TW" altLang="en-US"/>
-              <a:t>第五層</a:t>
-            </a:r>
-          </a:p>
-        </p:txBody>
-      </p:sp>
-      <p:sp>
-        <p:nvSpPr>
-          <p:cNvPr id="4" name="文字版面配置區 3">
-            <a:extLst>
-              <a:ext uri="{FF2B5EF4-FFF2-40B4-BE49-F238E27FC236}">
-                <a16:creationId xmlns:a16="http://schemas.microsoft.com/office/drawing/2014/main" id="{22F511E7-BEEF-4F51-BA0E-52C1908D5608}"/>
-              </a:ext>
-            </a:extLst>
-          </p:cNvPr>
+              <a:rPr lang="en-US"/>
+              <a:t>Fifth level</a:t>
+            </a:r>
+          </a:p>
+        </p:txBody>
+      </p:sp>
+      <p:sp>
+        <p:nvSpPr>
+          <p:cNvPr id="4" name="Text Placeholder 3"/>
           <p:cNvSpPr>
             <a:spLocks noGrp="1"/>
           </p:cNvSpPr>
@@ -2346,21 +3628,15 @@
           <a:p>
             <a:pPr lvl="0"/>
             <a:r>
-              <a:rPr lang="zh-TW" altLang="en-US"/>
-              <a:t>按一下以編輯母片文字樣式</a:t>
-            </a:r>
-          </a:p>
-        </p:txBody>
-      </p:sp>
-      <p:sp>
-        <p:nvSpPr>
-          <p:cNvPr id="5" name="日期版面配置區 4">
-            <a:extLst>
-              <a:ext uri="{FF2B5EF4-FFF2-40B4-BE49-F238E27FC236}">
-                <a16:creationId xmlns:a16="http://schemas.microsoft.com/office/drawing/2014/main" id="{88060697-A92E-4178-A790-FCBB90D70573}"/>
-              </a:ext>
-            </a:extLst>
-          </p:cNvPr>
+              <a:rPr lang="en-US"/>
+              <a:t>Click to edit Master text styles</a:t>
+            </a:r>
+          </a:p>
+        </p:txBody>
+      </p:sp>
+      <p:sp>
+        <p:nvSpPr>
+          <p:cNvPr id="5" name="Date Placeholder 4"/>
           <p:cNvSpPr>
             <a:spLocks noGrp="1"/>
           </p:cNvSpPr>
@@ -2373,23 +3649,17 @@
           <a:bodyPr/>
           <a:lstStyle/>
           <a:p>
-            <a:fld id="{C3C90D7E-32D6-4894-AE08-7BBB3E610FC9}" type="datetimeFigureOut">
-              <a:rPr lang="zh-TW" altLang="en-US" smtClean="0"/>
-              <a:t>2024/9/16</a:t>
+            <a:fld id="{C764DE79-268F-4C1A-8933-263129D2AF90}" type="datetimeFigureOut">
+              <a:rPr lang="en-US" dirty="0"/>
+              <a:t>10/16/2024</a:t>
             </a:fld>
-            <a:endParaRPr lang="zh-TW" altLang="en-US"/>
-          </a:p>
-        </p:txBody>
-      </p:sp>
-      <p:sp>
-        <p:nvSpPr>
-          <p:cNvPr id="6" name="頁尾版面配置區 5">
-            <a:extLst>
-              <a:ext uri="{FF2B5EF4-FFF2-40B4-BE49-F238E27FC236}">
-                <a16:creationId xmlns:a16="http://schemas.microsoft.com/office/drawing/2014/main" id="{2A8E3F57-A99A-4C4C-BF14-EE42AB99CE78}"/>
-              </a:ext>
-            </a:extLst>
-          </p:cNvPr>
+            <a:endParaRPr lang="en-US"/>
+          </a:p>
+        </p:txBody>
+      </p:sp>
+      <p:sp>
+        <p:nvSpPr>
+          <p:cNvPr id="6" name="Footer Placeholder 5"/>
           <p:cNvSpPr>
             <a:spLocks noGrp="1"/>
           </p:cNvSpPr>
@@ -2402,19 +3672,13 @@
           <a:bodyPr/>
           <a:lstStyle/>
           <a:p>
-            <a:endParaRPr lang="zh-TW" altLang="en-US"/>
-          </a:p>
-        </p:txBody>
-      </p:sp>
-      <p:sp>
-        <p:nvSpPr>
-          <p:cNvPr id="7" name="投影片編號版面配置區 6">
-            <a:extLst>
-              <a:ext uri="{FF2B5EF4-FFF2-40B4-BE49-F238E27FC236}">
-                <a16:creationId xmlns:a16="http://schemas.microsoft.com/office/drawing/2014/main" id="{39234440-6924-48D7-AC1A-200D5946BCA9}"/>
-              </a:ext>
-            </a:extLst>
-          </p:cNvPr>
+            <a:endParaRPr lang="en-US"/>
+          </a:p>
+        </p:txBody>
+      </p:sp>
+      <p:sp>
+        <p:nvSpPr>
+          <p:cNvPr id="7" name="Slide Number Placeholder 6"/>
           <p:cNvSpPr>
             <a:spLocks noGrp="1"/>
           </p:cNvSpPr>
@@ -2427,30 +3691,42 @@
           <a:bodyPr/>
           <a:lstStyle/>
           <a:p>
-            <a:fld id="{E31EC408-072F-4346-BD0A-D6AA5788A305}" type="slidenum">
-              <a:rPr lang="zh-TW" altLang="en-US" smtClean="0"/>
+            <a:fld id="{48F63A3B-78C7-47BE-AE5E-E10140E04643}" type="slidenum">
+              <a:rPr lang="en-US" dirty="0"/>
               <a:t>‹#›</a:t>
             </a:fld>
-            <a:endParaRPr lang="zh-TW" altLang="en-US"/>
+            <a:endParaRPr lang="en-US"/>
           </a:p>
         </p:txBody>
       </p:sp>
     </p:spTree>
     <p:extLst>
       <p:ext uri="{BB962C8B-B14F-4D97-AF65-F5344CB8AC3E}">
-        <p14:creationId xmlns:p14="http://schemas.microsoft.com/office/powerpoint/2010/main" val="2036183199"/>
+        <p14:creationId xmlns:p14="http://schemas.microsoft.com/office/powerpoint/2010/main" val="3493037557"/>
       </p:ext>
     </p:extLst>
   </p:cSld>
   <p:clrMapOvr>
     <a:masterClrMapping/>
   </p:clrMapOvr>
+  <mc:AlternateContent xmlns:mc="http://schemas.openxmlformats.org/markup-compatibility/2006" xmlns:p159="http://schemas.microsoft.com/office/powerpoint/2015/09/main">
+    <mc:Choice Requires="p159">
+      <p:transition spd="slow">
+        <p159:morph option="byObject"/>
+      </p:transition>
+    </mc:Choice>
+    <mc:Fallback xmlns="">
+      <p:transition spd="slow">
+        <p:fade/>
+      </p:transition>
+    </mc:Fallback>
+  </mc:AlternateContent>
 </p:sldLayout>
 </file>
 
 <file path=ppt/slideLayouts/slideLayout9.xml><?xml version="1.0" encoding="utf-8"?>
 <p:sldLayout xmlns:a="http://schemas.openxmlformats.org/drawingml/2006/main" xmlns:r="http://schemas.openxmlformats.org/officeDocument/2006/relationships" xmlns:p="http://schemas.openxmlformats.org/presentationml/2006/main" type="picTx" preserve="1">
-  <p:cSld name="含輔助字幕的圖片">
+  <p:cSld name="Picture with Caption">
     <p:spTree>
       <p:nvGrpSpPr>
         <p:cNvPr id="1" name=""/>
@@ -2467,13 +3743,7 @@
       </p:grpSpPr>
       <p:sp>
         <p:nvSpPr>
-          <p:cNvPr id="2" name="標題 1">
-            <a:extLst>
-              <a:ext uri="{FF2B5EF4-FFF2-40B4-BE49-F238E27FC236}">
-                <a16:creationId xmlns:a16="http://schemas.microsoft.com/office/drawing/2014/main" id="{B2E81694-0B93-4D65-9DA3-21597478A96C}"/>
-              </a:ext>
-            </a:extLst>
-          </p:cNvPr>
+          <p:cNvPr id="2" name="Title 1"/>
           <p:cNvSpPr>
             <a:spLocks noGrp="1"/>
           </p:cNvSpPr>
@@ -2496,23 +3766,17 @@
           </a:lstStyle>
           <a:p>
             <a:r>
-              <a:rPr lang="zh-TW" altLang="en-US"/>
-              <a:t>按一下以編輯母片標題樣式</a:t>
-            </a:r>
-          </a:p>
-        </p:txBody>
-      </p:sp>
-      <p:sp>
-        <p:nvSpPr>
-          <p:cNvPr id="3" name="圖片版面配置區 2">
-            <a:extLst>
-              <a:ext uri="{FF2B5EF4-FFF2-40B4-BE49-F238E27FC236}">
-                <a16:creationId xmlns:a16="http://schemas.microsoft.com/office/drawing/2014/main" id="{23E4D718-8CB0-4334-BB8A-FB8B57D7CDC6}"/>
-              </a:ext>
-            </a:extLst>
-          </p:cNvPr>
-          <p:cNvSpPr>
-            <a:spLocks noGrp="1"/>
+              <a:rPr lang="en-US"/>
+              <a:t>Click to edit Master title style</a:t>
+            </a:r>
+          </a:p>
+        </p:txBody>
+      </p:sp>
+      <p:sp>
+        <p:nvSpPr>
+          <p:cNvPr id="3" name="Picture Placeholder 2"/>
+          <p:cNvSpPr>
+            <a:spLocks noGrp="1" noChangeAspect="1"/>
           </p:cNvSpPr>
           <p:nvPr>
             <p:ph type="pic" idx="1"/>
@@ -2525,7 +3789,7 @@
           </a:xfrm>
         </p:spPr>
         <p:txBody>
-          <a:bodyPr/>
+          <a:bodyPr anchor="t"/>
           <a:lstStyle>
             <a:lvl1pPr marL="0" indent="0">
               <a:buNone/>
@@ -2565,19 +3829,13 @@
             </a:lvl9pPr>
           </a:lstStyle>
           <a:p>
-            <a:endParaRPr lang="zh-TW" altLang="en-US"/>
-          </a:p>
-        </p:txBody>
-      </p:sp>
-      <p:sp>
-        <p:nvSpPr>
-          <p:cNvPr id="4" name="文字版面配置區 3">
-            <a:extLst>
-              <a:ext uri="{FF2B5EF4-FFF2-40B4-BE49-F238E27FC236}">
-                <a16:creationId xmlns:a16="http://schemas.microsoft.com/office/drawing/2014/main" id="{0DC47463-53E7-4FE3-B60B-1657D11127BD}"/>
-              </a:ext>
-            </a:extLst>
-          </p:cNvPr>
+            <a:endParaRPr lang="en-US"/>
+          </a:p>
+        </p:txBody>
+      </p:sp>
+      <p:sp>
+        <p:nvSpPr>
+          <p:cNvPr id="4" name="Text Placeholder 3"/>
           <p:cNvSpPr>
             <a:spLocks noGrp="1"/>
           </p:cNvSpPr>
@@ -2634,21 +3892,15 @@
           <a:p>
             <a:pPr lvl="0"/>
             <a:r>
-              <a:rPr lang="zh-TW" altLang="en-US"/>
-              <a:t>按一下以編輯母片文字樣式</a:t>
-            </a:r>
-          </a:p>
-        </p:txBody>
-      </p:sp>
-      <p:sp>
-        <p:nvSpPr>
-          <p:cNvPr id="5" name="日期版面配置區 4">
-            <a:extLst>
-              <a:ext uri="{FF2B5EF4-FFF2-40B4-BE49-F238E27FC236}">
-                <a16:creationId xmlns:a16="http://schemas.microsoft.com/office/drawing/2014/main" id="{28875DC5-6AFF-40C0-8C77-F81A0A3E1B0F}"/>
-              </a:ext>
-            </a:extLst>
-          </p:cNvPr>
+              <a:rPr lang="en-US"/>
+              <a:t>Click to edit Master text styles</a:t>
+            </a:r>
+          </a:p>
+        </p:txBody>
+      </p:sp>
+      <p:sp>
+        <p:nvSpPr>
+          <p:cNvPr id="5" name="Date Placeholder 4"/>
           <p:cNvSpPr>
             <a:spLocks noGrp="1"/>
           </p:cNvSpPr>
@@ -2661,23 +3913,17 @@
           <a:bodyPr/>
           <a:lstStyle/>
           <a:p>
-            <a:fld id="{C3C90D7E-32D6-4894-AE08-7BBB3E610FC9}" type="datetimeFigureOut">
-              <a:rPr lang="zh-TW" altLang="en-US" smtClean="0"/>
-              <a:t>2024/9/16</a:t>
+            <a:fld id="{C764DE79-268F-4C1A-8933-263129D2AF90}" type="datetimeFigureOut">
+              <a:rPr lang="en-US" dirty="0"/>
+              <a:t>10/16/2024</a:t>
             </a:fld>
-            <a:endParaRPr lang="zh-TW" altLang="en-US"/>
-          </a:p>
-        </p:txBody>
-      </p:sp>
-      <p:sp>
-        <p:nvSpPr>
-          <p:cNvPr id="6" name="頁尾版面配置區 5">
-            <a:extLst>
-              <a:ext uri="{FF2B5EF4-FFF2-40B4-BE49-F238E27FC236}">
-                <a16:creationId xmlns:a16="http://schemas.microsoft.com/office/drawing/2014/main" id="{24F8A973-6D07-4F0C-97A0-280FEFC238E0}"/>
-              </a:ext>
-            </a:extLst>
-          </p:cNvPr>
+            <a:endParaRPr lang="en-US"/>
+          </a:p>
+        </p:txBody>
+      </p:sp>
+      <p:sp>
+        <p:nvSpPr>
+          <p:cNvPr id="6" name="Footer Placeholder 5"/>
           <p:cNvSpPr>
             <a:spLocks noGrp="1"/>
           </p:cNvSpPr>
@@ -2690,19 +3936,13 @@
           <a:bodyPr/>
           <a:lstStyle/>
           <a:p>
-            <a:endParaRPr lang="zh-TW" altLang="en-US"/>
-          </a:p>
-        </p:txBody>
-      </p:sp>
-      <p:sp>
-        <p:nvSpPr>
-          <p:cNvPr id="7" name="投影片編號版面配置區 6">
-            <a:extLst>
-              <a:ext uri="{FF2B5EF4-FFF2-40B4-BE49-F238E27FC236}">
-                <a16:creationId xmlns:a16="http://schemas.microsoft.com/office/drawing/2014/main" id="{DB60BB1E-F41B-40F0-929B-5208374980BF}"/>
-              </a:ext>
-            </a:extLst>
-          </p:cNvPr>
+            <a:endParaRPr lang="en-US"/>
+          </a:p>
+        </p:txBody>
+      </p:sp>
+      <p:sp>
+        <p:nvSpPr>
+          <p:cNvPr id="7" name="Slide Number Placeholder 6"/>
           <p:cNvSpPr>
             <a:spLocks noGrp="1"/>
           </p:cNvSpPr>
@@ -2715,24 +3955,36 @@
           <a:bodyPr/>
           <a:lstStyle/>
           <a:p>
-            <a:fld id="{E31EC408-072F-4346-BD0A-D6AA5788A305}" type="slidenum">
-              <a:rPr lang="zh-TW" altLang="en-US" smtClean="0"/>
+            <a:fld id="{48F63A3B-78C7-47BE-AE5E-E10140E04643}" type="slidenum">
+              <a:rPr lang="en-US" dirty="0"/>
               <a:t>‹#›</a:t>
             </a:fld>
-            <a:endParaRPr lang="zh-TW" altLang="en-US"/>
+            <a:endParaRPr lang="en-US"/>
           </a:p>
         </p:txBody>
       </p:sp>
     </p:spTree>
     <p:extLst>
       <p:ext uri="{BB962C8B-B14F-4D97-AF65-F5344CB8AC3E}">
-        <p14:creationId xmlns:p14="http://schemas.microsoft.com/office/powerpoint/2010/main" val="3148270851"/>
+        <p14:creationId xmlns:p14="http://schemas.microsoft.com/office/powerpoint/2010/main" val="1318930521"/>
       </p:ext>
     </p:extLst>
   </p:cSld>
   <p:clrMapOvr>
     <a:masterClrMapping/>
   </p:clrMapOvr>
+  <mc:AlternateContent xmlns:mc="http://schemas.openxmlformats.org/markup-compatibility/2006" xmlns:p159="http://schemas.microsoft.com/office/powerpoint/2015/09/main">
+    <mc:Choice Requires="p159">
+      <p:transition spd="slow">
+        <p159:morph option="byObject"/>
+      </p:transition>
+    </mc:Choice>
+    <mc:Fallback xmlns="">
+      <p:transition spd="slow">
+        <p:fade/>
+      </p:transition>
+    </mc:Fallback>
+  </mc:AlternateContent>
 </p:sldLayout>
 </file>
 
@@ -2760,13 +4012,7 @@
       </p:grpSpPr>
       <p:sp>
         <p:nvSpPr>
-          <p:cNvPr id="2" name="標題版面配置區 1">
-            <a:extLst>
-              <a:ext uri="{FF2B5EF4-FFF2-40B4-BE49-F238E27FC236}">
-                <a16:creationId xmlns:a16="http://schemas.microsoft.com/office/drawing/2014/main" id="{B8575AAC-624C-4B52-ABD4-699B1E35D2CF}"/>
-              </a:ext>
-            </a:extLst>
-          </p:cNvPr>
+          <p:cNvPr id="2" name="Title Placeholder 1"/>
           <p:cNvSpPr>
             <a:spLocks noGrp="1"/>
           </p:cNvSpPr>
@@ -2790,21 +4036,15 @@
           <a:lstStyle/>
           <a:p>
             <a:r>
-              <a:rPr lang="zh-TW" altLang="en-US"/>
-              <a:t>按一下以編輯母片標題樣式</a:t>
-            </a:r>
-          </a:p>
-        </p:txBody>
-      </p:sp>
-      <p:sp>
-        <p:nvSpPr>
-          <p:cNvPr id="3" name="文字版面配置區 2">
-            <a:extLst>
-              <a:ext uri="{FF2B5EF4-FFF2-40B4-BE49-F238E27FC236}">
-                <a16:creationId xmlns:a16="http://schemas.microsoft.com/office/drawing/2014/main" id="{76722991-C57D-471F-8271-C419A1CFB074}"/>
-              </a:ext>
-            </a:extLst>
-          </p:cNvPr>
+              <a:rPr lang="en-US"/>
+              <a:t>Click to edit Master title style</a:t>
+            </a:r>
+          </a:p>
+        </p:txBody>
+      </p:sp>
+      <p:sp>
+        <p:nvSpPr>
+          <p:cNvPr id="3" name="Text Placeholder 2"/>
           <p:cNvSpPr>
             <a:spLocks noGrp="1"/>
           </p:cNvSpPr>
@@ -2829,49 +4069,43 @@
           <a:p>
             <a:pPr lvl="0"/>
             <a:r>
-              <a:rPr lang="zh-TW" altLang="en-US"/>
-              <a:t>按一下以編輯母片文字樣式</a:t>
+              <a:rPr lang="en-US"/>
+              <a:t>Click to edit Master text styles</a:t>
             </a:r>
           </a:p>
           <a:p>
             <a:pPr lvl="1"/>
             <a:r>
-              <a:rPr lang="zh-TW" altLang="en-US"/>
-              <a:t>第二層</a:t>
+              <a:rPr lang="en-US"/>
+              <a:t>Second level</a:t>
             </a:r>
           </a:p>
           <a:p>
             <a:pPr lvl="2"/>
             <a:r>
-              <a:rPr lang="zh-TW" altLang="en-US"/>
-              <a:t>第三層</a:t>
+              <a:rPr lang="en-US"/>
+              <a:t>Third level</a:t>
             </a:r>
           </a:p>
           <a:p>
             <a:pPr lvl="3"/>
             <a:r>
-              <a:rPr lang="zh-TW" altLang="en-US"/>
-              <a:t>第四層</a:t>
+              <a:rPr lang="en-US"/>
+              <a:t>Fourth level</a:t>
             </a:r>
           </a:p>
           <a:p>
             <a:pPr lvl="4"/>
             <a:r>
-              <a:rPr lang="zh-TW" altLang="en-US"/>
-              <a:t>第五層</a:t>
-            </a:r>
-          </a:p>
-        </p:txBody>
-      </p:sp>
-      <p:sp>
-        <p:nvSpPr>
-          <p:cNvPr id="4" name="日期版面配置區 3">
-            <a:extLst>
-              <a:ext uri="{FF2B5EF4-FFF2-40B4-BE49-F238E27FC236}">
-                <a16:creationId xmlns:a16="http://schemas.microsoft.com/office/drawing/2014/main" id="{85C839DD-8CBF-4E23-A0C7-7C039E950BB8}"/>
-              </a:ext>
-            </a:extLst>
-          </p:cNvPr>
+              <a:rPr lang="en-US"/>
+              <a:t>Fifth level</a:t>
+            </a:r>
+          </a:p>
+        </p:txBody>
+      </p:sp>
+      <p:sp>
+        <p:nvSpPr>
+          <p:cNvPr id="4" name="Date Placeholder 3"/>
           <p:cNvSpPr>
             <a:spLocks noGrp="1"/>
           </p:cNvSpPr>
@@ -2895,30 +4129,24 @@
               <a:defRPr sz="1200">
                 <a:solidFill>
                   <a:schemeClr val="tx1">
-                    <a:tint val="75000"/>
+                    <a:shade val="82000"/>
                   </a:schemeClr>
                 </a:solidFill>
               </a:defRPr>
             </a:lvl1pPr>
           </a:lstStyle>
           <a:p>
-            <a:fld id="{C3C90D7E-32D6-4894-AE08-7BBB3E610FC9}" type="datetimeFigureOut">
-              <a:rPr lang="zh-TW" altLang="en-US" smtClean="0"/>
-              <a:t>2024/9/16</a:t>
+            <a:fld id="{C764DE79-268F-4C1A-8933-263129D2AF90}" type="datetimeFigureOut">
+              <a:rPr lang="en-US" dirty="0"/>
+              <a:t>10/16/2024</a:t>
             </a:fld>
-            <a:endParaRPr lang="zh-TW" altLang="en-US"/>
-          </a:p>
-        </p:txBody>
-      </p:sp>
-      <p:sp>
-        <p:nvSpPr>
-          <p:cNvPr id="5" name="頁尾版面配置區 4">
-            <a:extLst>
-              <a:ext uri="{FF2B5EF4-FFF2-40B4-BE49-F238E27FC236}">
-                <a16:creationId xmlns:a16="http://schemas.microsoft.com/office/drawing/2014/main" id="{12802D8A-77D4-418C-8190-43B6ADED2131}"/>
-              </a:ext>
-            </a:extLst>
-          </p:cNvPr>
+            <a:endParaRPr lang="en-US"/>
+          </a:p>
+        </p:txBody>
+      </p:sp>
+      <p:sp>
+        <p:nvSpPr>
+          <p:cNvPr id="5" name="Footer Placeholder 4"/>
           <p:cNvSpPr>
             <a:spLocks noGrp="1"/>
           </p:cNvSpPr>
@@ -2942,26 +4170,20 @@
               <a:defRPr sz="1200">
                 <a:solidFill>
                   <a:schemeClr val="tx1">
-                    <a:tint val="75000"/>
+                    <a:shade val="82000"/>
                   </a:schemeClr>
                 </a:solidFill>
               </a:defRPr>
             </a:lvl1pPr>
           </a:lstStyle>
           <a:p>
-            <a:endParaRPr lang="zh-TW" altLang="en-US"/>
-          </a:p>
-        </p:txBody>
-      </p:sp>
-      <p:sp>
-        <p:nvSpPr>
-          <p:cNvPr id="6" name="投影片編號版面配置區 5">
-            <a:extLst>
-              <a:ext uri="{FF2B5EF4-FFF2-40B4-BE49-F238E27FC236}">
-                <a16:creationId xmlns:a16="http://schemas.microsoft.com/office/drawing/2014/main" id="{7072B55E-2BE2-4AF4-AFF8-2A716F492F1C}"/>
-              </a:ext>
-            </a:extLst>
-          </p:cNvPr>
+            <a:endParaRPr lang="en-US"/>
+          </a:p>
+        </p:txBody>
+      </p:sp>
+      <p:sp>
+        <p:nvSpPr>
+          <p:cNvPr id="6" name="Slide Number Placeholder 5"/>
           <p:cNvSpPr>
             <a:spLocks noGrp="1"/>
           </p:cNvSpPr>
@@ -2985,42 +4207,54 @@
               <a:defRPr sz="1200">
                 <a:solidFill>
                   <a:schemeClr val="tx1">
-                    <a:tint val="75000"/>
+                    <a:shade val="82000"/>
                   </a:schemeClr>
                 </a:solidFill>
               </a:defRPr>
             </a:lvl1pPr>
           </a:lstStyle>
           <a:p>
-            <a:fld id="{E31EC408-072F-4346-BD0A-D6AA5788A305}" type="slidenum">
-              <a:rPr lang="zh-TW" altLang="en-US" smtClean="0"/>
+            <a:fld id="{48F63A3B-78C7-47BE-AE5E-E10140E04643}" type="slidenum">
+              <a:rPr lang="en-US" dirty="0"/>
               <a:t>‹#›</a:t>
             </a:fld>
-            <a:endParaRPr lang="zh-TW" altLang="en-US"/>
+            <a:endParaRPr lang="en-US"/>
           </a:p>
         </p:txBody>
       </p:sp>
     </p:spTree>
     <p:extLst>
       <p:ext uri="{BB962C8B-B14F-4D97-AF65-F5344CB8AC3E}">
-        <p14:creationId xmlns:p14="http://schemas.microsoft.com/office/powerpoint/2010/main" val="2016052060"/>
+        <p14:creationId xmlns:p14="http://schemas.microsoft.com/office/powerpoint/2010/main" val="3263096320"/>
       </p:ext>
     </p:extLst>
   </p:cSld>
-  <p:clrMap bg1="lt1" tx1="dk1" bg2="lt2" tx2="dk2" accent1="accent1" accent2="accent2" accent3="accent3" accent4="accent4" accent5="accent5" accent6="accent6" hlink="hlink" folHlink="folHlink"/>
+  <p:clrMap bg1="dk1" tx1="lt1" bg2="dk2" tx2="lt2" accent1="accent1" accent2="accent2" accent3="accent3" accent4="accent4" accent5="accent5" accent6="accent6" hlink="hlink" folHlink="folHlink"/>
   <p:sldLayoutIdLst>
-    <p:sldLayoutId id="2147483649" r:id="rId1"/>
-    <p:sldLayoutId id="2147483650" r:id="rId2"/>
-    <p:sldLayoutId id="2147483651" r:id="rId3"/>
-    <p:sldLayoutId id="2147483652" r:id="rId4"/>
-    <p:sldLayoutId id="2147483653" r:id="rId5"/>
-    <p:sldLayoutId id="2147483654" r:id="rId6"/>
-    <p:sldLayoutId id="2147483655" r:id="rId7"/>
-    <p:sldLayoutId id="2147483656" r:id="rId8"/>
-    <p:sldLayoutId id="2147483657" r:id="rId9"/>
-    <p:sldLayoutId id="2147483658" r:id="rId10"/>
-    <p:sldLayoutId id="2147483659" r:id="rId11"/>
+    <p:sldLayoutId id="2147483685" r:id="rId1"/>
+    <p:sldLayoutId id="2147483686" r:id="rId2"/>
+    <p:sldLayoutId id="2147483687" r:id="rId3"/>
+    <p:sldLayoutId id="2147483688" r:id="rId4"/>
+    <p:sldLayoutId id="2147483689" r:id="rId5"/>
+    <p:sldLayoutId id="2147483690" r:id="rId6"/>
+    <p:sldLayoutId id="2147483691" r:id="rId7"/>
+    <p:sldLayoutId id="2147483692" r:id="rId8"/>
+    <p:sldLayoutId id="2147483693" r:id="rId9"/>
+    <p:sldLayoutId id="2147483694" r:id="rId10"/>
+    <p:sldLayoutId id="2147483695" r:id="rId11"/>
   </p:sldLayoutIdLst>
+  <mc:AlternateContent xmlns:mc="http://schemas.openxmlformats.org/markup-compatibility/2006" xmlns:p159="http://schemas.microsoft.com/office/powerpoint/2015/09/main">
+    <mc:Choice Requires="p159">
+      <p:transition spd="slow">
+        <p159:morph option="byObject"/>
+      </p:transition>
+    </mc:Choice>
+    <mc:Fallback xmlns="">
+      <p:transition spd="slow">
+        <p:fade/>
+      </p:transition>
+    </mc:Fallback>
+  </mc:AlternateContent>
   <p:txStyles>
     <p:titleStyle>
       <a:lvl1pPr algn="l" defTabSz="914400" rtl="0" eaLnBrk="1" latinLnBrk="0" hangingPunct="1">
@@ -3207,7 +4441,7 @@
     </p:bodyStyle>
     <p:otherStyle>
       <a:defPPr>
-        <a:defRPr lang="zh-TW"/>
+        <a:defRPr lang="en-US"/>
       </a:defPPr>
       <a:lvl1pPr marL="0" algn="l" defTabSz="914400" rtl="0" eaLnBrk="1" latinLnBrk="0" hangingPunct="1">
         <a:defRPr sz="1800" kern="1200">
@@ -3323,68 +4557,3935 @@
       </p:grpSpPr>
       <p:sp>
         <p:nvSpPr>
-          <p:cNvPr id="2" name="標題 1">
+          <p:cNvPr id="2" name="標題 1"/>
+          <p:cNvSpPr>
+            <a:spLocks noGrp="1"/>
+          </p:cNvSpPr>
+          <p:nvPr>
+            <p:ph type="ctrTitle"/>
+          </p:nvPr>
+        </p:nvSpPr>
+        <p:spPr>
+          <a:xfrm>
+            <a:off x="950686" y="3034444"/>
+            <a:ext cx="4860525" cy="996766"/>
+          </a:xfrm>
+        </p:spPr>
+        <p:txBody>
+          <a:bodyPr/>
+          <a:lstStyle/>
+          <a:p>
+            <a:pPr>
+              <a:spcBef>
+                <a:spcPts val="0"/>
+              </a:spcBef>
+            </a:pPr>
+            <a:r>
+              <a:rPr lang="zh-TW" b="1">
+                <a:latin typeface="Microsoft JhengHei"/>
+                <a:ea typeface="Microsoft JhengHei"/>
+              </a:rPr>
+              <a:t>故事七步驟</a:t>
+            </a:r>
+          </a:p>
+        </p:txBody>
+      </p:sp>
+      <p:sp>
+        <p:nvSpPr>
+          <p:cNvPr id="3" name="副標題 2"/>
+          <p:cNvSpPr>
+            <a:spLocks noGrp="1"/>
+          </p:cNvSpPr>
+          <p:nvPr>
+            <p:ph type="subTitle" idx="1"/>
+          </p:nvPr>
+        </p:nvSpPr>
+        <p:spPr>
+          <a:xfrm>
+            <a:off x="950686" y="4189867"/>
+            <a:ext cx="1708952" cy="1655762"/>
+          </a:xfrm>
+        </p:spPr>
+        <p:txBody>
+          <a:bodyPr vert="horz" lIns="91440" tIns="45720" rIns="91440" bIns="45720" rtlCol="0" anchor="t">
+            <a:normAutofit/>
+          </a:bodyPr>
+          <a:lstStyle/>
+          <a:p>
+            <a:r>
+              <a:rPr lang="zh-TW" altLang="en-US" b="1">
+                <a:latin typeface="Microsoft JhengHei"/>
+                <a:ea typeface="Microsoft JhengHei"/>
+              </a:rPr>
+              <a:t>冒險</a:t>
+            </a:r>
+          </a:p>
+        </p:txBody>
+      </p:sp>
+      <p:pic>
+        <p:nvPicPr>
+          <p:cNvPr id="5" name="圖片 4" descr="一張含有 日本動畫, 電腦繪圖藝術品, 卡通, 虛構角色 的圖片&#10;&#10;自動產生的描述">
             <a:extLst>
               <a:ext uri="{FF2B5EF4-FFF2-40B4-BE49-F238E27FC236}">
-                <a16:creationId xmlns:a16="http://schemas.microsoft.com/office/drawing/2014/main" id="{32532283-9F93-4E44-8138-32796965361F}"/>
+                <a16:creationId xmlns:a16="http://schemas.microsoft.com/office/drawing/2014/main" id="{D6CB7B9C-44DB-221B-DCD2-71A2D076A707}"/>
               </a:ext>
             </a:extLst>
           </p:cNvPr>
-          <p:cNvSpPr>
-            <a:spLocks noGrp="1"/>
-          </p:cNvSpPr>
-          <p:nvPr>
-            <p:ph type="ctrTitle"/>
-          </p:nvPr>
-        </p:nvSpPr>
-        <p:spPr/>
-        <p:txBody>
-          <a:bodyPr/>
-          <a:lstStyle/>
-          <a:p>
-            <a:endParaRPr lang="zh-TW" altLang="en-US"/>
-          </a:p>
-        </p:txBody>
-      </p:sp>
-      <p:sp>
-        <p:nvSpPr>
-          <p:cNvPr id="3" name="副標題 2">
-            <a:extLst>
-              <a:ext uri="{FF2B5EF4-FFF2-40B4-BE49-F238E27FC236}">
-                <a16:creationId xmlns:a16="http://schemas.microsoft.com/office/drawing/2014/main" id="{8C946F38-524D-4B98-B9CB-80AEE57E455A}"/>
-              </a:ext>
-            </a:extLst>
-          </p:cNvPr>
-          <p:cNvSpPr>
-            <a:spLocks noGrp="1"/>
-          </p:cNvSpPr>
-          <p:nvPr>
-            <p:ph type="subTitle" idx="1"/>
-          </p:nvPr>
-        </p:nvSpPr>
-        <p:spPr/>
-        <p:txBody>
-          <a:bodyPr/>
-          <a:lstStyle/>
-          <a:p>
-            <a:endParaRPr lang="zh-TW" altLang="en-US"/>
-          </a:p>
-        </p:txBody>
-      </p:sp>
+          <p:cNvPicPr>
+            <a:picLocks noChangeAspect="1"/>
+          </p:cNvPicPr>
+          <p:nvPr/>
+        </p:nvPicPr>
+        <p:blipFill>
+          <a:blip r:embed="rId2"/>
+          <a:stretch>
+            <a:fillRect/>
+          </a:stretch>
+        </p:blipFill>
+        <p:spPr>
+          <a:xfrm>
+            <a:off x="1523261" y="-3343557"/>
+            <a:ext cx="2835897" cy="2835897"/>
+          </a:xfrm>
+          <a:prstGeom prst="rect">
+            <a:avLst/>
+          </a:prstGeom>
+        </p:spPr>
+      </p:pic>
     </p:spTree>
     <p:extLst>
       <p:ext uri="{BB962C8B-B14F-4D97-AF65-F5344CB8AC3E}">
-        <p14:creationId xmlns:p14="http://schemas.microsoft.com/office/powerpoint/2010/main" val="1328321055"/>
+        <p14:creationId xmlns:p14="http://schemas.microsoft.com/office/powerpoint/2010/main" val="2592129946"/>
       </p:ext>
     </p:extLst>
   </p:cSld>
   <p:clrMapOvr>
     <a:masterClrMapping/>
   </p:clrMapOvr>
+  <mc:AlternateContent xmlns:mc="http://schemas.openxmlformats.org/markup-compatibility/2006" xmlns:p159="http://schemas.microsoft.com/office/powerpoint/2015/09/main">
+    <mc:Choice Requires="p159">
+      <p:transition spd="slow">
+        <p159:morph option="byObject"/>
+      </p:transition>
+    </mc:Choice>
+    <mc:Fallback xmlns="">
+      <p:transition spd="slow">
+        <p:fade/>
+      </p:transition>
+    </mc:Fallback>
+  </mc:AlternateContent>
+</p:sld>
+</file>
+
+<file path=ppt/slides/slide2.xml><?xml version="1.0" encoding="utf-8"?>
+<p:sld xmlns:a="http://schemas.openxmlformats.org/drawingml/2006/main" xmlns:r="http://schemas.openxmlformats.org/officeDocument/2006/relationships" xmlns:p="http://schemas.openxmlformats.org/presentationml/2006/main">
+  <p:cSld>
+    <p:spTree>
+      <p:nvGrpSpPr>
+        <p:cNvPr id="1" name=""/>
+        <p:cNvGrpSpPr/>
+        <p:nvPr/>
+      </p:nvGrpSpPr>
+      <p:grpSpPr>
+        <a:xfrm>
+          <a:off x="0" y="0"/>
+          <a:ext cx="0" cy="0"/>
+          <a:chOff x="0" y="0"/>
+          <a:chExt cx="0" cy="0"/>
+        </a:xfrm>
+      </p:grpSpPr>
+      <p:sp>
+        <p:nvSpPr>
+          <p:cNvPr id="3" name="內容版面配置區 2">
+            <a:extLst>
+              <a:ext uri="{FF2B5EF4-FFF2-40B4-BE49-F238E27FC236}">
+                <a16:creationId xmlns:a16="http://schemas.microsoft.com/office/drawing/2014/main" id="{24AABB56-456B-FCFE-7260-74C1696A5148}"/>
+              </a:ext>
+            </a:extLst>
+          </p:cNvPr>
+          <p:cNvSpPr>
+            <a:spLocks noGrp="1"/>
+          </p:cNvSpPr>
+          <p:nvPr>
+            <p:ph idx="4294967295"/>
+          </p:nvPr>
+        </p:nvSpPr>
+        <p:spPr>
+          <a:xfrm>
+            <a:off x="7449136" y="2234843"/>
+            <a:ext cx="4219575" cy="4351338"/>
+          </a:xfrm>
+        </p:spPr>
+        <p:txBody>
+          <a:bodyPr vert="horz" lIns="91440" tIns="45720" rIns="91440" bIns="45720" rtlCol="0" anchor="t">
+            <a:normAutofit/>
+          </a:bodyPr>
+          <a:lstStyle/>
+          <a:p>
+            <a:pPr marL="0" indent="0">
+              <a:buNone/>
+            </a:pPr>
+            <a:r>
+              <a:rPr lang="zh-TW">
+                <a:latin typeface="Microsoft JhengHei"/>
+                <a:ea typeface="Microsoft JhengHei"/>
+                <a:cs typeface="+mn-lt"/>
+              </a:rPr>
+              <a:t>作</a:t>
+            </a:r>
+            <a:r>
+              <a:rPr lang="zh-TW" altLang="en-US">
+                <a:latin typeface="Microsoft JhengHei"/>
+                <a:ea typeface="Microsoft JhengHei"/>
+                <a:cs typeface="+mn-lt"/>
+              </a:rPr>
+              <a:t>為</a:t>
+            </a:r>
+            <a:r>
+              <a:rPr lang="zh-TW">
+                <a:latin typeface="Microsoft JhengHei"/>
+                <a:ea typeface="Microsoft JhengHei"/>
+                <a:cs typeface="+mn-lt"/>
+              </a:rPr>
+              <a:t>一名虛擬</a:t>
+            </a:r>
+            <a:r>
+              <a:rPr lang="zh-TW" altLang="en-US">
+                <a:latin typeface="Microsoft JhengHei"/>
+                <a:ea typeface="Microsoft JhengHei"/>
+                <a:cs typeface="+mn-lt"/>
+              </a:rPr>
+              <a:t>空間構築師</a:t>
+            </a:r>
+            <a:r>
+              <a:rPr lang="zh-TW">
+                <a:latin typeface="Microsoft JhengHei"/>
+                <a:ea typeface="Microsoft JhengHei"/>
+                <a:cs typeface="+mn-lt"/>
+              </a:rPr>
+              <a:t>，我</a:t>
+            </a:r>
+            <a:r>
+              <a:rPr lang="zh-TW" altLang="en-US">
+                <a:latin typeface="Microsoft JhengHei"/>
+                <a:ea typeface="Microsoft JhengHei"/>
+                <a:cs typeface="+mn-lt"/>
+              </a:rPr>
+              <a:t>發現</a:t>
+            </a:r>
+            <a:r>
+              <a:rPr lang="zh-TW">
+                <a:latin typeface="Microsoft JhengHei"/>
+                <a:ea typeface="Microsoft JhengHei"/>
+                <a:cs typeface="+mn-lt"/>
+              </a:rPr>
+              <a:t>了一</a:t>
+            </a:r>
+            <a:r>
+              <a:rPr lang="zh-TW" altLang="en-US">
+                <a:latin typeface="Microsoft JhengHei"/>
+                <a:ea typeface="Microsoft JhengHei"/>
+                <a:cs typeface="+mn-lt"/>
+              </a:rPr>
+              <a:t>個關於</a:t>
+            </a:r>
+            <a:r>
+              <a:rPr lang="zh-TW">
+                <a:latin typeface="Microsoft JhengHei"/>
+                <a:ea typeface="Microsoft JhengHei"/>
+                <a:cs typeface="+mn-lt"/>
+              </a:rPr>
+              <a:t>被遺忘</a:t>
+            </a:r>
+            <a:r>
+              <a:rPr lang="zh-TW" altLang="en-US">
+                <a:latin typeface="Microsoft JhengHei"/>
+                <a:ea typeface="Microsoft JhengHei"/>
+                <a:cs typeface="+mn-lt"/>
+              </a:rPr>
+              <a:t>代碼</a:t>
+            </a:r>
+            <a:r>
+              <a:rPr lang="zh-TW">
+                <a:latin typeface="Microsoft JhengHei"/>
+                <a:ea typeface="Microsoft JhengHei"/>
+                <a:cs typeface="+mn-lt"/>
+              </a:rPr>
+              <a:t>的</a:t>
+            </a:r>
+            <a:r>
+              <a:rPr lang="zh-TW" altLang="en-US">
+                <a:latin typeface="Microsoft JhengHei"/>
+                <a:ea typeface="Microsoft JhengHei"/>
+                <a:cs typeface="+mn-lt"/>
+              </a:rPr>
+              <a:t>傳說</a:t>
+            </a:r>
+            <a:r>
+              <a:rPr lang="zh-TW">
+                <a:latin typeface="Microsoft JhengHei"/>
+                <a:ea typeface="Microsoft JhengHei"/>
+                <a:cs typeface="+mn-lt"/>
+              </a:rPr>
+              <a:t>。它</a:t>
+            </a:r>
+            <a:r>
+              <a:rPr lang="zh-TW" altLang="en-US">
+                <a:latin typeface="Microsoft JhengHei"/>
+                <a:ea typeface="Microsoft JhengHei"/>
+                <a:cs typeface="+mn-lt"/>
+              </a:rPr>
+              <a:t>隱藏</a:t>
+            </a:r>
+            <a:r>
+              <a:rPr lang="zh-TW">
+                <a:latin typeface="Microsoft JhengHei"/>
+                <a:ea typeface="Microsoft JhengHei"/>
+                <a:cs typeface="+mn-lt"/>
+              </a:rPr>
+              <a:t>在一个古老遺跡中，</a:t>
+            </a:r>
+            <a:r>
+              <a:rPr lang="zh-TW" altLang="en-US">
+                <a:latin typeface="Microsoft JhengHei"/>
+                <a:ea typeface="Microsoft JhengHei"/>
+                <a:cs typeface="+mn-lt"/>
+              </a:rPr>
+              <a:t>可能具有</a:t>
+            </a:r>
+            <a:r>
+              <a:rPr lang="zh-TW">
+                <a:latin typeface="Microsoft JhengHei"/>
+                <a:ea typeface="Microsoft JhengHei"/>
+                <a:cs typeface="+mn-lt"/>
+              </a:rPr>
+              <a:t>重</a:t>
+            </a:r>
+            <a:r>
+              <a:rPr lang="zh-TW" altLang="en-US">
+                <a:latin typeface="Microsoft JhengHei"/>
+                <a:ea typeface="Microsoft JhengHei"/>
+                <a:cs typeface="+mn-lt"/>
+              </a:rPr>
+              <a:t>塑虛擬空間</a:t>
+            </a:r>
+            <a:r>
+              <a:rPr lang="zh-TW">
+                <a:latin typeface="Microsoft JhengHei"/>
+                <a:ea typeface="Microsoft JhengHei"/>
+                <a:cs typeface="+mn-lt"/>
+              </a:rPr>
+              <a:t>的力量。我決定</a:t>
+            </a:r>
+            <a:r>
+              <a:rPr lang="zh-TW" altLang="en-US">
+                <a:latin typeface="Microsoft JhengHei"/>
+                <a:ea typeface="Microsoft JhengHei"/>
+                <a:cs typeface="+mn-lt"/>
+              </a:rPr>
+              <a:t>踏</a:t>
+            </a:r>
+            <a:r>
+              <a:rPr lang="zh-TW">
+                <a:latin typeface="Microsoft JhengHei"/>
+                <a:ea typeface="Microsoft JhengHei"/>
+                <a:cs typeface="+mn-lt"/>
+              </a:rPr>
+              <a:t>上</a:t>
+            </a:r>
+            <a:r>
+              <a:rPr lang="zh-TW" altLang="en-US">
+                <a:latin typeface="Microsoft JhengHei"/>
+                <a:ea typeface="Microsoft JhengHei"/>
+                <a:cs typeface="+mn-lt"/>
+              </a:rPr>
+              <a:t>這斷</a:t>
+            </a:r>
+            <a:r>
+              <a:rPr lang="zh-TW">
+                <a:latin typeface="Microsoft JhengHei"/>
+                <a:ea typeface="Microsoft JhengHei"/>
+                <a:cs typeface="+mn-lt"/>
+              </a:rPr>
+              <a:t>尋找</a:t>
+            </a:r>
+            <a:r>
+              <a:rPr lang="zh-TW" altLang="en-US">
+                <a:latin typeface="Microsoft JhengHei"/>
+                <a:ea typeface="Microsoft JhengHei"/>
+                <a:cs typeface="+mn-lt"/>
+              </a:rPr>
+              <a:t>代碼</a:t>
+            </a:r>
+            <a:r>
+              <a:rPr lang="zh-TW">
+                <a:latin typeface="Microsoft JhengHei"/>
+                <a:ea typeface="Microsoft JhengHei"/>
+                <a:cs typeface="+mn-lt"/>
+              </a:rPr>
+              <a:t>的旅程。</a:t>
+            </a:r>
+            <a:endParaRPr lang="zh-TW">
+              <a:ea typeface="新細明體"/>
+            </a:endParaRPr>
+          </a:p>
+          <a:p>
+            <a:endParaRPr lang="zh-TW"/>
+          </a:p>
+        </p:txBody>
+      </p:sp>
+      <p:pic>
+        <p:nvPicPr>
+          <p:cNvPr id="5" name="圖片 4" descr="一張含有 日本動畫, 電腦繪圖藝術品, 卡通, 虛構角色 的圖片&#10;&#10;自動產生的描述">
+            <a:extLst>
+              <a:ext uri="{FF2B5EF4-FFF2-40B4-BE49-F238E27FC236}">
+                <a16:creationId xmlns:a16="http://schemas.microsoft.com/office/drawing/2014/main" id="{ADDC56BF-616B-9782-B75C-41E2E687473A}"/>
+              </a:ext>
+            </a:extLst>
+          </p:cNvPr>
+          <p:cNvPicPr>
+            <a:picLocks noChangeAspect="1"/>
+          </p:cNvPicPr>
+          <p:nvPr/>
+        </p:nvPicPr>
+        <p:blipFill>
+          <a:blip r:embed="rId3"/>
+          <a:stretch>
+            <a:fillRect/>
+          </a:stretch>
+        </p:blipFill>
+        <p:spPr>
+          <a:xfrm>
+            <a:off x="-739" y="2959"/>
+            <a:ext cx="6858000" cy="6858000"/>
+          </a:xfrm>
+          <a:prstGeom prst="rect">
+            <a:avLst/>
+          </a:prstGeom>
+        </p:spPr>
+      </p:pic>
+      <p:sp>
+        <p:nvSpPr>
+          <p:cNvPr id="6" name="矩形: 圓角 5">
+            <a:extLst>
+              <a:ext uri="{FF2B5EF4-FFF2-40B4-BE49-F238E27FC236}">
+                <a16:creationId xmlns:a16="http://schemas.microsoft.com/office/drawing/2014/main" id="{45638138-213C-D739-010A-78FC5BE83626}"/>
+              </a:ext>
+            </a:extLst>
+          </p:cNvPr>
+          <p:cNvSpPr/>
+          <p:nvPr/>
+        </p:nvSpPr>
+        <p:spPr>
+          <a:xfrm>
+            <a:off x="215502" y="181252"/>
+            <a:ext cx="1297949" cy="580885"/>
+          </a:xfrm>
+          <a:prstGeom prst="roundRect">
+            <a:avLst/>
+          </a:prstGeom>
+          <a:solidFill>
+            <a:srgbClr val="000000">
+              <a:alpha val="49000"/>
+            </a:srgbClr>
+          </a:solidFill>
+          <a:ln>
+            <a:noFill/>
+          </a:ln>
+        </p:spPr>
+        <p:style>
+          <a:lnRef idx="2">
+            <a:schemeClr val="accent1">
+              <a:shade val="15000"/>
+            </a:schemeClr>
+          </a:lnRef>
+          <a:fillRef idx="1">
+            <a:schemeClr val="accent1"/>
+          </a:fillRef>
+          <a:effectRef idx="0">
+            <a:schemeClr val="accent1"/>
+          </a:effectRef>
+          <a:fontRef idx="minor">
+            <a:schemeClr val="lt1"/>
+          </a:fontRef>
+        </p:style>
+        <p:txBody>
+          <a:bodyPr lIns="91440" tIns="45720" rIns="91440" bIns="45720" rtlCol="0" anchor="ctr"/>
+          <a:lstStyle>
+            <a:defPPr>
+              <a:defRPr lang="zh-TW"/>
+            </a:defPPr>
+            <a:lvl1pPr marL="0" algn="l" defTabSz="914400" rtl="0" eaLnBrk="1" latinLnBrk="0" hangingPunct="1">
+              <a:defRPr sz="1800" kern="1200">
+                <a:solidFill>
+                  <a:schemeClr val="lt1"/>
+                </a:solidFill>
+                <a:latin typeface="+mn-lt"/>
+                <a:ea typeface="+mn-ea"/>
+                <a:cs typeface="+mn-cs"/>
+              </a:defRPr>
+            </a:lvl1pPr>
+            <a:lvl2pPr marL="457200" algn="l" defTabSz="914400" rtl="0" eaLnBrk="1" latinLnBrk="0" hangingPunct="1">
+              <a:defRPr sz="1800" kern="1200">
+                <a:solidFill>
+                  <a:schemeClr val="lt1"/>
+                </a:solidFill>
+                <a:latin typeface="+mn-lt"/>
+                <a:ea typeface="+mn-ea"/>
+                <a:cs typeface="+mn-cs"/>
+              </a:defRPr>
+            </a:lvl2pPr>
+            <a:lvl3pPr marL="914400" algn="l" defTabSz="914400" rtl="0" eaLnBrk="1" latinLnBrk="0" hangingPunct="1">
+              <a:defRPr sz="1800" kern="1200">
+                <a:solidFill>
+                  <a:schemeClr val="lt1"/>
+                </a:solidFill>
+                <a:latin typeface="+mn-lt"/>
+                <a:ea typeface="+mn-ea"/>
+                <a:cs typeface="+mn-cs"/>
+              </a:defRPr>
+            </a:lvl3pPr>
+            <a:lvl4pPr marL="1371600" algn="l" defTabSz="914400" rtl="0" eaLnBrk="1" latinLnBrk="0" hangingPunct="1">
+              <a:defRPr sz="1800" kern="1200">
+                <a:solidFill>
+                  <a:schemeClr val="lt1"/>
+                </a:solidFill>
+                <a:latin typeface="+mn-lt"/>
+                <a:ea typeface="+mn-ea"/>
+                <a:cs typeface="+mn-cs"/>
+              </a:defRPr>
+            </a:lvl4pPr>
+            <a:lvl5pPr marL="1828800" algn="l" defTabSz="914400" rtl="0" eaLnBrk="1" latinLnBrk="0" hangingPunct="1">
+              <a:defRPr sz="1800" kern="1200">
+                <a:solidFill>
+                  <a:schemeClr val="lt1"/>
+                </a:solidFill>
+                <a:latin typeface="+mn-lt"/>
+                <a:ea typeface="+mn-ea"/>
+                <a:cs typeface="+mn-cs"/>
+              </a:defRPr>
+            </a:lvl5pPr>
+            <a:lvl6pPr marL="2286000" algn="l" defTabSz="914400" rtl="0" eaLnBrk="1" latinLnBrk="0" hangingPunct="1">
+              <a:defRPr sz="1800" kern="1200">
+                <a:solidFill>
+                  <a:schemeClr val="lt1"/>
+                </a:solidFill>
+                <a:latin typeface="+mn-lt"/>
+                <a:ea typeface="+mn-ea"/>
+                <a:cs typeface="+mn-cs"/>
+              </a:defRPr>
+            </a:lvl6pPr>
+            <a:lvl7pPr marL="2743200" algn="l" defTabSz="914400" rtl="0" eaLnBrk="1" latinLnBrk="0" hangingPunct="1">
+              <a:defRPr sz="1800" kern="1200">
+                <a:solidFill>
+                  <a:schemeClr val="lt1"/>
+                </a:solidFill>
+                <a:latin typeface="+mn-lt"/>
+                <a:ea typeface="+mn-ea"/>
+                <a:cs typeface="+mn-cs"/>
+              </a:defRPr>
+            </a:lvl7pPr>
+            <a:lvl8pPr marL="3200400" algn="l" defTabSz="914400" rtl="0" eaLnBrk="1" latinLnBrk="0" hangingPunct="1">
+              <a:defRPr sz="1800" kern="1200">
+                <a:solidFill>
+                  <a:schemeClr val="lt1"/>
+                </a:solidFill>
+                <a:latin typeface="+mn-lt"/>
+                <a:ea typeface="+mn-ea"/>
+                <a:cs typeface="+mn-cs"/>
+              </a:defRPr>
+            </a:lvl8pPr>
+            <a:lvl9pPr marL="3657600" algn="l" defTabSz="914400" rtl="0" eaLnBrk="1" latinLnBrk="0" hangingPunct="1">
+              <a:defRPr sz="1800" kern="1200">
+                <a:solidFill>
+                  <a:schemeClr val="lt1"/>
+                </a:solidFill>
+                <a:latin typeface="+mn-lt"/>
+                <a:ea typeface="+mn-ea"/>
+                <a:cs typeface="+mn-cs"/>
+              </a:defRPr>
+            </a:lvl9pPr>
+          </a:lstStyle>
+          <a:p>
+            <a:pPr algn="ctr"/>
+            <a:r>
+              <a:rPr lang="zh-TW" sz="3200" b="1">
+                <a:latin typeface="Microsoft JhengHei"/>
+                <a:ea typeface="Microsoft JhengHei"/>
+                <a:cs typeface="Arial"/>
+              </a:rPr>
+              <a:t>目標</a:t>
+            </a:r>
+          </a:p>
+        </p:txBody>
+      </p:sp>
+      <p:pic>
+        <p:nvPicPr>
+          <p:cNvPr id="7" name="圖片 6" descr="一張含有 日本動畫, 卡通, 虛構角色, 電腦繪圖藝術品 的圖片&#10;&#10;自動產生的描述">
+            <a:extLst>
+              <a:ext uri="{FF2B5EF4-FFF2-40B4-BE49-F238E27FC236}">
+                <a16:creationId xmlns:a16="http://schemas.microsoft.com/office/drawing/2014/main" id="{14411B12-7732-60CD-80C7-B3F903886E4C}"/>
+              </a:ext>
+            </a:extLst>
+          </p:cNvPr>
+          <p:cNvPicPr>
+            <a:picLocks noChangeAspect="1"/>
+          </p:cNvPicPr>
+          <p:nvPr/>
+        </p:nvPicPr>
+        <p:blipFill>
+          <a:blip r:embed="rId4"/>
+          <a:stretch>
+            <a:fillRect/>
+          </a:stretch>
+        </p:blipFill>
+        <p:spPr>
+          <a:xfrm>
+            <a:off x="2592218" y="-2308331"/>
+            <a:ext cx="1674140" cy="1690450"/>
+          </a:xfrm>
+          <a:prstGeom prst="rect">
+            <a:avLst/>
+          </a:prstGeom>
+        </p:spPr>
+      </p:pic>
+    </p:spTree>
+    <p:extLst>
+      <p:ext uri="{BB962C8B-B14F-4D97-AF65-F5344CB8AC3E}">
+        <p14:creationId xmlns:p14="http://schemas.microsoft.com/office/powerpoint/2010/main" val="774884276"/>
+      </p:ext>
+    </p:extLst>
+  </p:cSld>
+  <p:clrMapOvr>
+    <a:masterClrMapping/>
+  </p:clrMapOvr>
+  <mc:AlternateContent xmlns:mc="http://schemas.openxmlformats.org/markup-compatibility/2006" xmlns:p159="http://schemas.microsoft.com/office/powerpoint/2015/09/main">
+    <mc:Choice Requires="p159">
+      <p:transition spd="slow">
+        <p159:morph option="byObject"/>
+      </p:transition>
+    </mc:Choice>
+    <mc:Fallback xmlns="">
+      <p:transition spd="slow">
+        <p:fade/>
+      </p:transition>
+    </mc:Fallback>
+  </mc:AlternateContent>
+</p:sld>
+</file>
+
+<file path=ppt/slides/slide3.xml><?xml version="1.0" encoding="utf-8"?>
+<p:sld xmlns:a="http://schemas.openxmlformats.org/drawingml/2006/main" xmlns:r="http://schemas.openxmlformats.org/officeDocument/2006/relationships" xmlns:p="http://schemas.openxmlformats.org/presentationml/2006/main">
+  <p:cSld>
+    <p:spTree>
+      <p:nvGrpSpPr>
+        <p:cNvPr id="1" name=""/>
+        <p:cNvGrpSpPr/>
+        <p:nvPr/>
+      </p:nvGrpSpPr>
+      <p:grpSpPr>
+        <a:xfrm>
+          <a:off x="0" y="0"/>
+          <a:ext cx="0" cy="0"/>
+          <a:chOff x="0" y="0"/>
+          <a:chExt cx="0" cy="0"/>
+        </a:xfrm>
+      </p:grpSpPr>
+      <p:sp>
+        <p:nvSpPr>
+          <p:cNvPr id="3" name="內容版面配置區 2">
+            <a:extLst>
+              <a:ext uri="{FF2B5EF4-FFF2-40B4-BE49-F238E27FC236}">
+                <a16:creationId xmlns:a16="http://schemas.microsoft.com/office/drawing/2014/main" id="{0AB9FD85-CD16-8222-4FD2-4CAAD155DAD0}"/>
+              </a:ext>
+            </a:extLst>
+          </p:cNvPr>
+          <p:cNvSpPr>
+            <a:spLocks noGrp="1"/>
+          </p:cNvSpPr>
+          <p:nvPr>
+            <p:ph idx="1"/>
+          </p:nvPr>
+        </p:nvSpPr>
+        <p:spPr>
+          <a:xfrm>
+            <a:off x="7600710" y="1825625"/>
+            <a:ext cx="4042612" cy="4351338"/>
+          </a:xfrm>
+        </p:spPr>
+        <p:txBody>
+          <a:bodyPr vert="horz" lIns="91440" tIns="45720" rIns="91440" bIns="45720" rtlCol="0" anchor="t">
+            <a:normAutofit/>
+          </a:bodyPr>
+          <a:lstStyle/>
+          <a:p>
+            <a:pPr marL="0" indent="0">
+              <a:buNone/>
+            </a:pPr>
+            <a:r>
+              <a:rPr lang="zh-TW" altLang="en-US">
+                <a:latin typeface="Microsoft JhengHei"/>
+                <a:ea typeface="Microsoft JhengHei"/>
+                <a:cs typeface="+mn-lt"/>
+              </a:rPr>
+              <a:t>查閱了不少資料</a:t>
+            </a:r>
+            <a:r>
+              <a:rPr lang="zh-TW">
+                <a:latin typeface="Microsoft JhengHei"/>
+                <a:ea typeface="Microsoft JhengHei"/>
+                <a:cs typeface="+mn-lt"/>
+              </a:rPr>
+              <a:t>，我</a:t>
+            </a:r>
+            <a:r>
+              <a:rPr lang="zh-TW" altLang="en-US">
+                <a:latin typeface="Microsoft JhengHei"/>
+                <a:ea typeface="Microsoft JhengHei"/>
+                <a:cs typeface="+mn-lt"/>
+              </a:rPr>
+              <a:t>找</a:t>
+            </a:r>
+            <a:r>
+              <a:rPr lang="zh-TW">
+                <a:latin typeface="Microsoft JhengHei"/>
+                <a:ea typeface="Microsoft JhengHei"/>
+                <a:cs typeface="+mn-lt"/>
+              </a:rPr>
+              <a:t>到</a:t>
+            </a:r>
+            <a:r>
+              <a:rPr lang="zh-TW" altLang="en-US">
+                <a:latin typeface="Microsoft JhengHei"/>
+                <a:ea typeface="Microsoft JhengHei"/>
+                <a:cs typeface="+mn-lt"/>
+              </a:rPr>
+              <a:t>一張指向遺跡的地圖。遺迹位於一片危險</a:t>
+            </a:r>
+            <a:r>
+              <a:rPr lang="zh-TW">
+                <a:latin typeface="Microsoft JhengHei"/>
+                <a:ea typeface="Microsoft JhengHei"/>
+                <a:cs typeface="+mn-lt"/>
+              </a:rPr>
+              <a:t>的</a:t>
+            </a:r>
+            <a:r>
+              <a:rPr lang="zh-TW" altLang="en-US">
+                <a:latin typeface="Microsoft JhengHei"/>
+                <a:ea typeface="Microsoft JhengHei"/>
+                <a:cs typeface="+mn-lt"/>
+              </a:rPr>
+              <a:t>山谷</a:t>
+            </a:r>
+            <a:r>
+              <a:rPr lang="zh-TW">
+                <a:latin typeface="Microsoft JhengHei"/>
+                <a:ea typeface="Microsoft JhengHei"/>
+                <a:cs typeface="+mn-lt"/>
+              </a:rPr>
+              <a:t>。我</a:t>
+            </a:r>
+            <a:r>
+              <a:rPr lang="zh-TW" altLang="en-US">
+                <a:latin typeface="Microsoft JhengHei"/>
+                <a:ea typeface="Microsoft JhengHei"/>
+                <a:cs typeface="+mn-lt"/>
+              </a:rPr>
+              <a:t>收拾好工具</a:t>
+            </a:r>
+            <a:r>
+              <a:rPr lang="zh-TW">
+                <a:latin typeface="Microsoft JhengHei"/>
+                <a:ea typeface="Microsoft JhengHei"/>
+                <a:cs typeface="+mn-lt"/>
+              </a:rPr>
+              <a:t>，開始</a:t>
+            </a:r>
+            <a:r>
+              <a:rPr lang="zh-TW" altLang="en-US">
+                <a:latin typeface="Microsoft JhengHei"/>
+                <a:ea typeface="Microsoft JhengHei"/>
+                <a:cs typeface="+mn-lt"/>
+              </a:rPr>
+              <a:t>了艱難</a:t>
+            </a:r>
+            <a:r>
+              <a:rPr lang="zh-TW">
+                <a:latin typeface="Microsoft JhengHei"/>
+                <a:ea typeface="Microsoft JhengHei"/>
+                <a:cs typeface="+mn-lt"/>
+              </a:rPr>
+              <a:t>的</a:t>
+            </a:r>
+            <a:r>
+              <a:rPr lang="zh-TW" altLang="en-US">
+                <a:latin typeface="Microsoft JhengHei"/>
+                <a:ea typeface="Microsoft JhengHei"/>
+                <a:cs typeface="+mn-lt"/>
+              </a:rPr>
+              <a:t>旅程。</a:t>
+            </a:r>
+            <a:r>
+              <a:rPr lang="zh-TW">
+                <a:latin typeface="Microsoft JhengHei"/>
+                <a:ea typeface="Microsoft JhengHei"/>
+                <a:cs typeface="+mn-lt"/>
+              </a:rPr>
+              <a:t>(E2 驚訝)</a:t>
+            </a:r>
+            <a:endParaRPr lang="en-US" altLang="zh-TW">
+              <a:latin typeface="Microsoft JhengHei"/>
+              <a:ea typeface="Microsoft JhengHei"/>
+              <a:cs typeface="+mn-lt"/>
+            </a:endParaRPr>
+          </a:p>
+          <a:p>
+            <a:pPr marL="0" indent="0">
+              <a:buNone/>
+            </a:pPr>
+            <a:r>
+              <a:rPr lang="zh-TW" altLang="en-US">
+                <a:latin typeface="Microsoft JhengHei"/>
+                <a:ea typeface="Microsoft JhengHei"/>
+                <a:cs typeface="+mn-lt"/>
+              </a:rPr>
+              <a:t>旅途中</a:t>
+            </a:r>
+            <a:r>
+              <a:rPr lang="zh-TW">
+                <a:latin typeface="Microsoft JhengHei"/>
+                <a:ea typeface="Microsoft JhengHei"/>
+                <a:cs typeface="+mn-lt"/>
+              </a:rPr>
+              <a:t>我</a:t>
+            </a:r>
+            <a:r>
+              <a:rPr lang="zh-TW" altLang="en-US">
+                <a:latin typeface="Microsoft JhengHei"/>
+                <a:ea typeface="Microsoft JhengHei"/>
+                <a:cs typeface="+mn-lt"/>
+              </a:rPr>
+              <a:t>遇</a:t>
+            </a:r>
+            <a:r>
+              <a:rPr lang="zh-TW">
+                <a:latin typeface="Microsoft JhengHei"/>
+                <a:ea typeface="Microsoft JhengHei"/>
+                <a:cs typeface="+mn-lt"/>
+              </a:rPr>
+              <a:t>到</a:t>
+            </a:r>
+            <a:r>
+              <a:rPr lang="zh-TW" altLang="en-US">
+                <a:latin typeface="Microsoft JhengHei"/>
+                <a:ea typeface="Microsoft JhengHei"/>
+                <a:cs typeface="+mn-lt"/>
+              </a:rPr>
+              <a:t>了巨大的岩石怪物，憑藉靈活的身手，我成功地逃離</a:t>
+            </a:r>
+            <a:r>
+              <a:rPr lang="zh-TW">
+                <a:latin typeface="Microsoft JhengHei"/>
+                <a:ea typeface="Microsoft JhengHei"/>
+                <a:cs typeface="+mn-lt"/>
+              </a:rPr>
+              <a:t>。</a:t>
+            </a:r>
+            <a:endParaRPr lang="en-US" altLang="zh-TW">
+              <a:latin typeface="Microsoft JhengHei"/>
+              <a:ea typeface="Microsoft JhengHei"/>
+              <a:cs typeface="+mn-lt"/>
+            </a:endParaRPr>
+          </a:p>
+        </p:txBody>
+      </p:sp>
+      <p:pic>
+        <p:nvPicPr>
+          <p:cNvPr id="5" name="圖片 4" descr="一張含有 日本動畫, 卡通, 虛構角色, 電腦繪圖藝術品 的圖片&#10;&#10;自動產生的描述">
+            <a:extLst>
+              <a:ext uri="{FF2B5EF4-FFF2-40B4-BE49-F238E27FC236}">
+                <a16:creationId xmlns:a16="http://schemas.microsoft.com/office/drawing/2014/main" id="{31AA2ABD-B559-9335-53E6-B9727124D283}"/>
+              </a:ext>
+            </a:extLst>
+          </p:cNvPr>
+          <p:cNvPicPr>
+            <a:picLocks noChangeAspect="1"/>
+          </p:cNvPicPr>
+          <p:nvPr/>
+        </p:nvPicPr>
+        <p:blipFill>
+          <a:blip r:embed="rId3"/>
+          <a:stretch>
+            <a:fillRect/>
+          </a:stretch>
+        </p:blipFill>
+        <p:spPr>
+          <a:xfrm>
+            <a:off x="0" y="4010"/>
+            <a:ext cx="6849978" cy="6849978"/>
+          </a:xfrm>
+          <a:prstGeom prst="rect">
+            <a:avLst/>
+          </a:prstGeom>
+        </p:spPr>
+      </p:pic>
+      <p:sp>
+        <p:nvSpPr>
+          <p:cNvPr id="6" name="矩形: 圓角 5">
+            <a:extLst>
+              <a:ext uri="{FF2B5EF4-FFF2-40B4-BE49-F238E27FC236}">
+                <a16:creationId xmlns:a16="http://schemas.microsoft.com/office/drawing/2014/main" id="{D9B713A2-B6E7-B16E-E5DF-1961068ADC72}"/>
+              </a:ext>
+            </a:extLst>
+          </p:cNvPr>
+          <p:cNvSpPr/>
+          <p:nvPr/>
+        </p:nvSpPr>
+        <p:spPr>
+          <a:xfrm>
+            <a:off x="215502" y="181252"/>
+            <a:ext cx="1297949" cy="580885"/>
+          </a:xfrm>
+          <a:prstGeom prst="roundRect">
+            <a:avLst/>
+          </a:prstGeom>
+          <a:solidFill>
+            <a:srgbClr val="000000">
+              <a:alpha val="49000"/>
+            </a:srgbClr>
+          </a:solidFill>
+          <a:ln>
+            <a:noFill/>
+          </a:ln>
+        </p:spPr>
+        <p:style>
+          <a:lnRef idx="2">
+            <a:schemeClr val="accent1">
+              <a:shade val="15000"/>
+            </a:schemeClr>
+          </a:lnRef>
+          <a:fillRef idx="1">
+            <a:schemeClr val="accent1"/>
+          </a:fillRef>
+          <a:effectRef idx="0">
+            <a:schemeClr val="accent1"/>
+          </a:effectRef>
+          <a:fontRef idx="minor">
+            <a:schemeClr val="lt1"/>
+          </a:fontRef>
+        </p:style>
+        <p:txBody>
+          <a:bodyPr lIns="91440" tIns="45720" rIns="91440" bIns="45720" rtlCol="0" anchor="ctr"/>
+          <a:lstStyle>
+            <a:defPPr>
+              <a:defRPr lang="zh-TW"/>
+            </a:defPPr>
+            <a:lvl1pPr marL="0" algn="l" defTabSz="914400" rtl="0" eaLnBrk="1" latinLnBrk="0" hangingPunct="1">
+              <a:defRPr sz="1800" kern="1200">
+                <a:solidFill>
+                  <a:schemeClr val="lt1"/>
+                </a:solidFill>
+                <a:latin typeface="+mn-lt"/>
+                <a:ea typeface="+mn-ea"/>
+                <a:cs typeface="+mn-cs"/>
+              </a:defRPr>
+            </a:lvl1pPr>
+            <a:lvl2pPr marL="457200" algn="l" defTabSz="914400" rtl="0" eaLnBrk="1" latinLnBrk="0" hangingPunct="1">
+              <a:defRPr sz="1800" kern="1200">
+                <a:solidFill>
+                  <a:schemeClr val="lt1"/>
+                </a:solidFill>
+                <a:latin typeface="+mn-lt"/>
+                <a:ea typeface="+mn-ea"/>
+                <a:cs typeface="+mn-cs"/>
+              </a:defRPr>
+            </a:lvl2pPr>
+            <a:lvl3pPr marL="914400" algn="l" defTabSz="914400" rtl="0" eaLnBrk="1" latinLnBrk="0" hangingPunct="1">
+              <a:defRPr sz="1800" kern="1200">
+                <a:solidFill>
+                  <a:schemeClr val="lt1"/>
+                </a:solidFill>
+                <a:latin typeface="+mn-lt"/>
+                <a:ea typeface="+mn-ea"/>
+                <a:cs typeface="+mn-cs"/>
+              </a:defRPr>
+            </a:lvl3pPr>
+            <a:lvl4pPr marL="1371600" algn="l" defTabSz="914400" rtl="0" eaLnBrk="1" latinLnBrk="0" hangingPunct="1">
+              <a:defRPr sz="1800" kern="1200">
+                <a:solidFill>
+                  <a:schemeClr val="lt1"/>
+                </a:solidFill>
+                <a:latin typeface="+mn-lt"/>
+                <a:ea typeface="+mn-ea"/>
+                <a:cs typeface="+mn-cs"/>
+              </a:defRPr>
+            </a:lvl4pPr>
+            <a:lvl5pPr marL="1828800" algn="l" defTabSz="914400" rtl="0" eaLnBrk="1" latinLnBrk="0" hangingPunct="1">
+              <a:defRPr sz="1800" kern="1200">
+                <a:solidFill>
+                  <a:schemeClr val="lt1"/>
+                </a:solidFill>
+                <a:latin typeface="+mn-lt"/>
+                <a:ea typeface="+mn-ea"/>
+                <a:cs typeface="+mn-cs"/>
+              </a:defRPr>
+            </a:lvl5pPr>
+            <a:lvl6pPr marL="2286000" algn="l" defTabSz="914400" rtl="0" eaLnBrk="1" latinLnBrk="0" hangingPunct="1">
+              <a:defRPr sz="1800" kern="1200">
+                <a:solidFill>
+                  <a:schemeClr val="lt1"/>
+                </a:solidFill>
+                <a:latin typeface="+mn-lt"/>
+                <a:ea typeface="+mn-ea"/>
+                <a:cs typeface="+mn-cs"/>
+              </a:defRPr>
+            </a:lvl6pPr>
+            <a:lvl7pPr marL="2743200" algn="l" defTabSz="914400" rtl="0" eaLnBrk="1" latinLnBrk="0" hangingPunct="1">
+              <a:defRPr sz="1800" kern="1200">
+                <a:solidFill>
+                  <a:schemeClr val="lt1"/>
+                </a:solidFill>
+                <a:latin typeface="+mn-lt"/>
+                <a:ea typeface="+mn-ea"/>
+                <a:cs typeface="+mn-cs"/>
+              </a:defRPr>
+            </a:lvl7pPr>
+            <a:lvl8pPr marL="3200400" algn="l" defTabSz="914400" rtl="0" eaLnBrk="1" latinLnBrk="0" hangingPunct="1">
+              <a:defRPr sz="1800" kern="1200">
+                <a:solidFill>
+                  <a:schemeClr val="lt1"/>
+                </a:solidFill>
+                <a:latin typeface="+mn-lt"/>
+                <a:ea typeface="+mn-ea"/>
+                <a:cs typeface="+mn-cs"/>
+              </a:defRPr>
+            </a:lvl8pPr>
+            <a:lvl9pPr marL="3657600" algn="l" defTabSz="914400" rtl="0" eaLnBrk="1" latinLnBrk="0" hangingPunct="1">
+              <a:defRPr sz="1800" kern="1200">
+                <a:solidFill>
+                  <a:schemeClr val="lt1"/>
+                </a:solidFill>
+                <a:latin typeface="+mn-lt"/>
+                <a:ea typeface="+mn-ea"/>
+                <a:cs typeface="+mn-cs"/>
+              </a:defRPr>
+            </a:lvl9pPr>
+          </a:lstStyle>
+          <a:p>
+            <a:pPr algn="ctr"/>
+            <a:r>
+              <a:rPr lang="zh-TW" altLang="en-US" sz="3200" b="1">
+                <a:latin typeface="Microsoft JhengHei"/>
+                <a:ea typeface="Microsoft JhengHei"/>
+                <a:cs typeface="Arial"/>
+              </a:rPr>
+              <a:t>阻礙</a:t>
+            </a:r>
+          </a:p>
+        </p:txBody>
+      </p:sp>
+      <p:pic>
+        <p:nvPicPr>
+          <p:cNvPr id="7" name="圖片 6" descr="一張含有 日本動畫, 電腦繪圖藝術品, 卡通, 虛構角色 的圖片&#10;&#10;自動產生的描述">
+            <a:extLst>
+              <a:ext uri="{FF2B5EF4-FFF2-40B4-BE49-F238E27FC236}">
+                <a16:creationId xmlns:a16="http://schemas.microsoft.com/office/drawing/2014/main" id="{3894A982-31D7-0E24-5C46-70D72C0276A8}"/>
+              </a:ext>
+            </a:extLst>
+          </p:cNvPr>
+          <p:cNvPicPr>
+            <a:picLocks noChangeAspect="1"/>
+          </p:cNvPicPr>
+          <p:nvPr/>
+        </p:nvPicPr>
+        <p:blipFill>
+          <a:blip r:embed="rId4"/>
+          <a:stretch>
+            <a:fillRect/>
+          </a:stretch>
+        </p:blipFill>
+        <p:spPr>
+          <a:xfrm>
+            <a:off x="2102535" y="7405460"/>
+            <a:ext cx="2289524" cy="2289524"/>
+          </a:xfrm>
+          <a:prstGeom prst="rect">
+            <a:avLst/>
+          </a:prstGeom>
+        </p:spPr>
+      </p:pic>
+      <p:pic>
+        <p:nvPicPr>
+          <p:cNvPr id="9" name="圖片 8" descr="一張含有 日本動畫, 卡通, 電腦繪圖藝術品, 虛構角色 的圖片&#10;&#10;自動產生的描述">
+            <a:extLst>
+              <a:ext uri="{FF2B5EF4-FFF2-40B4-BE49-F238E27FC236}">
+                <a16:creationId xmlns:a16="http://schemas.microsoft.com/office/drawing/2014/main" id="{2211F009-2C53-707E-6BBE-476E6813B3D1}"/>
+              </a:ext>
+            </a:extLst>
+          </p:cNvPr>
+          <p:cNvPicPr>
+            <a:picLocks noChangeAspect="1"/>
+          </p:cNvPicPr>
+          <p:nvPr/>
+        </p:nvPicPr>
+        <p:blipFill>
+          <a:blip r:embed="rId5"/>
+          <a:stretch>
+            <a:fillRect/>
+          </a:stretch>
+        </p:blipFill>
+        <p:spPr>
+          <a:xfrm>
+            <a:off x="2474220" y="-1791580"/>
+            <a:ext cx="1540806" cy="1553793"/>
+          </a:xfrm>
+          <a:prstGeom prst="rect">
+            <a:avLst/>
+          </a:prstGeom>
+        </p:spPr>
+      </p:pic>
+    </p:spTree>
+    <p:extLst>
+      <p:ext uri="{BB962C8B-B14F-4D97-AF65-F5344CB8AC3E}">
+        <p14:creationId xmlns:p14="http://schemas.microsoft.com/office/powerpoint/2010/main" val="315889701"/>
+      </p:ext>
+    </p:extLst>
+  </p:cSld>
+  <p:clrMapOvr>
+    <a:masterClrMapping/>
+  </p:clrMapOvr>
+  <mc:AlternateContent xmlns:mc="http://schemas.openxmlformats.org/markup-compatibility/2006" xmlns:p159="http://schemas.microsoft.com/office/powerpoint/2015/09/main">
+    <mc:Choice Requires="p159">
+      <p:transition spd="slow">
+        <p159:morph option="byObject"/>
+      </p:transition>
+    </mc:Choice>
+    <mc:Fallback xmlns="">
+      <p:transition spd="slow">
+        <p:fade/>
+      </p:transition>
+    </mc:Fallback>
+  </mc:AlternateContent>
+</p:sld>
+</file>
+
+<file path=ppt/slides/slide4.xml><?xml version="1.0" encoding="utf-8"?>
+<p:sld xmlns:a="http://schemas.openxmlformats.org/drawingml/2006/main" xmlns:r="http://schemas.openxmlformats.org/officeDocument/2006/relationships" xmlns:p="http://schemas.openxmlformats.org/presentationml/2006/main">
+  <p:cSld>
+    <p:spTree>
+      <p:nvGrpSpPr>
+        <p:cNvPr id="1" name=""/>
+        <p:cNvGrpSpPr/>
+        <p:nvPr/>
+      </p:nvGrpSpPr>
+      <p:grpSpPr>
+        <a:xfrm>
+          <a:off x="0" y="0"/>
+          <a:ext cx="0" cy="0"/>
+          <a:chOff x="0" y="0"/>
+          <a:chExt cx="0" cy="0"/>
+        </a:xfrm>
+      </p:grpSpPr>
+      <p:sp>
+        <p:nvSpPr>
+          <p:cNvPr id="3" name="內容版面配置區 2">
+            <a:extLst>
+              <a:ext uri="{FF2B5EF4-FFF2-40B4-BE49-F238E27FC236}">
+                <a16:creationId xmlns:a16="http://schemas.microsoft.com/office/drawing/2014/main" id="{A819C516-985E-AF62-DC27-94DD91B3D6EF}"/>
+              </a:ext>
+            </a:extLst>
+          </p:cNvPr>
+          <p:cNvSpPr>
+            <a:spLocks noGrp="1"/>
+          </p:cNvSpPr>
+          <p:nvPr>
+            <p:ph idx="1"/>
+          </p:nvPr>
+        </p:nvSpPr>
+        <p:spPr>
+          <a:xfrm>
+            <a:off x="7464664" y="2234120"/>
+            <a:ext cx="4219074" cy="2654514"/>
+          </a:xfrm>
+        </p:spPr>
+        <p:txBody>
+          <a:bodyPr vert="horz" lIns="91440" tIns="45720" rIns="91440" bIns="45720" rtlCol="0" anchor="t">
+            <a:normAutofit lnSpcReduction="10000"/>
+          </a:bodyPr>
+          <a:lstStyle/>
+          <a:p>
+            <a:pPr marL="0" indent="0">
+              <a:buNone/>
+            </a:pPr>
+            <a:r>
+              <a:rPr lang="zh-TW" altLang="en-US">
+                <a:latin typeface="Microsoft JhengHei"/>
+                <a:ea typeface="Microsoft JhengHei"/>
+                <a:cs typeface="+mn-lt"/>
+              </a:rPr>
+              <a:t>幾天後</a:t>
+            </a:r>
+            <a:r>
+              <a:rPr lang="zh-TW">
+                <a:latin typeface="Microsoft JhengHei"/>
+                <a:ea typeface="Microsoft JhengHei"/>
+                <a:cs typeface="+mn-lt"/>
+              </a:rPr>
+              <a:t>，我抵達</a:t>
+            </a:r>
+            <a:r>
+              <a:rPr lang="zh-TW" altLang="en-US">
+                <a:latin typeface="Microsoft JhengHei"/>
+                <a:ea typeface="Microsoft JhengHei"/>
+                <a:cs typeface="+mn-lt"/>
+              </a:rPr>
+              <a:t>了山谷，發現遺跡的入口被古老</a:t>
+            </a:r>
+            <a:r>
+              <a:rPr lang="zh-TW">
+                <a:latin typeface="Microsoft JhengHei"/>
+                <a:ea typeface="Microsoft JhengHei"/>
+                <a:cs typeface="+mn-lt"/>
+              </a:rPr>
+              <a:t>的</a:t>
+            </a:r>
+            <a:r>
+              <a:rPr lang="zh-TW" altLang="en-US">
+                <a:latin typeface="Microsoft JhengHei"/>
+                <a:ea typeface="Microsoft JhengHei"/>
+                <a:cs typeface="+mn-lt"/>
+              </a:rPr>
+              <a:t>符文覆蓋</a:t>
+            </a:r>
+            <a:r>
+              <a:rPr lang="zh-TW">
+                <a:latin typeface="Microsoft JhengHei"/>
+                <a:ea typeface="Microsoft JhengHei"/>
+                <a:cs typeface="+mn-lt"/>
+              </a:rPr>
+              <a:t>。我</a:t>
+            </a:r>
+            <a:r>
+              <a:rPr lang="zh-TW" altLang="en-US">
+                <a:latin typeface="Microsoft JhengHei"/>
+                <a:ea typeface="Microsoft JhengHei"/>
+                <a:cs typeface="+mn-lt"/>
+              </a:rPr>
+              <a:t>解讀符文，成功打開</a:t>
+            </a:r>
+            <a:r>
+              <a:rPr lang="zh-TW">
+                <a:latin typeface="Microsoft JhengHei"/>
+                <a:ea typeface="Microsoft JhengHei"/>
+                <a:cs typeface="+mn-lt"/>
+              </a:rPr>
+              <a:t>了</a:t>
+            </a:r>
+            <a:r>
+              <a:rPr lang="zh-TW" altLang="en-US">
+                <a:latin typeface="Microsoft JhengHei"/>
+                <a:ea typeface="Microsoft JhengHei"/>
+                <a:cs typeface="+mn-lt"/>
+              </a:rPr>
+              <a:t>大門</a:t>
+            </a:r>
+            <a:r>
+              <a:rPr lang="zh-TW">
+                <a:latin typeface="Microsoft JhengHei"/>
+                <a:ea typeface="Microsoft JhengHei"/>
+                <a:cs typeface="+mn-lt"/>
+              </a:rPr>
+              <a:t>，</a:t>
+            </a:r>
+            <a:r>
+              <a:rPr lang="zh-TW" altLang="en-US">
+                <a:latin typeface="Microsoft JhengHei"/>
+                <a:ea typeface="Microsoft JhengHei"/>
+                <a:cs typeface="+mn-lt"/>
+              </a:rPr>
+              <a:t>寒冷</a:t>
+            </a:r>
+            <a:r>
+              <a:rPr lang="zh-TW">
+                <a:latin typeface="Microsoft JhengHei"/>
+                <a:ea typeface="Microsoft JhengHei"/>
+                <a:cs typeface="+mn-lt"/>
+              </a:rPr>
+              <a:t>的空氣撲面</a:t>
+            </a:r>
+            <a:r>
+              <a:rPr lang="zh-TW" altLang="en-US">
+                <a:latin typeface="Microsoft JhengHei"/>
+                <a:ea typeface="Microsoft JhengHei"/>
+                <a:cs typeface="+mn-lt"/>
+              </a:rPr>
+              <a:t>而來</a:t>
+            </a:r>
+            <a:r>
+              <a:rPr lang="zh-TW">
+                <a:latin typeface="Microsoft JhengHei"/>
+                <a:ea typeface="Microsoft JhengHei"/>
+                <a:cs typeface="+mn-lt"/>
+              </a:rPr>
+              <a:t>，遺跡內部</a:t>
+            </a:r>
+            <a:r>
+              <a:rPr lang="zh-TW" altLang="en-US">
+                <a:latin typeface="Microsoft JhengHei"/>
+                <a:ea typeface="Microsoft JhengHei"/>
+                <a:cs typeface="+mn-lt"/>
+              </a:rPr>
+              <a:t>充滿</a:t>
+            </a:r>
+            <a:r>
+              <a:rPr lang="zh-TW">
+                <a:latin typeface="Microsoft JhengHei"/>
+                <a:ea typeface="Microsoft JhengHei"/>
+                <a:cs typeface="+mn-lt"/>
+              </a:rPr>
+              <a:t>了</a:t>
+            </a:r>
+            <a:r>
+              <a:rPr lang="zh-TW" altLang="en-US">
+                <a:latin typeface="Microsoft JhengHei"/>
+                <a:ea typeface="Microsoft JhengHei"/>
+                <a:cs typeface="+mn-lt"/>
+              </a:rPr>
+              <a:t>未知的機關</a:t>
+            </a:r>
+            <a:r>
+              <a:rPr lang="zh-TW">
+                <a:latin typeface="Microsoft JhengHei"/>
+                <a:ea typeface="Microsoft JhengHei"/>
+                <a:cs typeface="+mn-lt"/>
+              </a:rPr>
+              <a:t>。</a:t>
+            </a:r>
+            <a:endParaRPr lang="zh-TW" altLang="en-US" dirty="0">
+              <a:latin typeface="Microsoft JhengHei"/>
+              <a:ea typeface="Microsoft JhengHei"/>
+              <a:cs typeface="+mn-lt"/>
+            </a:endParaRPr>
+          </a:p>
+          <a:p>
+            <a:pPr marL="0" indent="0">
+              <a:buNone/>
+            </a:pPr>
+            <a:r>
+              <a:rPr lang="en-US" altLang="zh-TW" dirty="0">
+                <a:latin typeface="Microsoft JhengHei"/>
+                <a:ea typeface="Microsoft JhengHei"/>
+                <a:cs typeface="+mn-lt"/>
+              </a:rPr>
+              <a:t>(E7星星眼)</a:t>
+            </a:r>
+            <a:endParaRPr lang="zh-TW" altLang="en-US" dirty="0">
+              <a:latin typeface="Microsoft JhengHei"/>
+              <a:ea typeface="Microsoft JhengHei"/>
+              <a:cs typeface="+mn-lt"/>
+            </a:endParaRPr>
+          </a:p>
+          <a:p>
+            <a:endParaRPr lang="zh-TW" altLang="en-US">
+              <a:ea typeface="新細明體"/>
+            </a:endParaRPr>
+          </a:p>
+        </p:txBody>
+      </p:sp>
+      <p:pic>
+        <p:nvPicPr>
+          <p:cNvPr id="4" name="圖片 3" descr="一張含有 日本動畫, 卡通, 電腦繪圖藝術品, 虛構角色 的圖片&#10;&#10;自動產生的描述">
+            <a:extLst>
+              <a:ext uri="{FF2B5EF4-FFF2-40B4-BE49-F238E27FC236}">
+                <a16:creationId xmlns:a16="http://schemas.microsoft.com/office/drawing/2014/main" id="{AF779BE6-1387-7C5C-E9DE-EE48CC55C0B0}"/>
+              </a:ext>
+            </a:extLst>
+          </p:cNvPr>
+          <p:cNvPicPr>
+            <a:picLocks noChangeAspect="1"/>
+          </p:cNvPicPr>
+          <p:nvPr/>
+        </p:nvPicPr>
+        <p:blipFill>
+          <a:blip r:embed="rId3"/>
+          <a:stretch>
+            <a:fillRect/>
+          </a:stretch>
+        </p:blipFill>
+        <p:spPr>
+          <a:xfrm>
+            <a:off x="-466" y="934"/>
+            <a:ext cx="6882063" cy="6866021"/>
+          </a:xfrm>
+          <a:prstGeom prst="rect">
+            <a:avLst/>
+          </a:prstGeom>
+        </p:spPr>
+      </p:pic>
+      <p:sp>
+        <p:nvSpPr>
+          <p:cNvPr id="5" name="矩形: 圓角 4">
+            <a:extLst>
+              <a:ext uri="{FF2B5EF4-FFF2-40B4-BE49-F238E27FC236}">
+                <a16:creationId xmlns:a16="http://schemas.microsoft.com/office/drawing/2014/main" id="{D9B713A2-B6E7-B16E-E5DF-1961068ADC72}"/>
+              </a:ext>
+            </a:extLst>
+          </p:cNvPr>
+          <p:cNvSpPr/>
+          <p:nvPr/>
+        </p:nvSpPr>
+        <p:spPr>
+          <a:xfrm>
+            <a:off x="215502" y="181252"/>
+            <a:ext cx="1297949" cy="580885"/>
+          </a:xfrm>
+          <a:prstGeom prst="roundRect">
+            <a:avLst/>
+          </a:prstGeom>
+          <a:solidFill>
+            <a:srgbClr val="000000">
+              <a:alpha val="49000"/>
+            </a:srgbClr>
+          </a:solidFill>
+          <a:ln>
+            <a:noFill/>
+          </a:ln>
+        </p:spPr>
+        <p:style>
+          <a:lnRef idx="2">
+            <a:schemeClr val="accent1">
+              <a:shade val="15000"/>
+            </a:schemeClr>
+          </a:lnRef>
+          <a:fillRef idx="1">
+            <a:schemeClr val="accent1"/>
+          </a:fillRef>
+          <a:effectRef idx="0">
+            <a:schemeClr val="accent1"/>
+          </a:effectRef>
+          <a:fontRef idx="minor">
+            <a:schemeClr val="lt1"/>
+          </a:fontRef>
+        </p:style>
+        <p:txBody>
+          <a:bodyPr lIns="91440" tIns="45720" rIns="91440" bIns="45720" rtlCol="0" anchor="ctr"/>
+          <a:lstStyle>
+            <a:defPPr>
+              <a:defRPr lang="zh-TW"/>
+            </a:defPPr>
+            <a:lvl1pPr marL="0" algn="l" defTabSz="914400" rtl="0" eaLnBrk="1" latinLnBrk="0" hangingPunct="1">
+              <a:defRPr sz="1800" kern="1200">
+                <a:solidFill>
+                  <a:schemeClr val="lt1"/>
+                </a:solidFill>
+                <a:latin typeface="+mn-lt"/>
+                <a:ea typeface="+mn-ea"/>
+                <a:cs typeface="+mn-cs"/>
+              </a:defRPr>
+            </a:lvl1pPr>
+            <a:lvl2pPr marL="457200" algn="l" defTabSz="914400" rtl="0" eaLnBrk="1" latinLnBrk="0" hangingPunct="1">
+              <a:defRPr sz="1800" kern="1200">
+                <a:solidFill>
+                  <a:schemeClr val="lt1"/>
+                </a:solidFill>
+                <a:latin typeface="+mn-lt"/>
+                <a:ea typeface="+mn-ea"/>
+                <a:cs typeface="+mn-cs"/>
+              </a:defRPr>
+            </a:lvl2pPr>
+            <a:lvl3pPr marL="914400" algn="l" defTabSz="914400" rtl="0" eaLnBrk="1" latinLnBrk="0" hangingPunct="1">
+              <a:defRPr sz="1800" kern="1200">
+                <a:solidFill>
+                  <a:schemeClr val="lt1"/>
+                </a:solidFill>
+                <a:latin typeface="+mn-lt"/>
+                <a:ea typeface="+mn-ea"/>
+                <a:cs typeface="+mn-cs"/>
+              </a:defRPr>
+            </a:lvl3pPr>
+            <a:lvl4pPr marL="1371600" algn="l" defTabSz="914400" rtl="0" eaLnBrk="1" latinLnBrk="0" hangingPunct="1">
+              <a:defRPr sz="1800" kern="1200">
+                <a:solidFill>
+                  <a:schemeClr val="lt1"/>
+                </a:solidFill>
+                <a:latin typeface="+mn-lt"/>
+                <a:ea typeface="+mn-ea"/>
+                <a:cs typeface="+mn-cs"/>
+              </a:defRPr>
+            </a:lvl4pPr>
+            <a:lvl5pPr marL="1828800" algn="l" defTabSz="914400" rtl="0" eaLnBrk="1" latinLnBrk="0" hangingPunct="1">
+              <a:defRPr sz="1800" kern="1200">
+                <a:solidFill>
+                  <a:schemeClr val="lt1"/>
+                </a:solidFill>
+                <a:latin typeface="+mn-lt"/>
+                <a:ea typeface="+mn-ea"/>
+                <a:cs typeface="+mn-cs"/>
+              </a:defRPr>
+            </a:lvl5pPr>
+            <a:lvl6pPr marL="2286000" algn="l" defTabSz="914400" rtl="0" eaLnBrk="1" latinLnBrk="0" hangingPunct="1">
+              <a:defRPr sz="1800" kern="1200">
+                <a:solidFill>
+                  <a:schemeClr val="lt1"/>
+                </a:solidFill>
+                <a:latin typeface="+mn-lt"/>
+                <a:ea typeface="+mn-ea"/>
+                <a:cs typeface="+mn-cs"/>
+              </a:defRPr>
+            </a:lvl6pPr>
+            <a:lvl7pPr marL="2743200" algn="l" defTabSz="914400" rtl="0" eaLnBrk="1" latinLnBrk="0" hangingPunct="1">
+              <a:defRPr sz="1800" kern="1200">
+                <a:solidFill>
+                  <a:schemeClr val="lt1"/>
+                </a:solidFill>
+                <a:latin typeface="+mn-lt"/>
+                <a:ea typeface="+mn-ea"/>
+                <a:cs typeface="+mn-cs"/>
+              </a:defRPr>
+            </a:lvl7pPr>
+            <a:lvl8pPr marL="3200400" algn="l" defTabSz="914400" rtl="0" eaLnBrk="1" latinLnBrk="0" hangingPunct="1">
+              <a:defRPr sz="1800" kern="1200">
+                <a:solidFill>
+                  <a:schemeClr val="lt1"/>
+                </a:solidFill>
+                <a:latin typeface="+mn-lt"/>
+                <a:ea typeface="+mn-ea"/>
+                <a:cs typeface="+mn-cs"/>
+              </a:defRPr>
+            </a:lvl8pPr>
+            <a:lvl9pPr marL="3657600" algn="l" defTabSz="914400" rtl="0" eaLnBrk="1" latinLnBrk="0" hangingPunct="1">
+              <a:defRPr sz="1800" kern="1200">
+                <a:solidFill>
+                  <a:schemeClr val="lt1"/>
+                </a:solidFill>
+                <a:latin typeface="+mn-lt"/>
+                <a:ea typeface="+mn-ea"/>
+                <a:cs typeface="+mn-cs"/>
+              </a:defRPr>
+            </a:lvl9pPr>
+          </a:lstStyle>
+          <a:p>
+            <a:pPr algn="ctr"/>
+            <a:r>
+              <a:rPr lang="zh-TW" altLang="en-US" sz="3200" b="1">
+                <a:latin typeface="Microsoft JhengHei"/>
+                <a:ea typeface="Microsoft JhengHei"/>
+                <a:cs typeface="Arial"/>
+              </a:rPr>
+              <a:t>努力</a:t>
+            </a:r>
+          </a:p>
+        </p:txBody>
+      </p:sp>
+      <p:pic>
+        <p:nvPicPr>
+          <p:cNvPr id="8" name="圖片 7" descr="一張含有 日本動畫, 卡通, 虛構角色, 電腦繪圖藝術品 的圖片&#10;&#10;自動產生的描述">
+            <a:extLst>
+              <a:ext uri="{FF2B5EF4-FFF2-40B4-BE49-F238E27FC236}">
+                <a16:creationId xmlns:a16="http://schemas.microsoft.com/office/drawing/2014/main" id="{73752C37-0B16-6CA7-A78C-03BA7380E452}"/>
+              </a:ext>
+            </a:extLst>
+          </p:cNvPr>
+          <p:cNvPicPr>
+            <a:picLocks noChangeAspect="1"/>
+          </p:cNvPicPr>
+          <p:nvPr/>
+        </p:nvPicPr>
+        <p:blipFill>
+          <a:blip r:embed="rId4"/>
+          <a:stretch>
+            <a:fillRect/>
+          </a:stretch>
+        </p:blipFill>
+        <p:spPr>
+          <a:xfrm>
+            <a:off x="2513814" y="7419763"/>
+            <a:ext cx="1853772" cy="1869483"/>
+          </a:xfrm>
+          <a:prstGeom prst="rect">
+            <a:avLst/>
+          </a:prstGeom>
+        </p:spPr>
+      </p:pic>
+      <p:pic>
+        <p:nvPicPr>
+          <p:cNvPr id="10" name="圖片 9" descr="一張含有 日本動畫, 電腦繪圖藝術品, 卡通, 虛構角色 的圖片&#10;&#10;自動產生的描述">
+            <a:extLst>
+              <a:ext uri="{FF2B5EF4-FFF2-40B4-BE49-F238E27FC236}">
+                <a16:creationId xmlns:a16="http://schemas.microsoft.com/office/drawing/2014/main" id="{F459EB20-8F9A-AEDE-3410-63C1E85BE43C}"/>
+              </a:ext>
+            </a:extLst>
+          </p:cNvPr>
+          <p:cNvPicPr>
+            <a:picLocks noChangeAspect="1"/>
+          </p:cNvPicPr>
+          <p:nvPr/>
+        </p:nvPicPr>
+        <p:blipFill>
+          <a:blip r:embed="rId5"/>
+          <a:stretch>
+            <a:fillRect/>
+          </a:stretch>
+        </p:blipFill>
+        <p:spPr>
+          <a:xfrm>
+            <a:off x="2744861" y="-1819790"/>
+            <a:ext cx="1398310" cy="1398310"/>
+          </a:xfrm>
+          <a:prstGeom prst="rect">
+            <a:avLst/>
+          </a:prstGeom>
+        </p:spPr>
+      </p:pic>
+    </p:spTree>
+    <p:extLst>
+      <p:ext uri="{BB962C8B-B14F-4D97-AF65-F5344CB8AC3E}">
+        <p14:creationId xmlns:p14="http://schemas.microsoft.com/office/powerpoint/2010/main" val="14990519"/>
+      </p:ext>
+    </p:extLst>
+  </p:cSld>
+  <p:clrMapOvr>
+    <a:masterClrMapping/>
+  </p:clrMapOvr>
+  <mc:AlternateContent xmlns:mc="http://schemas.openxmlformats.org/markup-compatibility/2006" xmlns:p159="http://schemas.microsoft.com/office/powerpoint/2015/09/main">
+    <mc:Choice Requires="p159">
+      <p:transition spd="slow">
+        <p159:morph option="byObject"/>
+      </p:transition>
+    </mc:Choice>
+    <mc:Fallback xmlns="">
+      <p:transition spd="slow">
+        <p:fade/>
+      </p:transition>
+    </mc:Fallback>
+  </mc:AlternateContent>
+</p:sld>
+</file>
+
+<file path=ppt/slides/slide5.xml><?xml version="1.0" encoding="utf-8"?>
+<p:sld xmlns:a="http://schemas.openxmlformats.org/drawingml/2006/main" xmlns:r="http://schemas.openxmlformats.org/officeDocument/2006/relationships" xmlns:p="http://schemas.openxmlformats.org/presentationml/2006/main">
+  <p:cSld>
+    <p:spTree>
+      <p:nvGrpSpPr>
+        <p:cNvPr id="1" name=""/>
+        <p:cNvGrpSpPr/>
+        <p:nvPr/>
+      </p:nvGrpSpPr>
+      <p:grpSpPr>
+        <a:xfrm>
+          <a:off x="0" y="0"/>
+          <a:ext cx="0" cy="0"/>
+          <a:chOff x="0" y="0"/>
+          <a:chExt cx="0" cy="0"/>
+        </a:xfrm>
+      </p:grpSpPr>
+      <p:sp>
+        <p:nvSpPr>
+          <p:cNvPr id="3" name="內容版面配置區 2">
+            <a:extLst>
+              <a:ext uri="{FF2B5EF4-FFF2-40B4-BE49-F238E27FC236}">
+                <a16:creationId xmlns:a16="http://schemas.microsoft.com/office/drawing/2014/main" id="{ADAE0F34-0220-ED76-D80F-F40E7D82E575}"/>
+              </a:ext>
+            </a:extLst>
+          </p:cNvPr>
+          <p:cNvSpPr>
+            <a:spLocks noGrp="1"/>
+          </p:cNvSpPr>
+          <p:nvPr>
+            <p:ph idx="1"/>
+          </p:nvPr>
+        </p:nvSpPr>
+        <p:spPr>
+          <a:xfrm>
+            <a:off x="7542653" y="2202996"/>
+            <a:ext cx="4050633" cy="4351338"/>
+          </a:xfrm>
+        </p:spPr>
+        <p:txBody>
+          <a:bodyPr vert="horz" lIns="91440" tIns="45720" rIns="91440" bIns="45720" rtlCol="0" anchor="t">
+            <a:normAutofit/>
+          </a:bodyPr>
+          <a:lstStyle/>
+          <a:p>
+            <a:pPr marL="0" indent="0">
+              <a:buNone/>
+            </a:pPr>
+            <a:r>
+              <a:rPr lang="zh-TW" altLang="en-US">
+                <a:latin typeface="Microsoft JhengHei"/>
+                <a:ea typeface="Microsoft JhengHei"/>
+                <a:cs typeface="+mn-lt"/>
+              </a:rPr>
+              <a:t>在遺跡深處</a:t>
+            </a:r>
+            <a:r>
+              <a:rPr lang="zh-TW">
+                <a:latin typeface="Microsoft JhengHei"/>
+                <a:ea typeface="Microsoft JhengHei"/>
+                <a:cs typeface="+mn-lt"/>
+              </a:rPr>
+              <a:t>，我發現</a:t>
+            </a:r>
+            <a:r>
+              <a:rPr lang="zh-TW" altLang="en-US">
+                <a:latin typeface="Microsoft JhengHei"/>
+                <a:ea typeface="Microsoft JhengHei"/>
+                <a:cs typeface="+mn-lt"/>
+              </a:rPr>
+              <a:t>了一个閃爍著光芒</a:t>
+            </a:r>
+            <a:r>
+              <a:rPr lang="zh-TW">
+                <a:latin typeface="Microsoft JhengHei"/>
+                <a:ea typeface="Microsoft JhengHei"/>
+                <a:cs typeface="+mn-lt"/>
+              </a:rPr>
+              <a:t>的</a:t>
+            </a:r>
+            <a:r>
+              <a:rPr lang="zh-TW" altLang="en-US">
+                <a:latin typeface="Microsoft JhengHei"/>
+                <a:ea typeface="Microsoft JhengHei"/>
+                <a:cs typeface="+mn-lt"/>
+              </a:rPr>
+              <a:t>水晶，裡面封印著那段傳說中的代碼</a:t>
+            </a:r>
+            <a:r>
+              <a:rPr lang="zh-TW">
+                <a:latin typeface="Microsoft JhengHei"/>
+                <a:ea typeface="Microsoft JhengHei"/>
+                <a:cs typeface="+mn-lt"/>
+              </a:rPr>
+              <a:t>。觸碰</a:t>
+            </a:r>
+            <a:r>
+              <a:rPr lang="zh-TW" altLang="en-US">
+                <a:latin typeface="Microsoft JhengHei"/>
+                <a:ea typeface="Microsoft JhengHei"/>
+                <a:cs typeface="+mn-lt"/>
+              </a:rPr>
+              <a:t>水晶</a:t>
+            </a:r>
+            <a:r>
+              <a:rPr lang="zh-TW">
+                <a:latin typeface="Microsoft JhengHei"/>
+                <a:ea typeface="Microsoft JhengHei"/>
+                <a:cs typeface="+mn-lt"/>
+              </a:rPr>
+              <a:t>的</a:t>
+            </a:r>
+            <a:r>
+              <a:rPr lang="zh-TW" altLang="en-US">
+                <a:latin typeface="Microsoft JhengHei"/>
+                <a:ea typeface="Microsoft JhengHei"/>
+                <a:cs typeface="+mn-lt"/>
+              </a:rPr>
+              <a:t>瞬間</a:t>
+            </a:r>
+            <a:r>
+              <a:rPr lang="zh-TW">
+                <a:latin typeface="Microsoft JhengHei"/>
+                <a:ea typeface="Microsoft JhengHei"/>
+                <a:cs typeface="+mn-lt"/>
+              </a:rPr>
+              <a:t>，強</a:t>
+            </a:r>
+            <a:r>
+              <a:rPr lang="zh-TW" altLang="en-US">
+                <a:latin typeface="Microsoft JhengHei"/>
+                <a:ea typeface="Microsoft JhengHei"/>
+                <a:cs typeface="+mn-lt"/>
+              </a:rPr>
+              <a:t>大的能量流入</a:t>
+            </a:r>
+            <a:r>
+              <a:rPr lang="zh-TW">
+                <a:latin typeface="Microsoft JhengHei"/>
+                <a:ea typeface="Microsoft JhengHei"/>
+                <a:cs typeface="+mn-lt"/>
+              </a:rPr>
+              <a:t>我的身體，讓我</a:t>
+            </a:r>
+            <a:r>
+              <a:rPr lang="zh-TW" altLang="en-US">
+                <a:latin typeface="Microsoft JhengHei"/>
+                <a:ea typeface="Microsoft JhengHei"/>
+                <a:cs typeface="+mn-lt"/>
+              </a:rPr>
+              <a:t>感受到無語倫比</a:t>
+            </a:r>
+            <a:r>
+              <a:rPr lang="zh-TW">
+                <a:latin typeface="Microsoft JhengHei"/>
+                <a:ea typeface="Microsoft JhengHei"/>
+                <a:cs typeface="+mn-lt"/>
+              </a:rPr>
+              <a:t>的</a:t>
+            </a:r>
+            <a:r>
+              <a:rPr lang="zh-TW" altLang="en-US">
+                <a:latin typeface="Microsoft JhengHei"/>
+                <a:ea typeface="Microsoft JhengHei"/>
+                <a:cs typeface="+mn-lt"/>
+              </a:rPr>
+              <a:t>神清氣爽</a:t>
+            </a:r>
+            <a:r>
+              <a:rPr lang="zh-TW">
+                <a:latin typeface="Microsoft JhengHei"/>
+                <a:ea typeface="Microsoft JhengHei"/>
+                <a:cs typeface="+mn-lt"/>
+              </a:rPr>
+              <a:t>。</a:t>
+            </a:r>
+            <a:endParaRPr lang="zh-TW" altLang="en-US"/>
+          </a:p>
+          <a:p>
+            <a:pPr marL="0" indent="0">
+              <a:buNone/>
+            </a:pPr>
+            <a:r>
+              <a:rPr lang="en-US" altLang="zh-TW" dirty="0">
+                <a:latin typeface="Microsoft JhengHei"/>
+                <a:ea typeface="Microsoft JhengHei"/>
+                <a:cs typeface="+mn-lt"/>
+              </a:rPr>
+              <a:t>(Shift+7 </a:t>
+            </a:r>
+            <a:r>
+              <a:rPr lang="en-US" altLang="zh-TW" dirty="0" err="1">
+                <a:latin typeface="Microsoft JhengHei"/>
+                <a:ea typeface="Microsoft JhengHei"/>
+                <a:cs typeface="+mn-lt"/>
+              </a:rPr>
+              <a:t>十字星特效</a:t>
+            </a:r>
+            <a:r>
+              <a:rPr lang="en-US" altLang="zh-TW" dirty="0">
+                <a:latin typeface="Microsoft JhengHei"/>
+                <a:ea typeface="Microsoft JhengHei"/>
+                <a:cs typeface="+mn-lt"/>
+              </a:rPr>
+              <a:t>)</a:t>
+            </a:r>
+            <a:endParaRPr lang="en-US" dirty="0"/>
+          </a:p>
+          <a:p>
+            <a:endParaRPr lang="zh-TW">
+              <a:ea typeface="+mn-lt"/>
+              <a:cs typeface="+mn-lt"/>
+            </a:endParaRPr>
+          </a:p>
+          <a:p>
+            <a:endParaRPr lang="zh-TW"/>
+          </a:p>
+          <a:p>
+            <a:endParaRPr lang="zh-TW" altLang="en-US">
+              <a:ea typeface="新細明體"/>
+            </a:endParaRPr>
+          </a:p>
+        </p:txBody>
+      </p:sp>
+      <p:pic>
+        <p:nvPicPr>
+          <p:cNvPr id="4" name="圖片 3" descr="一張含有 日本動畫, 電腦繪圖藝術品, 卡通, 虛構角色 的圖片&#10;&#10;自動產生的描述">
+            <a:extLst>
+              <a:ext uri="{FF2B5EF4-FFF2-40B4-BE49-F238E27FC236}">
+                <a16:creationId xmlns:a16="http://schemas.microsoft.com/office/drawing/2014/main" id="{C2B62109-4927-8B43-5A47-0F25E31A6655}"/>
+              </a:ext>
+            </a:extLst>
+          </p:cNvPr>
+          <p:cNvPicPr>
+            <a:picLocks noChangeAspect="1"/>
+          </p:cNvPicPr>
+          <p:nvPr/>
+        </p:nvPicPr>
+        <p:blipFill>
+          <a:blip r:embed="rId3"/>
+          <a:stretch>
+            <a:fillRect/>
+          </a:stretch>
+        </p:blipFill>
+        <p:spPr>
+          <a:xfrm>
+            <a:off x="3232" y="2725"/>
+            <a:ext cx="6858000" cy="6858000"/>
+          </a:xfrm>
+          <a:prstGeom prst="rect">
+            <a:avLst/>
+          </a:prstGeom>
+        </p:spPr>
+      </p:pic>
+      <p:sp>
+        <p:nvSpPr>
+          <p:cNvPr id="5" name="矩形: 圓角 4">
+            <a:extLst>
+              <a:ext uri="{FF2B5EF4-FFF2-40B4-BE49-F238E27FC236}">
+                <a16:creationId xmlns:a16="http://schemas.microsoft.com/office/drawing/2014/main" id="{D9B713A2-B6E7-B16E-E5DF-1961068ADC72}"/>
+              </a:ext>
+            </a:extLst>
+          </p:cNvPr>
+          <p:cNvSpPr/>
+          <p:nvPr/>
+        </p:nvSpPr>
+        <p:spPr>
+          <a:xfrm>
+            <a:off x="215502" y="181252"/>
+            <a:ext cx="1297949" cy="580885"/>
+          </a:xfrm>
+          <a:prstGeom prst="roundRect">
+            <a:avLst/>
+          </a:prstGeom>
+          <a:solidFill>
+            <a:srgbClr val="000000">
+              <a:alpha val="49000"/>
+            </a:srgbClr>
+          </a:solidFill>
+          <a:ln>
+            <a:noFill/>
+          </a:ln>
+        </p:spPr>
+        <p:style>
+          <a:lnRef idx="2">
+            <a:schemeClr val="accent1">
+              <a:shade val="15000"/>
+            </a:schemeClr>
+          </a:lnRef>
+          <a:fillRef idx="1">
+            <a:schemeClr val="accent1"/>
+          </a:fillRef>
+          <a:effectRef idx="0">
+            <a:schemeClr val="accent1"/>
+          </a:effectRef>
+          <a:fontRef idx="minor">
+            <a:schemeClr val="lt1"/>
+          </a:fontRef>
+        </p:style>
+        <p:txBody>
+          <a:bodyPr lIns="91440" tIns="45720" rIns="91440" bIns="45720" rtlCol="0" anchor="ctr"/>
+          <a:lstStyle>
+            <a:defPPr>
+              <a:defRPr lang="zh-TW"/>
+            </a:defPPr>
+            <a:lvl1pPr marL="0" algn="l" defTabSz="914400" rtl="0" eaLnBrk="1" latinLnBrk="0" hangingPunct="1">
+              <a:defRPr sz="1800" kern="1200">
+                <a:solidFill>
+                  <a:schemeClr val="lt1"/>
+                </a:solidFill>
+                <a:latin typeface="+mn-lt"/>
+                <a:ea typeface="+mn-ea"/>
+                <a:cs typeface="+mn-cs"/>
+              </a:defRPr>
+            </a:lvl1pPr>
+            <a:lvl2pPr marL="457200" algn="l" defTabSz="914400" rtl="0" eaLnBrk="1" latinLnBrk="0" hangingPunct="1">
+              <a:defRPr sz="1800" kern="1200">
+                <a:solidFill>
+                  <a:schemeClr val="lt1"/>
+                </a:solidFill>
+                <a:latin typeface="+mn-lt"/>
+                <a:ea typeface="+mn-ea"/>
+                <a:cs typeface="+mn-cs"/>
+              </a:defRPr>
+            </a:lvl2pPr>
+            <a:lvl3pPr marL="914400" algn="l" defTabSz="914400" rtl="0" eaLnBrk="1" latinLnBrk="0" hangingPunct="1">
+              <a:defRPr sz="1800" kern="1200">
+                <a:solidFill>
+                  <a:schemeClr val="lt1"/>
+                </a:solidFill>
+                <a:latin typeface="+mn-lt"/>
+                <a:ea typeface="+mn-ea"/>
+                <a:cs typeface="+mn-cs"/>
+              </a:defRPr>
+            </a:lvl3pPr>
+            <a:lvl4pPr marL="1371600" algn="l" defTabSz="914400" rtl="0" eaLnBrk="1" latinLnBrk="0" hangingPunct="1">
+              <a:defRPr sz="1800" kern="1200">
+                <a:solidFill>
+                  <a:schemeClr val="lt1"/>
+                </a:solidFill>
+                <a:latin typeface="+mn-lt"/>
+                <a:ea typeface="+mn-ea"/>
+                <a:cs typeface="+mn-cs"/>
+              </a:defRPr>
+            </a:lvl4pPr>
+            <a:lvl5pPr marL="1828800" algn="l" defTabSz="914400" rtl="0" eaLnBrk="1" latinLnBrk="0" hangingPunct="1">
+              <a:defRPr sz="1800" kern="1200">
+                <a:solidFill>
+                  <a:schemeClr val="lt1"/>
+                </a:solidFill>
+                <a:latin typeface="+mn-lt"/>
+                <a:ea typeface="+mn-ea"/>
+                <a:cs typeface="+mn-cs"/>
+              </a:defRPr>
+            </a:lvl5pPr>
+            <a:lvl6pPr marL="2286000" algn="l" defTabSz="914400" rtl="0" eaLnBrk="1" latinLnBrk="0" hangingPunct="1">
+              <a:defRPr sz="1800" kern="1200">
+                <a:solidFill>
+                  <a:schemeClr val="lt1"/>
+                </a:solidFill>
+                <a:latin typeface="+mn-lt"/>
+                <a:ea typeface="+mn-ea"/>
+                <a:cs typeface="+mn-cs"/>
+              </a:defRPr>
+            </a:lvl6pPr>
+            <a:lvl7pPr marL="2743200" algn="l" defTabSz="914400" rtl="0" eaLnBrk="1" latinLnBrk="0" hangingPunct="1">
+              <a:defRPr sz="1800" kern="1200">
+                <a:solidFill>
+                  <a:schemeClr val="lt1"/>
+                </a:solidFill>
+                <a:latin typeface="+mn-lt"/>
+                <a:ea typeface="+mn-ea"/>
+                <a:cs typeface="+mn-cs"/>
+              </a:defRPr>
+            </a:lvl7pPr>
+            <a:lvl8pPr marL="3200400" algn="l" defTabSz="914400" rtl="0" eaLnBrk="1" latinLnBrk="0" hangingPunct="1">
+              <a:defRPr sz="1800" kern="1200">
+                <a:solidFill>
+                  <a:schemeClr val="lt1"/>
+                </a:solidFill>
+                <a:latin typeface="+mn-lt"/>
+                <a:ea typeface="+mn-ea"/>
+                <a:cs typeface="+mn-cs"/>
+              </a:defRPr>
+            </a:lvl8pPr>
+            <a:lvl9pPr marL="3657600" algn="l" defTabSz="914400" rtl="0" eaLnBrk="1" latinLnBrk="0" hangingPunct="1">
+              <a:defRPr sz="1800" kern="1200">
+                <a:solidFill>
+                  <a:schemeClr val="lt1"/>
+                </a:solidFill>
+                <a:latin typeface="+mn-lt"/>
+                <a:ea typeface="+mn-ea"/>
+                <a:cs typeface="+mn-cs"/>
+              </a:defRPr>
+            </a:lvl9pPr>
+          </a:lstStyle>
+          <a:p>
+            <a:pPr algn="ctr"/>
+            <a:r>
+              <a:rPr lang="zh-TW" altLang="en-US" sz="3200" b="1">
+                <a:latin typeface="Microsoft JhengHei"/>
+                <a:ea typeface="Microsoft JhengHei"/>
+                <a:cs typeface="Arial"/>
+              </a:rPr>
+              <a:t>結果</a:t>
+            </a:r>
+          </a:p>
+        </p:txBody>
+      </p:sp>
+      <p:pic>
+        <p:nvPicPr>
+          <p:cNvPr id="7" name="圖片 6" descr="一張含有 日本動畫, 卡通, 電腦繪圖藝術品, 虛構角色 的圖片&#10;&#10;自動產生的描述">
+            <a:extLst>
+              <a:ext uri="{FF2B5EF4-FFF2-40B4-BE49-F238E27FC236}">
+                <a16:creationId xmlns:a16="http://schemas.microsoft.com/office/drawing/2014/main" id="{3B759A84-98AC-83DC-082C-3AEB464AC83B}"/>
+              </a:ext>
+            </a:extLst>
+          </p:cNvPr>
+          <p:cNvPicPr>
+            <a:picLocks noChangeAspect="1"/>
+          </p:cNvPicPr>
+          <p:nvPr/>
+        </p:nvPicPr>
+        <p:blipFill>
+          <a:blip r:embed="rId4"/>
+          <a:stretch>
+            <a:fillRect/>
+          </a:stretch>
+        </p:blipFill>
+        <p:spPr>
+          <a:xfrm>
+            <a:off x="2539534" y="6989563"/>
+            <a:ext cx="1787549" cy="1786021"/>
+          </a:xfrm>
+          <a:prstGeom prst="rect">
+            <a:avLst/>
+          </a:prstGeom>
+        </p:spPr>
+      </p:pic>
+      <p:pic>
+        <p:nvPicPr>
+          <p:cNvPr id="9" name="圖片 8" descr="一張含有 日本動畫, 卡通, 電腦繪圖藝術品, 虛構角色 的圖片&#10;&#10;自動產生的描述">
+            <a:extLst>
+              <a:ext uri="{FF2B5EF4-FFF2-40B4-BE49-F238E27FC236}">
+                <a16:creationId xmlns:a16="http://schemas.microsoft.com/office/drawing/2014/main" id="{BEEABB84-D4DF-E81B-4DA2-C6E2EEB57D98}"/>
+              </a:ext>
+            </a:extLst>
+          </p:cNvPr>
+          <p:cNvPicPr>
+            <a:picLocks noChangeAspect="1"/>
+          </p:cNvPicPr>
+          <p:nvPr/>
+        </p:nvPicPr>
+        <p:blipFill>
+          <a:blip r:embed="rId5"/>
+          <a:stretch>
+            <a:fillRect/>
+          </a:stretch>
+        </p:blipFill>
+        <p:spPr>
+          <a:xfrm>
+            <a:off x="2731933" y="-1458686"/>
+            <a:ext cx="1182915" cy="1182915"/>
+          </a:xfrm>
+          <a:prstGeom prst="rect">
+            <a:avLst/>
+          </a:prstGeom>
+        </p:spPr>
+      </p:pic>
+    </p:spTree>
+    <p:extLst>
+      <p:ext uri="{BB962C8B-B14F-4D97-AF65-F5344CB8AC3E}">
+        <p14:creationId xmlns:p14="http://schemas.microsoft.com/office/powerpoint/2010/main" val="140939673"/>
+      </p:ext>
+    </p:extLst>
+  </p:cSld>
+  <p:clrMapOvr>
+    <a:masterClrMapping/>
+  </p:clrMapOvr>
+  <mc:AlternateContent xmlns:mc="http://schemas.openxmlformats.org/markup-compatibility/2006" xmlns:p159="http://schemas.microsoft.com/office/powerpoint/2015/09/main">
+    <mc:Choice Requires="p159">
+      <p:transition spd="slow">
+        <p159:morph option="byObject"/>
+      </p:transition>
+    </mc:Choice>
+    <mc:Fallback xmlns="">
+      <p:transition spd="slow">
+        <p:fade/>
+      </p:transition>
+    </mc:Fallback>
+  </mc:AlternateContent>
+</p:sld>
+</file>
+
+<file path=ppt/slides/slide6.xml><?xml version="1.0" encoding="utf-8"?>
+<p:sld xmlns:a="http://schemas.openxmlformats.org/drawingml/2006/main" xmlns:r="http://schemas.openxmlformats.org/officeDocument/2006/relationships" xmlns:p="http://schemas.openxmlformats.org/presentationml/2006/main">
+  <p:cSld>
+    <p:spTree>
+      <p:nvGrpSpPr>
+        <p:cNvPr id="1" name=""/>
+        <p:cNvGrpSpPr/>
+        <p:nvPr/>
+      </p:nvGrpSpPr>
+      <p:grpSpPr>
+        <a:xfrm>
+          <a:off x="0" y="0"/>
+          <a:ext cx="0" cy="0"/>
+          <a:chOff x="0" y="0"/>
+          <a:chExt cx="0" cy="0"/>
+        </a:xfrm>
+      </p:grpSpPr>
+      <p:sp>
+        <p:nvSpPr>
+          <p:cNvPr id="3" name="內容版面配置區 2">
+            <a:extLst>
+              <a:ext uri="{FF2B5EF4-FFF2-40B4-BE49-F238E27FC236}">
+                <a16:creationId xmlns:a16="http://schemas.microsoft.com/office/drawing/2014/main" id="{98ED81AA-63B3-EB70-5DBE-96DC5CA24F9D}"/>
+              </a:ext>
+            </a:extLst>
+          </p:cNvPr>
+          <p:cNvSpPr>
+            <a:spLocks noGrp="1"/>
+          </p:cNvSpPr>
+          <p:nvPr>
+            <p:ph idx="1"/>
+          </p:nvPr>
+        </p:nvSpPr>
+        <p:spPr>
+          <a:xfrm>
+            <a:off x="7508278" y="1825625"/>
+            <a:ext cx="4106779" cy="4351338"/>
+          </a:xfrm>
+        </p:spPr>
+        <p:txBody>
+          <a:bodyPr vert="horz" lIns="91440" tIns="45720" rIns="91440" bIns="45720" rtlCol="0" anchor="t">
+            <a:normAutofit/>
+          </a:bodyPr>
+          <a:lstStyle/>
+          <a:p>
+            <a:pPr marL="0" indent="0">
+              <a:buNone/>
+            </a:pPr>
+            <a:r>
+              <a:rPr lang="zh-TW" altLang="en-US">
+                <a:latin typeface="Microsoft JhengHei"/>
+                <a:ea typeface="Microsoft JhengHei"/>
+                <a:cs typeface="+mn-lt"/>
+              </a:rPr>
+              <a:t>帶著</a:t>
+            </a:r>
+            <a:r>
+              <a:rPr lang="zh-TW">
+                <a:latin typeface="Microsoft JhengHei"/>
+                <a:ea typeface="Microsoft JhengHei"/>
+                <a:cs typeface="+mn-lt"/>
+              </a:rPr>
+              <a:t>新</a:t>
+            </a:r>
+            <a:r>
+              <a:rPr lang="zh-TW" altLang="en-US">
+                <a:latin typeface="Microsoft JhengHei"/>
+                <a:ea typeface="Microsoft JhengHei"/>
+                <a:cs typeface="+mn-lt"/>
+              </a:rPr>
+              <a:t>獲得</a:t>
+            </a:r>
+            <a:r>
+              <a:rPr lang="zh-TW">
+                <a:latin typeface="Microsoft JhengHei"/>
+                <a:ea typeface="Microsoft JhengHei"/>
+                <a:cs typeface="+mn-lt"/>
+              </a:rPr>
+              <a:t>的</a:t>
+            </a:r>
+            <a:r>
+              <a:rPr lang="zh-TW" altLang="en-US">
+                <a:latin typeface="Microsoft JhengHei"/>
+                <a:ea typeface="Microsoft JhengHei"/>
+                <a:cs typeface="+mn-lt"/>
+              </a:rPr>
+              <a:t>知識</a:t>
+            </a:r>
+            <a:r>
+              <a:rPr lang="zh-TW">
+                <a:latin typeface="Microsoft JhengHei"/>
+                <a:ea typeface="Microsoft JhengHei"/>
+                <a:cs typeface="+mn-lt"/>
+              </a:rPr>
+              <a:t>，我回到了我的虛擬</a:t>
+            </a:r>
+            <a:r>
+              <a:rPr lang="zh-TW" altLang="en-US">
+                <a:latin typeface="Microsoft JhengHei"/>
+                <a:ea typeface="Microsoft JhengHei"/>
+                <a:cs typeface="+mn-lt"/>
+              </a:rPr>
+              <a:t>房間</a:t>
+            </a:r>
+            <a:r>
+              <a:rPr lang="zh-TW">
+                <a:latin typeface="Microsoft JhengHei"/>
+                <a:ea typeface="Microsoft JhengHei"/>
+                <a:cs typeface="+mn-lt"/>
+              </a:rPr>
+              <a:t>，</a:t>
+            </a:r>
+            <a:r>
+              <a:rPr lang="zh-TW" altLang="en-US">
+                <a:latin typeface="Microsoft JhengHei"/>
+                <a:ea typeface="Microsoft JhengHei"/>
+                <a:cs typeface="+mn-lt"/>
+              </a:rPr>
+              <a:t>開</a:t>
+            </a:r>
+            <a:r>
+              <a:rPr lang="zh-TW">
+                <a:latin typeface="Microsoft JhengHei"/>
+                <a:ea typeface="Microsoft JhengHei"/>
+                <a:cs typeface="+mn-lt"/>
+              </a:rPr>
+              <a:t>始</a:t>
+            </a:r>
+            <a:r>
+              <a:rPr lang="zh-TW" altLang="en-US">
+                <a:latin typeface="Microsoft JhengHei"/>
+                <a:ea typeface="Microsoft JhengHei"/>
+                <a:cs typeface="+mn-lt"/>
+              </a:rPr>
+              <a:t>將這</a:t>
+            </a:r>
+            <a:r>
+              <a:rPr lang="zh-TW">
+                <a:latin typeface="Microsoft JhengHei"/>
+                <a:ea typeface="Microsoft JhengHei"/>
+                <a:cs typeface="+mn-lt"/>
+              </a:rPr>
+              <a:t>段代碼</a:t>
+            </a:r>
+            <a:r>
+              <a:rPr lang="zh-TW" altLang="en-US">
+                <a:latin typeface="Microsoft JhengHei"/>
+                <a:ea typeface="Microsoft JhengHei"/>
+                <a:cs typeface="+mn-lt"/>
+              </a:rPr>
+              <a:t>融入</a:t>
+            </a:r>
+            <a:r>
+              <a:rPr lang="zh-TW">
+                <a:latin typeface="Microsoft JhengHei"/>
+                <a:ea typeface="Microsoft JhengHei"/>
+                <a:cs typeface="+mn-lt"/>
+              </a:rPr>
+              <a:t>到我的設計中。隨着</a:t>
+            </a:r>
+            <a:r>
+              <a:rPr lang="zh-TW" altLang="en-US">
+                <a:latin typeface="Microsoft JhengHei"/>
+                <a:ea typeface="Microsoft JhengHei"/>
+                <a:cs typeface="+mn-lt"/>
+              </a:rPr>
+              <a:t>創作</a:t>
+            </a:r>
+            <a:r>
+              <a:rPr lang="zh-TW">
+                <a:latin typeface="Microsoft JhengHei"/>
+                <a:ea typeface="Microsoft JhengHei"/>
+                <a:cs typeface="+mn-lt"/>
+              </a:rPr>
+              <a:t>的展開，我突然意識到</a:t>
+            </a:r>
+            <a:r>
+              <a:rPr lang="zh-TW" altLang="en-US">
+                <a:latin typeface="Microsoft JhengHei"/>
+                <a:ea typeface="Microsoft JhengHei"/>
+                <a:cs typeface="+mn-lt"/>
+              </a:rPr>
+              <a:t>這</a:t>
+            </a:r>
+            <a:r>
+              <a:rPr lang="zh-TW">
+                <a:latin typeface="Microsoft JhengHei"/>
+                <a:ea typeface="Microsoft JhengHei"/>
+                <a:cs typeface="+mn-lt"/>
+              </a:rPr>
+              <a:t>段代</a:t>
+            </a:r>
+            <a:r>
+              <a:rPr lang="zh-TW" altLang="en-US">
+                <a:latin typeface="Microsoft JhengHei"/>
+                <a:ea typeface="Microsoft JhengHei"/>
+                <a:cs typeface="+mn-lt"/>
+              </a:rPr>
+              <a:t>碼</a:t>
+            </a:r>
+            <a:r>
+              <a:rPr lang="zh-TW">
+                <a:latin typeface="Microsoft JhengHei"/>
+                <a:ea typeface="Microsoft JhengHei"/>
+                <a:cs typeface="+mn-lt"/>
+              </a:rPr>
+              <a:t>不僅僅</a:t>
+            </a:r>
+            <a:r>
+              <a:rPr lang="zh-TW" altLang="en-US">
+                <a:latin typeface="Microsoft JhengHei"/>
+                <a:ea typeface="Microsoft JhengHei"/>
+                <a:cs typeface="+mn-lt"/>
+              </a:rPr>
+              <a:t>屬於</a:t>
+            </a:r>
+            <a:r>
+              <a:rPr lang="zh-TW">
+                <a:latin typeface="Microsoft JhengHei"/>
+                <a:ea typeface="Microsoft JhengHei"/>
+                <a:cs typeface="+mn-lt"/>
+              </a:rPr>
+              <a:t>我，它是所有創作</a:t>
+            </a:r>
+            <a:r>
+              <a:rPr lang="zh-TW" altLang="en-US">
+                <a:latin typeface="Microsoft JhengHei"/>
+                <a:ea typeface="Microsoft JhengHei"/>
+                <a:cs typeface="+mn-lt"/>
+              </a:rPr>
+              <a:t>者</a:t>
+            </a:r>
+            <a:r>
+              <a:rPr lang="zh-TW">
+                <a:latin typeface="Microsoft JhengHei"/>
+                <a:ea typeface="Microsoft JhengHei"/>
+                <a:cs typeface="+mn-lt"/>
+              </a:rPr>
+              <a:t>渴望的存在</a:t>
+            </a:r>
+            <a:r>
+              <a:rPr lang="zh-TW" altLang="en-US">
+                <a:latin typeface="Microsoft JhengHei"/>
+                <a:ea typeface="Microsoft JhengHei"/>
+                <a:cs typeface="+mn-lt"/>
+              </a:rPr>
+              <a:t>，應當作為</a:t>
+            </a:r>
+            <a:r>
+              <a:rPr lang="zh-TW">
+                <a:latin typeface="Microsoft JhengHei"/>
+                <a:ea typeface="Microsoft JhengHei"/>
+                <a:cs typeface="+mn-lt"/>
+              </a:rPr>
+              <a:t>共享的</a:t>
+            </a:r>
+            <a:r>
+              <a:rPr lang="zh-TW" altLang="en-US">
+                <a:latin typeface="Microsoft JhengHei"/>
+                <a:ea typeface="Microsoft JhengHei"/>
+                <a:cs typeface="+mn-lt"/>
+              </a:rPr>
+              <a:t>財富</a:t>
+            </a:r>
+            <a:r>
+              <a:rPr lang="zh-TW">
+                <a:latin typeface="Microsoft JhengHei"/>
+                <a:ea typeface="Microsoft JhengHei"/>
+                <a:cs typeface="+mn-lt"/>
+              </a:rPr>
+              <a:t>。</a:t>
+            </a:r>
+            <a:endParaRPr lang="zh-TW" altLang="en-US">
+              <a:latin typeface="Microsoft JhengHei"/>
+              <a:ea typeface="Microsoft JhengHei"/>
+              <a:cs typeface="+mn-lt"/>
+            </a:endParaRPr>
+          </a:p>
+          <a:p>
+            <a:endParaRPr lang="zh-TW"/>
+          </a:p>
+          <a:p>
+            <a:endParaRPr lang="zh-TW" altLang="en-US">
+              <a:ea typeface="新細明體"/>
+            </a:endParaRPr>
+          </a:p>
+        </p:txBody>
+      </p:sp>
+      <p:pic>
+        <p:nvPicPr>
+          <p:cNvPr id="4" name="圖片 3" descr="一張含有 日本動畫, 卡通, 電腦繪圖藝術品, 虛構角色 的圖片&#10;&#10;自動產生的描述">
+            <a:extLst>
+              <a:ext uri="{FF2B5EF4-FFF2-40B4-BE49-F238E27FC236}">
+                <a16:creationId xmlns:a16="http://schemas.microsoft.com/office/drawing/2014/main" id="{1EBC491D-4769-A72B-04D7-577307B58363}"/>
+              </a:ext>
+            </a:extLst>
+          </p:cNvPr>
+          <p:cNvPicPr>
+            <a:picLocks noChangeAspect="1"/>
+          </p:cNvPicPr>
+          <p:nvPr/>
+        </p:nvPicPr>
+        <p:blipFill>
+          <a:blip r:embed="rId3"/>
+          <a:stretch>
+            <a:fillRect/>
+          </a:stretch>
+        </p:blipFill>
+        <p:spPr>
+          <a:xfrm>
+            <a:off x="-4010" y="0"/>
+            <a:ext cx="6858000" cy="6858000"/>
+          </a:xfrm>
+          <a:prstGeom prst="rect">
+            <a:avLst/>
+          </a:prstGeom>
+        </p:spPr>
+      </p:pic>
+      <p:sp>
+        <p:nvSpPr>
+          <p:cNvPr id="5" name="矩形: 圓角 4">
+            <a:extLst>
+              <a:ext uri="{FF2B5EF4-FFF2-40B4-BE49-F238E27FC236}">
+                <a16:creationId xmlns:a16="http://schemas.microsoft.com/office/drawing/2014/main" id="{D9B713A2-B6E7-B16E-E5DF-1961068ADC72}"/>
+              </a:ext>
+            </a:extLst>
+          </p:cNvPr>
+          <p:cNvSpPr/>
+          <p:nvPr/>
+        </p:nvSpPr>
+        <p:spPr>
+          <a:xfrm>
+            <a:off x="215502" y="181252"/>
+            <a:ext cx="1297949" cy="580885"/>
+          </a:xfrm>
+          <a:prstGeom prst="roundRect">
+            <a:avLst/>
+          </a:prstGeom>
+          <a:solidFill>
+            <a:srgbClr val="000000">
+              <a:alpha val="49000"/>
+            </a:srgbClr>
+          </a:solidFill>
+          <a:ln>
+            <a:noFill/>
+          </a:ln>
+        </p:spPr>
+        <p:style>
+          <a:lnRef idx="2">
+            <a:schemeClr val="accent1">
+              <a:shade val="15000"/>
+            </a:schemeClr>
+          </a:lnRef>
+          <a:fillRef idx="1">
+            <a:schemeClr val="accent1"/>
+          </a:fillRef>
+          <a:effectRef idx="0">
+            <a:schemeClr val="accent1"/>
+          </a:effectRef>
+          <a:fontRef idx="minor">
+            <a:schemeClr val="lt1"/>
+          </a:fontRef>
+        </p:style>
+        <p:txBody>
+          <a:bodyPr lIns="91440" tIns="45720" rIns="91440" bIns="45720" rtlCol="0" anchor="ctr"/>
+          <a:lstStyle>
+            <a:defPPr>
+              <a:defRPr lang="zh-TW"/>
+            </a:defPPr>
+            <a:lvl1pPr marL="0" algn="l" defTabSz="914400" rtl="0" eaLnBrk="1" latinLnBrk="0" hangingPunct="1">
+              <a:defRPr sz="1800" kern="1200">
+                <a:solidFill>
+                  <a:schemeClr val="lt1"/>
+                </a:solidFill>
+                <a:latin typeface="+mn-lt"/>
+                <a:ea typeface="+mn-ea"/>
+                <a:cs typeface="+mn-cs"/>
+              </a:defRPr>
+            </a:lvl1pPr>
+            <a:lvl2pPr marL="457200" algn="l" defTabSz="914400" rtl="0" eaLnBrk="1" latinLnBrk="0" hangingPunct="1">
+              <a:defRPr sz="1800" kern="1200">
+                <a:solidFill>
+                  <a:schemeClr val="lt1"/>
+                </a:solidFill>
+                <a:latin typeface="+mn-lt"/>
+                <a:ea typeface="+mn-ea"/>
+                <a:cs typeface="+mn-cs"/>
+              </a:defRPr>
+            </a:lvl2pPr>
+            <a:lvl3pPr marL="914400" algn="l" defTabSz="914400" rtl="0" eaLnBrk="1" latinLnBrk="0" hangingPunct="1">
+              <a:defRPr sz="1800" kern="1200">
+                <a:solidFill>
+                  <a:schemeClr val="lt1"/>
+                </a:solidFill>
+                <a:latin typeface="+mn-lt"/>
+                <a:ea typeface="+mn-ea"/>
+                <a:cs typeface="+mn-cs"/>
+              </a:defRPr>
+            </a:lvl3pPr>
+            <a:lvl4pPr marL="1371600" algn="l" defTabSz="914400" rtl="0" eaLnBrk="1" latinLnBrk="0" hangingPunct="1">
+              <a:defRPr sz="1800" kern="1200">
+                <a:solidFill>
+                  <a:schemeClr val="lt1"/>
+                </a:solidFill>
+                <a:latin typeface="+mn-lt"/>
+                <a:ea typeface="+mn-ea"/>
+                <a:cs typeface="+mn-cs"/>
+              </a:defRPr>
+            </a:lvl4pPr>
+            <a:lvl5pPr marL="1828800" algn="l" defTabSz="914400" rtl="0" eaLnBrk="1" latinLnBrk="0" hangingPunct="1">
+              <a:defRPr sz="1800" kern="1200">
+                <a:solidFill>
+                  <a:schemeClr val="lt1"/>
+                </a:solidFill>
+                <a:latin typeface="+mn-lt"/>
+                <a:ea typeface="+mn-ea"/>
+                <a:cs typeface="+mn-cs"/>
+              </a:defRPr>
+            </a:lvl5pPr>
+            <a:lvl6pPr marL="2286000" algn="l" defTabSz="914400" rtl="0" eaLnBrk="1" latinLnBrk="0" hangingPunct="1">
+              <a:defRPr sz="1800" kern="1200">
+                <a:solidFill>
+                  <a:schemeClr val="lt1"/>
+                </a:solidFill>
+                <a:latin typeface="+mn-lt"/>
+                <a:ea typeface="+mn-ea"/>
+                <a:cs typeface="+mn-cs"/>
+              </a:defRPr>
+            </a:lvl6pPr>
+            <a:lvl7pPr marL="2743200" algn="l" defTabSz="914400" rtl="0" eaLnBrk="1" latinLnBrk="0" hangingPunct="1">
+              <a:defRPr sz="1800" kern="1200">
+                <a:solidFill>
+                  <a:schemeClr val="lt1"/>
+                </a:solidFill>
+                <a:latin typeface="+mn-lt"/>
+                <a:ea typeface="+mn-ea"/>
+                <a:cs typeface="+mn-cs"/>
+              </a:defRPr>
+            </a:lvl7pPr>
+            <a:lvl8pPr marL="3200400" algn="l" defTabSz="914400" rtl="0" eaLnBrk="1" latinLnBrk="0" hangingPunct="1">
+              <a:defRPr sz="1800" kern="1200">
+                <a:solidFill>
+                  <a:schemeClr val="lt1"/>
+                </a:solidFill>
+                <a:latin typeface="+mn-lt"/>
+                <a:ea typeface="+mn-ea"/>
+                <a:cs typeface="+mn-cs"/>
+              </a:defRPr>
+            </a:lvl8pPr>
+            <a:lvl9pPr marL="3657600" algn="l" defTabSz="914400" rtl="0" eaLnBrk="1" latinLnBrk="0" hangingPunct="1">
+              <a:defRPr sz="1800" kern="1200">
+                <a:solidFill>
+                  <a:schemeClr val="lt1"/>
+                </a:solidFill>
+                <a:latin typeface="+mn-lt"/>
+                <a:ea typeface="+mn-ea"/>
+                <a:cs typeface="+mn-cs"/>
+              </a:defRPr>
+            </a:lvl9pPr>
+          </a:lstStyle>
+          <a:p>
+            <a:pPr algn="ctr"/>
+            <a:r>
+              <a:rPr lang="zh-TW" altLang="en-US" sz="3200" b="1">
+                <a:latin typeface="Microsoft JhengHei"/>
+                <a:ea typeface="Microsoft JhengHei"/>
+                <a:cs typeface="Arial"/>
+              </a:rPr>
+              <a:t>意外</a:t>
+            </a:r>
+          </a:p>
+        </p:txBody>
+      </p:sp>
+      <p:pic>
+        <p:nvPicPr>
+          <p:cNvPr id="9" name="圖片 8" descr="一張含有 日本動畫, 電腦繪圖藝術品, 卡通, 虛構角色 的圖片&#10;&#10;自動產生的描述">
+            <a:extLst>
+              <a:ext uri="{FF2B5EF4-FFF2-40B4-BE49-F238E27FC236}">
+                <a16:creationId xmlns:a16="http://schemas.microsoft.com/office/drawing/2014/main" id="{40FA0D6E-11C6-6718-9783-4325D91655CD}"/>
+              </a:ext>
+            </a:extLst>
+          </p:cNvPr>
+          <p:cNvPicPr>
+            <a:picLocks noChangeAspect="1"/>
+          </p:cNvPicPr>
+          <p:nvPr/>
+        </p:nvPicPr>
+        <p:blipFill>
+          <a:blip r:embed="rId4"/>
+          <a:stretch>
+            <a:fillRect/>
+          </a:stretch>
+        </p:blipFill>
+        <p:spPr>
+          <a:xfrm>
+            <a:off x="2107803" y="7405010"/>
+            <a:ext cx="2082801" cy="2082801"/>
+          </a:xfrm>
+          <a:prstGeom prst="rect">
+            <a:avLst/>
+          </a:prstGeom>
+        </p:spPr>
+      </p:pic>
+      <p:pic>
+        <p:nvPicPr>
+          <p:cNvPr id="11" name="圖片 10" descr="一張含有 日本動畫, 卡通, 虛構角色, 人的臉孔 的圖片&#10;&#10;自動產生的描述">
+            <a:extLst>
+              <a:ext uri="{FF2B5EF4-FFF2-40B4-BE49-F238E27FC236}">
+                <a16:creationId xmlns:a16="http://schemas.microsoft.com/office/drawing/2014/main" id="{D51A5ED2-E6DF-6D9A-1225-76202622417D}"/>
+              </a:ext>
+            </a:extLst>
+          </p:cNvPr>
+          <p:cNvPicPr>
+            <a:picLocks noChangeAspect="1"/>
+          </p:cNvPicPr>
+          <p:nvPr/>
+        </p:nvPicPr>
+        <p:blipFill>
+          <a:blip r:embed="rId5"/>
+          <a:stretch>
+            <a:fillRect/>
+          </a:stretch>
+        </p:blipFill>
+        <p:spPr>
+          <a:xfrm>
+            <a:off x="2394857" y="-1705429"/>
+            <a:ext cx="1504138" cy="1494207"/>
+          </a:xfrm>
+          <a:prstGeom prst="rect">
+            <a:avLst/>
+          </a:prstGeom>
+        </p:spPr>
+      </p:pic>
+    </p:spTree>
+    <p:extLst>
+      <p:ext uri="{BB962C8B-B14F-4D97-AF65-F5344CB8AC3E}">
+        <p14:creationId xmlns:p14="http://schemas.microsoft.com/office/powerpoint/2010/main" val="2285174324"/>
+      </p:ext>
+    </p:extLst>
+  </p:cSld>
+  <p:clrMapOvr>
+    <a:masterClrMapping/>
+  </p:clrMapOvr>
+  <mc:AlternateContent xmlns:mc="http://schemas.openxmlformats.org/markup-compatibility/2006" xmlns:p159="http://schemas.microsoft.com/office/powerpoint/2015/09/main">
+    <mc:Choice Requires="p159">
+      <p:transition spd="slow">
+        <p159:morph option="byObject"/>
+      </p:transition>
+    </mc:Choice>
+    <mc:Fallback xmlns="">
+      <p:transition spd="slow">
+        <p:fade/>
+      </p:transition>
+    </mc:Fallback>
+  </mc:AlternateContent>
+</p:sld>
+</file>
+
+<file path=ppt/slides/slide7.xml><?xml version="1.0" encoding="utf-8"?>
+<p:sld xmlns:a="http://schemas.openxmlformats.org/drawingml/2006/main" xmlns:r="http://schemas.openxmlformats.org/officeDocument/2006/relationships" xmlns:p="http://schemas.openxmlformats.org/presentationml/2006/main">
+  <p:cSld>
+    <p:spTree>
+      <p:nvGrpSpPr>
+        <p:cNvPr id="1" name=""/>
+        <p:cNvGrpSpPr/>
+        <p:nvPr/>
+      </p:nvGrpSpPr>
+      <p:grpSpPr>
+        <a:xfrm>
+          <a:off x="0" y="0"/>
+          <a:ext cx="0" cy="0"/>
+          <a:chOff x="0" y="0"/>
+          <a:chExt cx="0" cy="0"/>
+        </a:xfrm>
+      </p:grpSpPr>
+      <p:sp>
+        <p:nvSpPr>
+          <p:cNvPr id="3" name="內容版面配置區 2">
+            <a:extLst>
+              <a:ext uri="{FF2B5EF4-FFF2-40B4-BE49-F238E27FC236}">
+                <a16:creationId xmlns:a16="http://schemas.microsoft.com/office/drawing/2014/main" id="{60C1DDCD-7905-F1C1-8AF1-E7C811000E92}"/>
+              </a:ext>
+            </a:extLst>
+          </p:cNvPr>
+          <p:cNvSpPr>
+            <a:spLocks noGrp="1"/>
+          </p:cNvSpPr>
+          <p:nvPr>
+            <p:ph idx="1"/>
+          </p:nvPr>
+        </p:nvSpPr>
+        <p:spPr>
+          <a:xfrm>
+            <a:off x="7268029" y="1825625"/>
+            <a:ext cx="4572000" cy="4351338"/>
+          </a:xfrm>
+        </p:spPr>
+        <p:txBody>
+          <a:bodyPr vert="horz" lIns="91440" tIns="45720" rIns="91440" bIns="45720" rtlCol="0" anchor="t">
+            <a:normAutofit/>
+          </a:bodyPr>
+          <a:lstStyle/>
+          <a:p>
+            <a:pPr marL="0" indent="0">
+              <a:buNone/>
+            </a:pPr>
+            <a:r>
+              <a:rPr lang="zh-TW">
+                <a:latin typeface="Microsoft JhengHei"/>
+                <a:ea typeface="Microsoft JhengHei"/>
+                <a:cs typeface="+mn-lt"/>
+              </a:rPr>
+              <a:t>我</a:t>
+            </a:r>
+            <a:r>
+              <a:rPr lang="zh-TW" altLang="en-US">
+                <a:latin typeface="Microsoft JhengHei"/>
+                <a:ea typeface="Microsoft JhengHei"/>
+                <a:cs typeface="+mn-lt"/>
+              </a:rPr>
+              <a:t>決</a:t>
+            </a:r>
+            <a:r>
+              <a:rPr lang="zh-TW">
+                <a:latin typeface="Microsoft JhengHei"/>
+                <a:ea typeface="Microsoft JhengHei"/>
+                <a:cs typeface="+mn-lt"/>
+              </a:rPr>
+              <a:t>定</a:t>
+            </a:r>
+            <a:r>
+              <a:rPr lang="zh-TW" altLang="en-US">
+                <a:latin typeface="Microsoft JhengHei"/>
+                <a:ea typeface="Microsoft JhengHei"/>
+                <a:cs typeface="+mn-lt"/>
+              </a:rPr>
+              <a:t>嘗試創造</a:t>
+            </a:r>
+            <a:r>
+              <a:rPr lang="zh-TW">
+                <a:latin typeface="Microsoft JhengHei"/>
+                <a:ea typeface="Microsoft JhengHei"/>
+                <a:cs typeface="+mn-lt"/>
+              </a:rPr>
+              <a:t>全新的虛擬</a:t>
+            </a:r>
+            <a:r>
+              <a:rPr lang="zh-TW" altLang="en-US">
+                <a:latin typeface="Microsoft JhengHei"/>
+                <a:ea typeface="Microsoft JhengHei"/>
+                <a:cs typeface="+mn-lt"/>
+              </a:rPr>
+              <a:t>體驗</a:t>
+            </a:r>
+            <a:r>
+              <a:rPr lang="zh-TW">
+                <a:latin typeface="Microsoft JhengHei"/>
+                <a:ea typeface="Microsoft JhengHei"/>
+                <a:cs typeface="+mn-lt"/>
+              </a:rPr>
+              <a:t>，结合</a:t>
+            </a:r>
+            <a:r>
+              <a:rPr lang="zh-TW" altLang="en-US">
+                <a:latin typeface="Microsoft JhengHei"/>
+                <a:ea typeface="Microsoft JhengHei"/>
+                <a:cs typeface="+mn-lt"/>
+              </a:rPr>
+              <a:t>這項新技術</a:t>
+            </a:r>
+            <a:r>
+              <a:rPr lang="zh-TW">
+                <a:latin typeface="Microsoft JhengHei"/>
+                <a:ea typeface="Microsoft JhengHei"/>
+                <a:cs typeface="+mn-lt"/>
+              </a:rPr>
+              <a:t>。</a:t>
+            </a:r>
+            <a:r>
+              <a:rPr lang="zh-TW" altLang="en-US">
+                <a:latin typeface="Microsoft JhengHei"/>
+                <a:ea typeface="Microsoft JhengHei"/>
+                <a:cs typeface="+mn-lt"/>
+              </a:rPr>
+              <a:t>這</a:t>
+            </a:r>
+            <a:r>
+              <a:rPr lang="zh-TW">
+                <a:latin typeface="Microsoft JhengHei"/>
+                <a:ea typeface="Microsoft JhengHei"/>
+                <a:cs typeface="+mn-lt"/>
+              </a:rPr>
+              <a:t>像是打</a:t>
+            </a:r>
+            <a:r>
+              <a:rPr lang="zh-TW" altLang="en-US">
+                <a:latin typeface="Microsoft JhengHei"/>
+                <a:ea typeface="Microsoft JhengHei"/>
+                <a:cs typeface="+mn-lt"/>
+              </a:rPr>
+              <a:t>開</a:t>
+            </a:r>
+            <a:r>
+              <a:rPr lang="zh-TW">
+                <a:latin typeface="Microsoft JhengHei"/>
+                <a:ea typeface="Microsoft JhengHei"/>
+                <a:cs typeface="+mn-lt"/>
+              </a:rPr>
+              <a:t>了一扇新大</a:t>
+            </a:r>
+            <a:r>
+              <a:rPr lang="zh-TW" altLang="en-US">
+                <a:latin typeface="Microsoft JhengHei"/>
+                <a:ea typeface="Microsoft JhengHei"/>
+                <a:cs typeface="+mn-lt"/>
+              </a:rPr>
+              <a:t>門，带我進入更寬廣的創作世界，讓我對未来的探索充滿期待，同時我將技術開源，讓所有的構築師可以持續拓展迭代這項技術</a:t>
+            </a:r>
+            <a:r>
+              <a:rPr lang="zh-TW">
+                <a:latin typeface="Microsoft JhengHei"/>
+                <a:ea typeface="Microsoft JhengHei"/>
+                <a:cs typeface="+mn-lt"/>
+              </a:rPr>
+              <a:t>。</a:t>
+            </a:r>
+            <a:endParaRPr lang="zh-TW" altLang="en-US">
+              <a:latin typeface="Microsoft JhengHei"/>
+              <a:ea typeface="Microsoft JhengHei"/>
+              <a:cs typeface="+mn-lt"/>
+            </a:endParaRPr>
+          </a:p>
+          <a:p>
+            <a:endParaRPr lang="zh-TW"/>
+          </a:p>
+          <a:p>
+            <a:endParaRPr lang="zh-TW" altLang="en-US">
+              <a:ea typeface="新細明體"/>
+            </a:endParaRPr>
+          </a:p>
+        </p:txBody>
+      </p:sp>
+      <p:pic>
+        <p:nvPicPr>
+          <p:cNvPr id="4" name="圖片 3" descr="一張含有 日本動畫, 卡通, 虛構角色, 人的臉孔 的圖片&#10;&#10;自動產生的描述">
+            <a:extLst>
+              <a:ext uri="{FF2B5EF4-FFF2-40B4-BE49-F238E27FC236}">
+                <a16:creationId xmlns:a16="http://schemas.microsoft.com/office/drawing/2014/main" id="{549FA8AE-72ED-397B-CAD6-5EE046955C3E}"/>
+              </a:ext>
+            </a:extLst>
+          </p:cNvPr>
+          <p:cNvPicPr>
+            <a:picLocks noChangeAspect="1"/>
+          </p:cNvPicPr>
+          <p:nvPr/>
+        </p:nvPicPr>
+        <p:blipFill>
+          <a:blip r:embed="rId3"/>
+          <a:stretch>
+            <a:fillRect/>
+          </a:stretch>
+        </p:blipFill>
+        <p:spPr>
+          <a:xfrm>
+            <a:off x="0" y="0"/>
+            <a:ext cx="6801852" cy="6849978"/>
+          </a:xfrm>
+          <a:prstGeom prst="rect">
+            <a:avLst/>
+          </a:prstGeom>
+        </p:spPr>
+      </p:pic>
+      <p:sp>
+        <p:nvSpPr>
+          <p:cNvPr id="5" name="矩形: 圓角 4">
+            <a:extLst>
+              <a:ext uri="{FF2B5EF4-FFF2-40B4-BE49-F238E27FC236}">
+                <a16:creationId xmlns:a16="http://schemas.microsoft.com/office/drawing/2014/main" id="{D9B713A2-B6E7-B16E-E5DF-1961068ADC72}"/>
+              </a:ext>
+            </a:extLst>
+          </p:cNvPr>
+          <p:cNvSpPr/>
+          <p:nvPr/>
+        </p:nvSpPr>
+        <p:spPr>
+          <a:xfrm>
+            <a:off x="215502" y="181252"/>
+            <a:ext cx="1297949" cy="580885"/>
+          </a:xfrm>
+          <a:prstGeom prst="roundRect">
+            <a:avLst/>
+          </a:prstGeom>
+          <a:solidFill>
+            <a:srgbClr val="000000">
+              <a:alpha val="49000"/>
+            </a:srgbClr>
+          </a:solidFill>
+          <a:ln>
+            <a:noFill/>
+          </a:ln>
+        </p:spPr>
+        <p:style>
+          <a:lnRef idx="2">
+            <a:schemeClr val="accent1">
+              <a:shade val="15000"/>
+            </a:schemeClr>
+          </a:lnRef>
+          <a:fillRef idx="1">
+            <a:schemeClr val="accent1"/>
+          </a:fillRef>
+          <a:effectRef idx="0">
+            <a:schemeClr val="accent1"/>
+          </a:effectRef>
+          <a:fontRef idx="minor">
+            <a:schemeClr val="lt1"/>
+          </a:fontRef>
+        </p:style>
+        <p:txBody>
+          <a:bodyPr lIns="91440" tIns="45720" rIns="91440" bIns="45720" rtlCol="0" anchor="ctr"/>
+          <a:lstStyle>
+            <a:defPPr>
+              <a:defRPr lang="zh-TW"/>
+            </a:defPPr>
+            <a:lvl1pPr marL="0" algn="l" defTabSz="914400" rtl="0" eaLnBrk="1" latinLnBrk="0" hangingPunct="1">
+              <a:defRPr sz="1800" kern="1200">
+                <a:solidFill>
+                  <a:schemeClr val="lt1"/>
+                </a:solidFill>
+                <a:latin typeface="+mn-lt"/>
+                <a:ea typeface="+mn-ea"/>
+                <a:cs typeface="+mn-cs"/>
+              </a:defRPr>
+            </a:lvl1pPr>
+            <a:lvl2pPr marL="457200" algn="l" defTabSz="914400" rtl="0" eaLnBrk="1" latinLnBrk="0" hangingPunct="1">
+              <a:defRPr sz="1800" kern="1200">
+                <a:solidFill>
+                  <a:schemeClr val="lt1"/>
+                </a:solidFill>
+                <a:latin typeface="+mn-lt"/>
+                <a:ea typeface="+mn-ea"/>
+                <a:cs typeface="+mn-cs"/>
+              </a:defRPr>
+            </a:lvl2pPr>
+            <a:lvl3pPr marL="914400" algn="l" defTabSz="914400" rtl="0" eaLnBrk="1" latinLnBrk="0" hangingPunct="1">
+              <a:defRPr sz="1800" kern="1200">
+                <a:solidFill>
+                  <a:schemeClr val="lt1"/>
+                </a:solidFill>
+                <a:latin typeface="+mn-lt"/>
+                <a:ea typeface="+mn-ea"/>
+                <a:cs typeface="+mn-cs"/>
+              </a:defRPr>
+            </a:lvl3pPr>
+            <a:lvl4pPr marL="1371600" algn="l" defTabSz="914400" rtl="0" eaLnBrk="1" latinLnBrk="0" hangingPunct="1">
+              <a:defRPr sz="1800" kern="1200">
+                <a:solidFill>
+                  <a:schemeClr val="lt1"/>
+                </a:solidFill>
+                <a:latin typeface="+mn-lt"/>
+                <a:ea typeface="+mn-ea"/>
+                <a:cs typeface="+mn-cs"/>
+              </a:defRPr>
+            </a:lvl4pPr>
+            <a:lvl5pPr marL="1828800" algn="l" defTabSz="914400" rtl="0" eaLnBrk="1" latinLnBrk="0" hangingPunct="1">
+              <a:defRPr sz="1800" kern="1200">
+                <a:solidFill>
+                  <a:schemeClr val="lt1"/>
+                </a:solidFill>
+                <a:latin typeface="+mn-lt"/>
+                <a:ea typeface="+mn-ea"/>
+                <a:cs typeface="+mn-cs"/>
+              </a:defRPr>
+            </a:lvl5pPr>
+            <a:lvl6pPr marL="2286000" algn="l" defTabSz="914400" rtl="0" eaLnBrk="1" latinLnBrk="0" hangingPunct="1">
+              <a:defRPr sz="1800" kern="1200">
+                <a:solidFill>
+                  <a:schemeClr val="lt1"/>
+                </a:solidFill>
+                <a:latin typeface="+mn-lt"/>
+                <a:ea typeface="+mn-ea"/>
+                <a:cs typeface="+mn-cs"/>
+              </a:defRPr>
+            </a:lvl6pPr>
+            <a:lvl7pPr marL="2743200" algn="l" defTabSz="914400" rtl="0" eaLnBrk="1" latinLnBrk="0" hangingPunct="1">
+              <a:defRPr sz="1800" kern="1200">
+                <a:solidFill>
+                  <a:schemeClr val="lt1"/>
+                </a:solidFill>
+                <a:latin typeface="+mn-lt"/>
+                <a:ea typeface="+mn-ea"/>
+                <a:cs typeface="+mn-cs"/>
+              </a:defRPr>
+            </a:lvl7pPr>
+            <a:lvl8pPr marL="3200400" algn="l" defTabSz="914400" rtl="0" eaLnBrk="1" latinLnBrk="0" hangingPunct="1">
+              <a:defRPr sz="1800" kern="1200">
+                <a:solidFill>
+                  <a:schemeClr val="lt1"/>
+                </a:solidFill>
+                <a:latin typeface="+mn-lt"/>
+                <a:ea typeface="+mn-ea"/>
+                <a:cs typeface="+mn-cs"/>
+              </a:defRPr>
+            </a:lvl8pPr>
+            <a:lvl9pPr marL="3657600" algn="l" defTabSz="914400" rtl="0" eaLnBrk="1" latinLnBrk="0" hangingPunct="1">
+              <a:defRPr sz="1800" kern="1200">
+                <a:solidFill>
+                  <a:schemeClr val="lt1"/>
+                </a:solidFill>
+                <a:latin typeface="+mn-lt"/>
+                <a:ea typeface="+mn-ea"/>
+                <a:cs typeface="+mn-cs"/>
+              </a:defRPr>
+            </a:lvl9pPr>
+          </a:lstStyle>
+          <a:p>
+            <a:pPr algn="ctr"/>
+            <a:r>
+              <a:rPr lang="zh-TW" altLang="en-US" sz="3200" b="1">
+                <a:latin typeface="Microsoft JhengHei"/>
+                <a:ea typeface="Microsoft JhengHei"/>
+                <a:cs typeface="Arial"/>
+              </a:rPr>
+              <a:t>轉折</a:t>
+            </a:r>
+          </a:p>
+        </p:txBody>
+      </p:sp>
+      <p:pic>
+        <p:nvPicPr>
+          <p:cNvPr id="7" name="圖片 6" descr="一張含有 日本動畫, 卡通, 電腦繪圖藝術品, 虛構角色 的圖片&#10;&#10;自動產生的描述">
+            <a:extLst>
+              <a:ext uri="{FF2B5EF4-FFF2-40B4-BE49-F238E27FC236}">
+                <a16:creationId xmlns:a16="http://schemas.microsoft.com/office/drawing/2014/main" id="{169FD914-0017-AD4A-18A4-05321BF60F79}"/>
+              </a:ext>
+            </a:extLst>
+          </p:cNvPr>
+          <p:cNvPicPr>
+            <a:picLocks noChangeAspect="1"/>
+          </p:cNvPicPr>
+          <p:nvPr/>
+        </p:nvPicPr>
+        <p:blipFill>
+          <a:blip r:embed="rId4"/>
+          <a:stretch>
+            <a:fillRect/>
+          </a:stretch>
+        </p:blipFill>
+        <p:spPr>
+          <a:xfrm>
+            <a:off x="2753704" y="7177314"/>
+            <a:ext cx="1313543" cy="1306286"/>
+          </a:xfrm>
+          <a:prstGeom prst="rect">
+            <a:avLst/>
+          </a:prstGeom>
+        </p:spPr>
+      </p:pic>
+      <p:pic>
+        <p:nvPicPr>
+          <p:cNvPr id="9" name="圖片 8" descr="一張含有 日本動畫, 卡通, 漫畫, 服裝 的圖片&#10;&#10;自動產生的描述">
+            <a:extLst>
+              <a:ext uri="{FF2B5EF4-FFF2-40B4-BE49-F238E27FC236}">
+                <a16:creationId xmlns:a16="http://schemas.microsoft.com/office/drawing/2014/main" id="{BEBAC2A1-7135-23A4-7447-0F08661D85D7}"/>
+              </a:ext>
+            </a:extLst>
+          </p:cNvPr>
+          <p:cNvPicPr>
+            <a:picLocks noChangeAspect="1"/>
+          </p:cNvPicPr>
+          <p:nvPr/>
+        </p:nvPicPr>
+        <p:blipFill>
+          <a:blip r:embed="rId5"/>
+          <a:stretch>
+            <a:fillRect/>
+          </a:stretch>
+        </p:blipFill>
+        <p:spPr>
+          <a:xfrm>
+            <a:off x="2754249" y="-1327279"/>
+            <a:ext cx="1059543" cy="1045029"/>
+          </a:xfrm>
+          <a:prstGeom prst="rect">
+            <a:avLst/>
+          </a:prstGeom>
+        </p:spPr>
+      </p:pic>
+    </p:spTree>
+    <p:extLst>
+      <p:ext uri="{BB962C8B-B14F-4D97-AF65-F5344CB8AC3E}">
+        <p14:creationId xmlns:p14="http://schemas.microsoft.com/office/powerpoint/2010/main" val="3259259626"/>
+      </p:ext>
+    </p:extLst>
+  </p:cSld>
+  <p:clrMapOvr>
+    <a:masterClrMapping/>
+  </p:clrMapOvr>
+  <mc:AlternateContent xmlns:mc="http://schemas.openxmlformats.org/markup-compatibility/2006" xmlns:p159="http://schemas.microsoft.com/office/powerpoint/2015/09/main">
+    <mc:Choice Requires="p159">
+      <p:transition spd="slow">
+        <p159:morph option="byObject"/>
+      </p:transition>
+    </mc:Choice>
+    <mc:Fallback xmlns="">
+      <p:transition spd="slow">
+        <p:fade/>
+      </p:transition>
+    </mc:Fallback>
+  </mc:AlternateContent>
+</p:sld>
+</file>
+
+<file path=ppt/slides/slide8.xml><?xml version="1.0" encoding="utf-8"?>
+<p:sld xmlns:a="http://schemas.openxmlformats.org/drawingml/2006/main" xmlns:r="http://schemas.openxmlformats.org/officeDocument/2006/relationships" xmlns:p="http://schemas.openxmlformats.org/presentationml/2006/main">
+  <p:cSld>
+    <p:spTree>
+      <p:nvGrpSpPr>
+        <p:cNvPr id="1" name=""/>
+        <p:cNvGrpSpPr/>
+        <p:nvPr/>
+      </p:nvGrpSpPr>
+      <p:grpSpPr>
+        <a:xfrm>
+          <a:off x="0" y="0"/>
+          <a:ext cx="0" cy="0"/>
+          <a:chOff x="0" y="0"/>
+          <a:chExt cx="0" cy="0"/>
+        </a:xfrm>
+      </p:grpSpPr>
+      <p:sp>
+        <p:nvSpPr>
+          <p:cNvPr id="3" name="內容版面配置區 2">
+            <a:extLst>
+              <a:ext uri="{FF2B5EF4-FFF2-40B4-BE49-F238E27FC236}">
+                <a16:creationId xmlns:a16="http://schemas.microsoft.com/office/drawing/2014/main" id="{C3CC72A2-91F5-444C-5E80-B5BDAB94EF6F}"/>
+              </a:ext>
+            </a:extLst>
+          </p:cNvPr>
+          <p:cNvSpPr>
+            <a:spLocks noGrp="1"/>
+          </p:cNvSpPr>
+          <p:nvPr>
+            <p:ph idx="1"/>
+          </p:nvPr>
+        </p:nvSpPr>
+        <p:spPr>
+          <a:xfrm>
+            <a:off x="7468171" y="1817604"/>
+            <a:ext cx="4363454" cy="4351338"/>
+          </a:xfrm>
+        </p:spPr>
+        <p:txBody>
+          <a:bodyPr vert="horz" lIns="91440" tIns="45720" rIns="91440" bIns="45720" rtlCol="0" anchor="t">
+            <a:normAutofit/>
+          </a:bodyPr>
+          <a:lstStyle/>
+          <a:p>
+            <a:pPr marL="0" indent="0">
+              <a:buNone/>
+            </a:pPr>
+            <a:r>
+              <a:rPr lang="zh-TW" altLang="en-US">
+                <a:latin typeface="Microsoft JhengHei"/>
+                <a:ea typeface="Microsoft JhengHei"/>
+                <a:cs typeface="+mn-lt"/>
+              </a:rPr>
+              <a:t>經過這次冒險，我明白了創造的真正意義在於不斷探索與超越自我。現</a:t>
+            </a:r>
+            <a:r>
+              <a:rPr lang="zh-TW">
+                <a:latin typeface="Microsoft JhengHei"/>
+                <a:ea typeface="Microsoft JhengHei"/>
+                <a:cs typeface="+mn-lt"/>
+              </a:rPr>
+              <a:t>在，我不</a:t>
+            </a:r>
+            <a:r>
+              <a:rPr lang="zh-TW" altLang="en-US">
+                <a:latin typeface="Microsoft JhengHei"/>
+                <a:ea typeface="Microsoft JhengHei"/>
+                <a:cs typeface="+mn-lt"/>
+              </a:rPr>
+              <a:t>僅</a:t>
+            </a:r>
+            <a:r>
+              <a:rPr lang="zh-TW">
+                <a:latin typeface="Microsoft JhengHei"/>
+                <a:ea typeface="Microsoft JhengHei"/>
+                <a:cs typeface="+mn-lt"/>
+              </a:rPr>
+              <a:t>是一個</a:t>
+            </a:r>
+            <a:r>
+              <a:rPr lang="zh-TW" altLang="en-US">
+                <a:latin typeface="Microsoft JhengHei"/>
+                <a:ea typeface="Microsoft JhengHei"/>
+                <a:cs typeface="+mn-lt"/>
+              </a:rPr>
+              <a:t>虛擬空間</a:t>
+            </a:r>
+            <a:r>
+              <a:rPr lang="zh-TW">
+                <a:latin typeface="Microsoft JhengHei"/>
+                <a:ea typeface="Microsoft JhengHei"/>
+                <a:cs typeface="+mn-lt"/>
+              </a:rPr>
+              <a:t>的</a:t>
+            </a:r>
+            <a:r>
+              <a:rPr lang="zh-TW" altLang="en-US">
+                <a:latin typeface="Microsoft JhengHei"/>
+                <a:ea typeface="Microsoft JhengHei"/>
+                <a:cs typeface="+mn-lt"/>
+              </a:rPr>
+              <a:t>構築師</a:t>
+            </a:r>
+            <a:r>
+              <a:rPr lang="zh-TW">
+                <a:latin typeface="Microsoft JhengHei"/>
+                <a:ea typeface="Microsoft JhengHei"/>
+                <a:cs typeface="+mn-lt"/>
+              </a:rPr>
+              <a:t>，</a:t>
+            </a:r>
+            <a:r>
+              <a:rPr lang="zh-TW" altLang="en-US">
+                <a:latin typeface="Microsoft JhengHei"/>
+                <a:ea typeface="Microsoft JhengHei"/>
+                <a:cs typeface="+mn-lt"/>
+              </a:rPr>
+              <a:t>更是一個</a:t>
+            </a:r>
+            <a:r>
+              <a:rPr lang="zh-TW">
+                <a:latin typeface="Microsoft JhengHei"/>
+                <a:ea typeface="Microsoft JhengHei"/>
+                <a:cs typeface="+mn-lt"/>
+              </a:rPr>
+              <a:t>追尋</a:t>
+            </a:r>
+            <a:r>
+              <a:rPr lang="zh-TW" altLang="en-US">
+                <a:latin typeface="Microsoft JhengHei"/>
+                <a:ea typeface="Microsoft JhengHei"/>
+                <a:cs typeface="+mn-lt"/>
+              </a:rPr>
+              <a:t>夢想</a:t>
+            </a:r>
+            <a:r>
+              <a:rPr lang="zh-TW">
+                <a:latin typeface="Microsoft JhengHei"/>
+                <a:ea typeface="Microsoft JhengHei"/>
+                <a:cs typeface="+mn-lt"/>
+              </a:rPr>
+              <a:t>的</a:t>
+            </a:r>
+            <a:r>
+              <a:rPr lang="zh-TW" altLang="en-US">
+                <a:latin typeface="Microsoft JhengHei"/>
+                <a:ea typeface="Microsoft JhengHei"/>
+                <a:cs typeface="+mn-lt"/>
+              </a:rPr>
+              <a:t>探索者</a:t>
+            </a:r>
+            <a:r>
+              <a:rPr lang="zh-TW">
+                <a:latin typeface="Microsoft JhengHei"/>
+                <a:ea typeface="Microsoft JhengHei"/>
+                <a:cs typeface="+mn-lt"/>
+              </a:rPr>
+              <a:t>。我期待著</a:t>
+            </a:r>
+            <a:r>
+              <a:rPr lang="zh-TW" altLang="en-US">
+                <a:latin typeface="Microsoft JhengHei"/>
+                <a:ea typeface="Microsoft JhengHei"/>
+                <a:cs typeface="+mn-lt"/>
+              </a:rPr>
+              <a:t>未來</a:t>
+            </a:r>
+            <a:r>
+              <a:rPr lang="zh-TW">
+                <a:latin typeface="Microsoft JhengHei"/>
+                <a:ea typeface="Microsoft JhengHei"/>
+                <a:cs typeface="+mn-lt"/>
+              </a:rPr>
+              <a:t>的</a:t>
+            </a:r>
+            <a:r>
+              <a:rPr lang="zh-TW" altLang="en-US">
+                <a:latin typeface="Microsoft JhengHei"/>
+                <a:ea typeface="Microsoft JhengHei"/>
+                <a:cs typeface="+mn-lt"/>
+              </a:rPr>
+              <a:t>旅程</a:t>
+            </a:r>
+            <a:r>
+              <a:rPr lang="zh-TW">
+                <a:latin typeface="Microsoft JhengHei"/>
+                <a:ea typeface="Microsoft JhengHei"/>
+                <a:cs typeface="+mn-lt"/>
+              </a:rPr>
+              <a:t>，繼續</a:t>
+            </a:r>
+            <a:r>
+              <a:rPr lang="zh-TW" altLang="en-US">
+                <a:latin typeface="Microsoft JhengHei"/>
+                <a:ea typeface="Microsoft JhengHei"/>
+                <a:cs typeface="+mn-lt"/>
+              </a:rPr>
+              <a:t>創</a:t>
+            </a:r>
+            <a:r>
+              <a:rPr lang="zh-TW">
+                <a:latin typeface="Microsoft JhengHei"/>
+                <a:ea typeface="Microsoft JhengHei"/>
+                <a:cs typeface="+mn-lt"/>
+              </a:rPr>
+              <a:t>造</a:t>
+            </a:r>
+            <a:r>
+              <a:rPr lang="zh-TW" altLang="en-US">
+                <a:latin typeface="Microsoft JhengHei"/>
+                <a:ea typeface="Microsoft JhengHei"/>
+                <a:cs typeface="+mn-lt"/>
+              </a:rPr>
+              <a:t>出更加</a:t>
+            </a:r>
+            <a:r>
+              <a:rPr lang="zh-TW">
+                <a:latin typeface="Microsoft JhengHei"/>
+                <a:ea typeface="Microsoft JhengHei"/>
+                <a:cs typeface="+mn-lt"/>
+              </a:rPr>
+              <a:t>美好的</a:t>
+            </a:r>
+            <a:r>
+              <a:rPr lang="zh-TW" altLang="en-US">
+                <a:latin typeface="Microsoft JhengHei"/>
+                <a:ea typeface="Microsoft JhengHei"/>
+                <a:cs typeface="+mn-lt"/>
+              </a:rPr>
+              <a:t>可能性，迎接下一個冒險的到來</a:t>
+            </a:r>
+            <a:r>
+              <a:rPr lang="zh-TW">
+                <a:latin typeface="Microsoft JhengHei"/>
+                <a:ea typeface="Microsoft JhengHei"/>
+                <a:cs typeface="+mn-lt"/>
+              </a:rPr>
+              <a:t>！</a:t>
+            </a:r>
+            <a:r>
+              <a:rPr lang="en-US" altLang="zh-TW" dirty="0">
+                <a:latin typeface="Microsoft JhengHei"/>
+                <a:ea typeface="Microsoft JhengHei"/>
+                <a:cs typeface="+mn-lt"/>
+              </a:rPr>
+              <a:t>(E7)</a:t>
+            </a:r>
+            <a:endParaRPr lang="zh-TW" dirty="0">
+              <a:latin typeface="Microsoft JhengHei"/>
+              <a:ea typeface="Microsoft JhengHei"/>
+            </a:endParaRPr>
+          </a:p>
+          <a:p>
+            <a:endParaRPr lang="zh-TW"/>
+          </a:p>
+          <a:p>
+            <a:endParaRPr lang="zh-TW"/>
+          </a:p>
+        </p:txBody>
+      </p:sp>
+      <p:pic>
+        <p:nvPicPr>
+          <p:cNvPr id="4" name="圖片 3" descr="一張含有 日本動畫, 卡通, 漫畫, 服裝 的圖片&#10;&#10;自動產生的描述">
+            <a:extLst>
+              <a:ext uri="{FF2B5EF4-FFF2-40B4-BE49-F238E27FC236}">
+                <a16:creationId xmlns:a16="http://schemas.microsoft.com/office/drawing/2014/main" id="{C65DC346-0CB7-2C89-4B8E-828A04DD94F0}"/>
+              </a:ext>
+            </a:extLst>
+          </p:cNvPr>
+          <p:cNvPicPr>
+            <a:picLocks noChangeAspect="1"/>
+          </p:cNvPicPr>
+          <p:nvPr/>
+        </p:nvPicPr>
+        <p:blipFill>
+          <a:blip r:embed="rId3"/>
+          <a:stretch>
+            <a:fillRect/>
+          </a:stretch>
+        </p:blipFill>
+        <p:spPr>
+          <a:xfrm>
+            <a:off x="-3465" y="778"/>
+            <a:ext cx="6858000" cy="6858000"/>
+          </a:xfrm>
+          <a:prstGeom prst="rect">
+            <a:avLst/>
+          </a:prstGeom>
+        </p:spPr>
+      </p:pic>
+      <p:sp>
+        <p:nvSpPr>
+          <p:cNvPr id="5" name="矩形: 圓角 4">
+            <a:extLst>
+              <a:ext uri="{FF2B5EF4-FFF2-40B4-BE49-F238E27FC236}">
+                <a16:creationId xmlns:a16="http://schemas.microsoft.com/office/drawing/2014/main" id="{D9B713A2-B6E7-B16E-E5DF-1961068ADC72}"/>
+              </a:ext>
+            </a:extLst>
+          </p:cNvPr>
+          <p:cNvSpPr/>
+          <p:nvPr/>
+        </p:nvSpPr>
+        <p:spPr>
+          <a:xfrm>
+            <a:off x="215502" y="181252"/>
+            <a:ext cx="1297949" cy="580885"/>
+          </a:xfrm>
+          <a:prstGeom prst="roundRect">
+            <a:avLst/>
+          </a:prstGeom>
+          <a:solidFill>
+            <a:srgbClr val="000000">
+              <a:alpha val="49000"/>
+            </a:srgbClr>
+          </a:solidFill>
+          <a:ln>
+            <a:noFill/>
+          </a:ln>
+        </p:spPr>
+        <p:style>
+          <a:lnRef idx="2">
+            <a:schemeClr val="accent1">
+              <a:shade val="15000"/>
+            </a:schemeClr>
+          </a:lnRef>
+          <a:fillRef idx="1">
+            <a:schemeClr val="accent1"/>
+          </a:fillRef>
+          <a:effectRef idx="0">
+            <a:schemeClr val="accent1"/>
+          </a:effectRef>
+          <a:fontRef idx="minor">
+            <a:schemeClr val="lt1"/>
+          </a:fontRef>
+        </p:style>
+        <p:txBody>
+          <a:bodyPr lIns="91440" tIns="45720" rIns="91440" bIns="45720" rtlCol="0" anchor="ctr"/>
+          <a:lstStyle>
+            <a:defPPr>
+              <a:defRPr lang="zh-TW"/>
+            </a:defPPr>
+            <a:lvl1pPr marL="0" algn="l" defTabSz="914400" rtl="0" eaLnBrk="1" latinLnBrk="0" hangingPunct="1">
+              <a:defRPr sz="1800" kern="1200">
+                <a:solidFill>
+                  <a:schemeClr val="lt1"/>
+                </a:solidFill>
+                <a:latin typeface="+mn-lt"/>
+                <a:ea typeface="+mn-ea"/>
+                <a:cs typeface="+mn-cs"/>
+              </a:defRPr>
+            </a:lvl1pPr>
+            <a:lvl2pPr marL="457200" algn="l" defTabSz="914400" rtl="0" eaLnBrk="1" latinLnBrk="0" hangingPunct="1">
+              <a:defRPr sz="1800" kern="1200">
+                <a:solidFill>
+                  <a:schemeClr val="lt1"/>
+                </a:solidFill>
+                <a:latin typeface="+mn-lt"/>
+                <a:ea typeface="+mn-ea"/>
+                <a:cs typeface="+mn-cs"/>
+              </a:defRPr>
+            </a:lvl2pPr>
+            <a:lvl3pPr marL="914400" algn="l" defTabSz="914400" rtl="0" eaLnBrk="1" latinLnBrk="0" hangingPunct="1">
+              <a:defRPr sz="1800" kern="1200">
+                <a:solidFill>
+                  <a:schemeClr val="lt1"/>
+                </a:solidFill>
+                <a:latin typeface="+mn-lt"/>
+                <a:ea typeface="+mn-ea"/>
+                <a:cs typeface="+mn-cs"/>
+              </a:defRPr>
+            </a:lvl3pPr>
+            <a:lvl4pPr marL="1371600" algn="l" defTabSz="914400" rtl="0" eaLnBrk="1" latinLnBrk="0" hangingPunct="1">
+              <a:defRPr sz="1800" kern="1200">
+                <a:solidFill>
+                  <a:schemeClr val="lt1"/>
+                </a:solidFill>
+                <a:latin typeface="+mn-lt"/>
+                <a:ea typeface="+mn-ea"/>
+                <a:cs typeface="+mn-cs"/>
+              </a:defRPr>
+            </a:lvl4pPr>
+            <a:lvl5pPr marL="1828800" algn="l" defTabSz="914400" rtl="0" eaLnBrk="1" latinLnBrk="0" hangingPunct="1">
+              <a:defRPr sz="1800" kern="1200">
+                <a:solidFill>
+                  <a:schemeClr val="lt1"/>
+                </a:solidFill>
+                <a:latin typeface="+mn-lt"/>
+                <a:ea typeface="+mn-ea"/>
+                <a:cs typeface="+mn-cs"/>
+              </a:defRPr>
+            </a:lvl5pPr>
+            <a:lvl6pPr marL="2286000" algn="l" defTabSz="914400" rtl="0" eaLnBrk="1" latinLnBrk="0" hangingPunct="1">
+              <a:defRPr sz="1800" kern="1200">
+                <a:solidFill>
+                  <a:schemeClr val="lt1"/>
+                </a:solidFill>
+                <a:latin typeface="+mn-lt"/>
+                <a:ea typeface="+mn-ea"/>
+                <a:cs typeface="+mn-cs"/>
+              </a:defRPr>
+            </a:lvl6pPr>
+            <a:lvl7pPr marL="2743200" algn="l" defTabSz="914400" rtl="0" eaLnBrk="1" latinLnBrk="0" hangingPunct="1">
+              <a:defRPr sz="1800" kern="1200">
+                <a:solidFill>
+                  <a:schemeClr val="lt1"/>
+                </a:solidFill>
+                <a:latin typeface="+mn-lt"/>
+                <a:ea typeface="+mn-ea"/>
+                <a:cs typeface="+mn-cs"/>
+              </a:defRPr>
+            </a:lvl7pPr>
+            <a:lvl8pPr marL="3200400" algn="l" defTabSz="914400" rtl="0" eaLnBrk="1" latinLnBrk="0" hangingPunct="1">
+              <a:defRPr sz="1800" kern="1200">
+                <a:solidFill>
+                  <a:schemeClr val="lt1"/>
+                </a:solidFill>
+                <a:latin typeface="+mn-lt"/>
+                <a:ea typeface="+mn-ea"/>
+                <a:cs typeface="+mn-cs"/>
+              </a:defRPr>
+            </a:lvl8pPr>
+            <a:lvl9pPr marL="3657600" algn="l" defTabSz="914400" rtl="0" eaLnBrk="1" latinLnBrk="0" hangingPunct="1">
+              <a:defRPr sz="1800" kern="1200">
+                <a:solidFill>
+                  <a:schemeClr val="lt1"/>
+                </a:solidFill>
+                <a:latin typeface="+mn-lt"/>
+                <a:ea typeface="+mn-ea"/>
+                <a:cs typeface="+mn-cs"/>
+              </a:defRPr>
+            </a:lvl9pPr>
+          </a:lstStyle>
+          <a:p>
+            <a:pPr algn="ctr"/>
+            <a:r>
+              <a:rPr lang="zh-TW" altLang="en-US" sz="3200" b="1">
+                <a:latin typeface="Microsoft JhengHei"/>
+                <a:ea typeface="Microsoft JhengHei"/>
+                <a:cs typeface="Arial"/>
+              </a:rPr>
+              <a:t>結局</a:t>
+            </a:r>
+          </a:p>
+        </p:txBody>
+      </p:sp>
+      <p:pic>
+        <p:nvPicPr>
+          <p:cNvPr id="7" name="圖片 6" descr="一張含有 日本動畫, 卡通, 虛構角色, 人的臉孔 的圖片&#10;&#10;自動產生的描述">
+            <a:extLst>
+              <a:ext uri="{FF2B5EF4-FFF2-40B4-BE49-F238E27FC236}">
+                <a16:creationId xmlns:a16="http://schemas.microsoft.com/office/drawing/2014/main" id="{2BC44E9B-B561-C9C7-73F1-8BA88BF736E2}"/>
+              </a:ext>
+            </a:extLst>
+          </p:cNvPr>
+          <p:cNvPicPr>
+            <a:picLocks noChangeAspect="1"/>
+          </p:cNvPicPr>
+          <p:nvPr/>
+        </p:nvPicPr>
+        <p:blipFill>
+          <a:blip r:embed="rId4"/>
+          <a:stretch>
+            <a:fillRect/>
+          </a:stretch>
+        </p:blipFill>
+        <p:spPr>
+          <a:xfrm>
+            <a:off x="2796619" y="7148660"/>
+            <a:ext cx="1255749" cy="1272452"/>
+          </a:xfrm>
+          <a:prstGeom prst="rect">
+            <a:avLst/>
+          </a:prstGeom>
+        </p:spPr>
+      </p:pic>
+    </p:spTree>
+    <p:extLst>
+      <p:ext uri="{BB962C8B-B14F-4D97-AF65-F5344CB8AC3E}">
+        <p14:creationId xmlns:p14="http://schemas.microsoft.com/office/powerpoint/2010/main" val="199587811"/>
+      </p:ext>
+    </p:extLst>
+  </p:cSld>
+  <p:clrMapOvr>
+    <a:masterClrMapping/>
+  </p:clrMapOvr>
+  <mc:AlternateContent xmlns:mc="http://schemas.openxmlformats.org/markup-compatibility/2006" xmlns:p159="http://schemas.microsoft.com/office/powerpoint/2015/09/main">
+    <mc:Choice Requires="p159">
+      <p:transition spd="slow">
+        <p159:morph option="byObject"/>
+      </p:transition>
+    </mc:Choice>
+    <mc:Fallback xmlns="">
+      <p:transition spd="slow">
+        <p:fade/>
+      </p:transition>
+    </mc:Fallback>
+  </mc:AlternateContent>
 </p:sld>
 </file>
 
 <file path=ppt/theme/theme1.xml><?xml version="1.0" encoding="utf-8"?>
+<a:theme xmlns:a="http://schemas.openxmlformats.org/drawingml/2006/main" name="Office Theme">
+  <a:themeElements>
+    <a:clrScheme name="Office Theme">
+      <a:dk1>
+        <a:sysClr val="windowText" lastClr="000000"/>
+      </a:dk1>
+      <a:lt1>
+        <a:sysClr val="window" lastClr="FFFFFF"/>
+      </a:lt1>
+      <a:dk2>
+        <a:srgbClr val="0E2841"/>
+      </a:dk2>
+      <a:lt2>
+        <a:srgbClr val="E8E8E8"/>
+      </a:lt2>
+      <a:accent1>
+        <a:srgbClr val="156082"/>
+      </a:accent1>
+      <a:accent2>
+        <a:srgbClr val="E97132"/>
+      </a:accent2>
+      <a:accent3>
+        <a:srgbClr val="196B24"/>
+      </a:accent3>
+      <a:accent4>
+        <a:srgbClr val="0F9ED5"/>
+      </a:accent4>
+      <a:accent5>
+        <a:srgbClr val="A02B93"/>
+      </a:accent5>
+      <a:accent6>
+        <a:srgbClr val="4EA72E"/>
+      </a:accent6>
+      <a:hlink>
+        <a:srgbClr val="538D9D"/>
+      </a:hlink>
+      <a:folHlink>
+        <a:srgbClr val="A5738E"/>
+      </a:folHlink>
+    </a:clrScheme>
+    <a:fontScheme name="Office Theme">
+      <a:majorFont>
+        <a:latin typeface="Aptos Display" panose="02110004020202020204"/>
+        <a:ea typeface=""/>
+        <a:cs typeface=""/>
+        <a:font script="Jpan" typeface="游ゴシック Light"/>
+        <a:font script="Hang" typeface="맑은 고딕"/>
+        <a:font script="Hans" typeface="等线 Light"/>
+        <a:font script="Hant" typeface="新細明體"/>
+        <a:font script="Arab" typeface="Times New Roman"/>
+        <a:font script="Hebr" typeface="Times New Roman"/>
+        <a:font script="Thai" typeface="Angsana New"/>
+        <a:font script="Ethi" typeface="Nyala"/>
+        <a:font script="Beng" typeface="Vrinda"/>
+        <a:font script="Gujr" typeface="Shruti"/>
+        <a:font script="Khmr" typeface="MoolBoran"/>
+        <a:font script="Knda" typeface="Tunga"/>
+        <a:font script="Guru" typeface="Raavi"/>
+        <a:font script="Cans" typeface="Euphemia"/>
+        <a:font script="Cher" typeface="Plantagenet Cherokee"/>
+        <a:font script="Yiii" typeface="Microsoft Yi Baiti"/>
+        <a:font script="Tibt" typeface="Microsoft Himalaya"/>
+        <a:font script="Thaa" typeface="MV Boli"/>
+        <a:font script="Deva" typeface="Mangal"/>
+        <a:font script="Telu" typeface="Gautami"/>
+        <a:font script="Taml" typeface="Latha"/>
+        <a:font script="Syrc" typeface="Estrangelo Edessa"/>
+        <a:font script="Orya" typeface="Kalinga"/>
+        <a:font script="Mlym" typeface="Kartika"/>
+        <a:font script="Laoo" typeface="DokChampa"/>
+        <a:font script="Sinh" typeface="Iskoola Pota"/>
+        <a:font script="Mong" typeface="Mongolian Baiti"/>
+        <a:font script="Viet" typeface="Times New Roman"/>
+        <a:font script="Uigh" typeface="Microsoft Uighur"/>
+        <a:font script="Geor" typeface="Sylfaen"/>
+        <a:font script="Armn" typeface="Arial"/>
+        <a:font script="Bugi" typeface="Leelawadee UI"/>
+        <a:font script="Bopo" typeface="Microsoft JhengHei"/>
+        <a:font script="Java" typeface="Javanese Text"/>
+        <a:font script="Lisu" typeface="Segoe UI"/>
+        <a:font script="Mymr" typeface="Myanmar Text"/>
+        <a:font script="Nkoo" typeface="Ebrima"/>
+        <a:font script="Olck" typeface="Nirmala UI"/>
+        <a:font script="Osma" typeface="Ebrima"/>
+        <a:font script="Phag" typeface="Phagspa"/>
+        <a:font script="Syrn" typeface="Estrangelo Edessa"/>
+        <a:font script="Syrj" typeface="Estrangelo Edessa"/>
+        <a:font script="Syre" typeface="Estrangelo Edessa"/>
+        <a:font script="Sora" typeface="Nirmala UI"/>
+        <a:font script="Tale" typeface="Microsoft Tai Le"/>
+        <a:font script="Talu" typeface="Microsoft New Tai Lue"/>
+        <a:font script="Tfng" typeface="Ebrima"/>
+      </a:majorFont>
+      <a:minorFont>
+        <a:latin typeface="Aptos" panose="02110004020202020204"/>
+        <a:ea typeface=""/>
+        <a:cs typeface=""/>
+        <a:font script="Jpan" typeface="游ゴシック"/>
+        <a:font script="Hang" typeface="맑은 고딕"/>
+        <a:font script="Hans" typeface="等线"/>
+        <a:font script="Hant" typeface="新細明體"/>
+        <a:font script="Arab" typeface="Arial"/>
+        <a:font script="Hebr" typeface="Arial"/>
+        <a:font script="Thai" typeface="Cordia New"/>
+        <a:font script="Ethi" typeface="Nyala"/>
+        <a:font script="Beng" typeface="Vrinda"/>
+        <a:font script="Gujr" typeface="Shruti"/>
+        <a:font script="Khmr" typeface="DaunPenh"/>
+        <a:font script="Knda" typeface="Tunga"/>
+        <a:font script="Guru" typeface="Raavi"/>
+        <a:font script="Cans" typeface="Euphemia"/>
+        <a:font script="Cher" typeface="Plantagenet Cherokee"/>
+        <a:font script="Yiii" typeface="Microsoft Yi Baiti"/>
+        <a:font script="Tibt" typeface="Microsoft Himalaya"/>
+        <a:font script="Thaa" typeface="MV Boli"/>
+        <a:font script="Deva" typeface="Mangal"/>
+        <a:font script="Telu" typeface="Gautami"/>
+        <a:font script="Taml" typeface="Latha"/>
+        <a:font script="Syrc" typeface="Estrangelo Edessa"/>
+        <a:font script="Orya" typeface="Kalinga"/>
+        <a:font script="Mlym" typeface="Kartika"/>
+        <a:font script="Laoo" typeface="DokChampa"/>
+        <a:font script="Sinh" typeface="Iskoola Pota"/>
+        <a:font script="Mong" typeface="Mongolian Baiti"/>
+        <a:font script="Viet" typeface="Arial"/>
+        <a:font script="Uigh" typeface="Microsoft Uighur"/>
+        <a:font script="Geor" typeface="Sylfaen"/>
+        <a:font script="Armn" typeface="Arial"/>
+        <a:font script="Bugi" typeface="Leelawadee UI"/>
+        <a:font script="Bopo" typeface="Microsoft JhengHei"/>
+        <a:font script="Java" typeface="Javanese Text"/>
+        <a:font script="Lisu" typeface="Segoe UI"/>
+        <a:font script="Mymr" typeface="Myanmar Text"/>
+        <a:font script="Nkoo" typeface="Ebrima"/>
+        <a:font script="Olck" typeface="Nirmala UI"/>
+        <a:font script="Osma" typeface="Ebrima"/>
+        <a:font script="Phag" typeface="Phagspa"/>
+        <a:font script="Syrn" typeface="Estrangelo Edessa"/>
+        <a:font script="Syrj" typeface="Estrangelo Edessa"/>
+        <a:font script="Syre" typeface="Estrangelo Edessa"/>
+        <a:font script="Sora" typeface="Nirmala UI"/>
+        <a:font script="Tale" typeface="Microsoft Tai Le"/>
+        <a:font script="Talu" typeface="Microsoft New Tai Lue"/>
+        <a:font script="Tfng" typeface="Ebrima"/>
+      </a:minorFont>
+    </a:fontScheme>
+    <a:fmtScheme name="Office Theme">
+      <a:fillStyleLst>
+        <a:solidFill>
+          <a:schemeClr val="phClr"/>
+        </a:solidFill>
+        <a:gradFill rotWithShape="1">
+          <a:gsLst>
+            <a:gs pos="0">
+              <a:schemeClr val="phClr">
+                <a:lumMod val="110000"/>
+                <a:satMod val="105000"/>
+                <a:tint val="67000"/>
+              </a:schemeClr>
+            </a:gs>
+            <a:gs pos="50000">
+              <a:schemeClr val="phClr">
+                <a:lumMod val="105000"/>
+                <a:satMod val="103000"/>
+                <a:tint val="73000"/>
+              </a:schemeClr>
+            </a:gs>
+            <a:gs pos="100000">
+              <a:schemeClr val="phClr">
+                <a:lumMod val="105000"/>
+                <a:satMod val="109000"/>
+                <a:tint val="81000"/>
+              </a:schemeClr>
+            </a:gs>
+          </a:gsLst>
+          <a:lin ang="5400000" scaled="0"/>
+        </a:gradFill>
+        <a:gradFill rotWithShape="1">
+          <a:gsLst>
+            <a:gs pos="0">
+              <a:schemeClr val="phClr">
+                <a:satMod val="103000"/>
+                <a:lumMod val="102000"/>
+                <a:tint val="94000"/>
+              </a:schemeClr>
+            </a:gs>
+            <a:gs pos="50000">
+              <a:schemeClr val="phClr">
+                <a:satMod val="110000"/>
+                <a:lumMod val="100000"/>
+                <a:shade val="100000"/>
+              </a:schemeClr>
+            </a:gs>
+            <a:gs pos="100000">
+              <a:schemeClr val="phClr">
+                <a:lumMod val="99000"/>
+                <a:satMod val="120000"/>
+                <a:shade val="78000"/>
+              </a:schemeClr>
+            </a:gs>
+          </a:gsLst>
+          <a:lin ang="5400000" scaled="0"/>
+        </a:gradFill>
+      </a:fillStyleLst>
+      <a:lnStyleLst>
+        <a:ln w="12700" cap="flat" cmpd="sng" algn="ctr">
+          <a:solidFill>
+            <a:schemeClr val="phClr"/>
+          </a:solidFill>
+          <a:prstDash val="solid"/>
+          <a:miter lim="800000"/>
+        </a:ln>
+        <a:ln w="19050" cap="flat" cmpd="sng" algn="ctr">
+          <a:solidFill>
+            <a:schemeClr val="phClr"/>
+          </a:solidFill>
+          <a:prstDash val="solid"/>
+          <a:miter lim="800000"/>
+        </a:ln>
+        <a:ln w="25400" cap="flat" cmpd="sng" algn="ctr">
+          <a:solidFill>
+            <a:schemeClr val="phClr"/>
+          </a:solidFill>
+          <a:prstDash val="solid"/>
+          <a:miter lim="800000"/>
+        </a:ln>
+      </a:lnStyleLst>
+      <a:effectStyleLst>
+        <a:effectStyle>
+          <a:effectLst/>
+        </a:effectStyle>
+        <a:effectStyle>
+          <a:effectLst/>
+        </a:effectStyle>
+        <a:effectStyle>
+          <a:effectLst>
+            <a:outerShdw blurRad="57150" dist="19050" dir="5400000" algn="ctr" rotWithShape="0">
+              <a:srgbClr val="000000">
+                <a:alpha val="63000"/>
+              </a:srgbClr>
+            </a:outerShdw>
+          </a:effectLst>
+        </a:effectStyle>
+      </a:effectStyleLst>
+      <a:bgFillStyleLst>
+        <a:solidFill>
+          <a:schemeClr val="phClr"/>
+        </a:solidFill>
+        <a:solidFill>
+          <a:schemeClr val="phClr">
+            <a:tint val="95000"/>
+            <a:satMod val="170000"/>
+          </a:schemeClr>
+        </a:solidFill>
+        <a:gradFill rotWithShape="1">
+          <a:gsLst>
+            <a:gs pos="0">
+              <a:schemeClr val="phClr">
+                <a:tint val="93000"/>
+                <a:satMod val="150000"/>
+                <a:shade val="98000"/>
+                <a:lumMod val="102000"/>
+              </a:schemeClr>
+            </a:gs>
+            <a:gs pos="50000">
+              <a:schemeClr val="phClr">
+                <a:tint val="98000"/>
+                <a:satMod val="130000"/>
+                <a:shade val="90000"/>
+                <a:lumMod val="103000"/>
+              </a:schemeClr>
+            </a:gs>
+            <a:gs pos="100000">
+              <a:schemeClr val="phClr">
+                <a:shade val="63000"/>
+                <a:satMod val="120000"/>
+              </a:schemeClr>
+            </a:gs>
+          </a:gsLst>
+          <a:lin ang="5400000" scaled="0"/>
+        </a:gradFill>
+      </a:bgFillStyleLst>
+    </a:fmtScheme>
+  </a:themeElements>
+  <a:objectDefaults>
+    <a:lnDef>
+      <a:spPr/>
+      <a:bodyPr/>
+      <a:lstStyle/>
+      <a:style>
+        <a:lnRef idx="2">
+          <a:schemeClr val="accent1"/>
+        </a:lnRef>
+        <a:fillRef idx="0">
+          <a:schemeClr val="accent1"/>
+        </a:fillRef>
+        <a:effectRef idx="1">
+          <a:schemeClr val="accent1"/>
+        </a:effectRef>
+        <a:fontRef idx="minor">
+          <a:schemeClr val="tx1"/>
+        </a:fontRef>
+      </a:style>
+    </a:lnDef>
+  </a:objectDefaults>
+  <a:extraClrSchemeLst/>
+  <a:extLst>
+    <a:ext uri="{05A4C25C-085E-4340-85A3-A5531E510DB2}">
+      <thm15:themeFamily xmlns:thm15="http://schemas.microsoft.com/office/thememl/2012/main" name="Office Theme" id="{2E142A2C-CD16-42D6-873A-C26D2A0506FA}" vid="{3A418E6B-C5F0-4B95-8D77-61E3EF3B5DF5}"/>
+    </a:ext>
+  </a:extLst>
+</a:theme>
+</file>
+
+<file path=ppt/theme/theme2.xml><?xml version="1.0" encoding="utf-8"?>
 <a:theme xmlns:a="http://schemas.openxmlformats.org/drawingml/2006/main" name="Office 佈景主題">
   <a:themeElements>
     <a:clrScheme name="Office">
